--- a/Abilympics2019.pptx
+++ b/Abilympics2019.pptx
@@ -2,8 +2,27 @@
 <file path=ppt/presentation.xml><?xml version="1.0" encoding="utf-8"?>
 <p:presentation xmlns:a="http://schemas.openxmlformats.org/drawingml/2006/main" xmlns:r="http://schemas.openxmlformats.org/officeDocument/2006/relationships" xmlns:p="http://schemas.openxmlformats.org/presentationml/2006/main" saveSubsetFonts="1">
   <p:sldMasterIdLst>
-    <p:sldMasterId id="2147483648" r:id="rId1"/>
+    <p:sldMasterId id="2147483660" r:id="rId1"/>
   </p:sldMasterIdLst>
+  <p:sldIdLst>
+    <p:sldId id="256" r:id="rId2"/>
+    <p:sldId id="257" r:id="rId3"/>
+    <p:sldId id="258" r:id="rId4"/>
+    <p:sldId id="259" r:id="rId5"/>
+    <p:sldId id="260" r:id="rId6"/>
+    <p:sldId id="261" r:id="rId7"/>
+    <p:sldId id="262" r:id="rId8"/>
+    <p:sldId id="263" r:id="rId9"/>
+    <p:sldId id="264" r:id="rId10"/>
+    <p:sldId id="265" r:id="rId11"/>
+    <p:sldId id="266" r:id="rId12"/>
+    <p:sldId id="267" r:id="rId13"/>
+    <p:sldId id="268" r:id="rId14"/>
+    <p:sldId id="269" r:id="rId15"/>
+    <p:sldId id="270" r:id="rId16"/>
+    <p:sldId id="271" r:id="rId17"/>
+    <p:sldId id="272" r:id="rId18"/>
+  </p:sldIdLst>
   <p:sldSz cx="9144000" cy="6858000" type="screen4x3"/>
   <p:notesSz cx="6858000" cy="9144000"/>
   <p:defaultTextStyle>
@@ -105,8 +124,13 @@
 </file>
 
 <file path=ppt/slideLayouts/slideLayout1.xml><?xml version="1.0" encoding="utf-8"?>
-<p:sldLayout xmlns:a="http://schemas.openxmlformats.org/drawingml/2006/main" xmlns:r="http://schemas.openxmlformats.org/officeDocument/2006/relationships" xmlns:p="http://schemas.openxmlformats.org/presentationml/2006/main" type="title" preserve="1">
+<p:sldLayout xmlns:a="http://schemas.openxmlformats.org/drawingml/2006/main" xmlns:r="http://schemas.openxmlformats.org/officeDocument/2006/relationships" xmlns:p="http://schemas.openxmlformats.org/presentationml/2006/main" showMasterSp="0" type="title" preserve="1">
   <p:cSld name="Титульный слайд">
+    <p:bg>
+      <p:bgRef idx="1002">
+        <a:schemeClr val="bg1"/>
+      </p:bgRef>
+    </p:bg>
     <p:spTree>
       <p:nvGrpSpPr>
         <p:cNvPr id="1" name=""/>
@@ -123,7 +147,126 @@
       </p:grpSpPr>
       <p:sp>
         <p:nvSpPr>
-          <p:cNvPr id="2" name="Заголовок 1"/>
+          <p:cNvPr id="8" name="Прямоугольник 7"/>
+          <p:cNvSpPr/>
+          <p:nvPr/>
+        </p:nvSpPr>
+        <p:spPr>
+          <a:xfrm flipH="1">
+            <a:off x="2667000" y="0"/>
+            <a:ext cx="6477000" cy="6858000"/>
+          </a:xfrm>
+          <a:prstGeom prst="rect">
+            <a:avLst/>
+          </a:prstGeom>
+          <a:blipFill>
+            <a:blip r:embed="rId2">
+              <a:alphaModFix amt="43000"/>
+            </a:blip>
+            <a:tile tx="0" ty="0" sx="50000" sy="50000" flip="none" algn="tl"/>
+          </a:blipFill>
+          <a:ln w="0" cap="flat" cmpd="sng" algn="ctr">
+            <a:noFill/>
+            <a:prstDash val="solid"/>
+          </a:ln>
+          <a:effectLst>
+            <a:fillOverlay blend="mult">
+              <a:gradFill rotWithShape="1">
+                <a:gsLst>
+                  <a:gs pos="0">
+                    <a:schemeClr val="tx2">
+                      <a:tint val="62000"/>
+                      <a:satMod val="420000"/>
+                    </a:schemeClr>
+                  </a:gs>
+                  <a:gs pos="100000">
+                    <a:schemeClr val="tx2">
+                      <a:shade val="20000"/>
+                      <a:satMod val="170000"/>
+                    </a:schemeClr>
+                  </a:gs>
+                </a:gsLst>
+                <a:path path="circle">
+                  <a:fillToRect l="50000" t="100000" r="50000"/>
+                </a:path>
+                <a:tileRect/>
+              </a:gradFill>
+            </a:fillOverlay>
+            <a:innerShdw blurRad="63500" dist="44450" dir="10800000">
+              <a:srgbClr val="000000">
+                <a:alpha val="50000"/>
+              </a:srgbClr>
+            </a:innerShdw>
+          </a:effectLst>
+        </p:spPr>
+        <p:style>
+          <a:lnRef idx="3">
+            <a:schemeClr val="lt1"/>
+          </a:lnRef>
+          <a:fillRef idx="1">
+            <a:schemeClr val="accent1"/>
+          </a:fillRef>
+          <a:effectRef idx="1">
+            <a:schemeClr val="accent1"/>
+          </a:effectRef>
+          <a:fontRef idx="minor">
+            <a:schemeClr val="lt1"/>
+          </a:fontRef>
+        </p:style>
+        <p:txBody>
+          <a:bodyPr anchor="ctr"/>
+          <a:lstStyle>
+            <a:extLst/>
+          </a:lstStyle>
+          <a:p>
+            <a:pPr algn="ctr" eaLnBrk="1" latinLnBrk="0" hangingPunct="1"/>
+            <a:endParaRPr kumimoji="0" lang="en-US"/>
+          </a:p>
+        </p:txBody>
+      </p:sp>
+      <p:sp>
+        <p:nvSpPr>
+          <p:cNvPr id="9" name="Прямая соединительная линия 8"/>
+          <p:cNvSpPr>
+            <a:spLocks noChangeShapeType="1"/>
+          </p:cNvSpPr>
+          <p:nvPr/>
+        </p:nvSpPr>
+        <p:spPr bwMode="auto">
+          <a:xfrm rot="16200000">
+            <a:off x="-762000" y="3429000"/>
+            <a:ext cx="6858000" cy="0"/>
+          </a:xfrm>
+          <a:prstGeom prst="line">
+            <a:avLst/>
+          </a:prstGeom>
+          <a:noFill/>
+          <a:ln w="11430" cap="flat" cmpd="sng" algn="ctr">
+            <a:solidFill>
+              <a:schemeClr val="bg1">
+                <a:shade val="95000"/>
+              </a:schemeClr>
+            </a:solidFill>
+            <a:prstDash val="solid"/>
+            <a:miter lim="800000"/>
+            <a:headEnd type="none" w="med" len="med"/>
+            <a:tailEnd type="none" w="med" len="med"/>
+          </a:ln>
+          <a:effectLst/>
+        </p:spPr>
+        <p:txBody>
+          <a:bodyPr vert="horz" wrap="square" lIns="91440" tIns="45720" rIns="91440" bIns="45720" anchor="t" compatLnSpc="1"/>
+          <a:lstStyle>
+            <a:extLst/>
+          </a:lstStyle>
+          <a:p>
+            <a:endParaRPr kumimoji="0" lang="en-US"/>
+          </a:p>
+        </p:txBody>
+      </p:sp>
+      <p:sp>
+        <p:nvSpPr>
+          <p:cNvPr id="12" name="Заголовок 11"/>
           <p:cNvSpPr>
             <a:spLocks noGrp="1"/>
           </p:cNvSpPr>
@@ -133,25 +276,32 @@
         </p:nvSpPr>
         <p:spPr>
           <a:xfrm>
-            <a:off x="685800" y="2130425"/>
-            <a:ext cx="7772400" cy="1470025"/>
+            <a:off x="3366868" y="533400"/>
+            <a:ext cx="5105400" cy="2868168"/>
           </a:xfrm>
         </p:spPr>
         <p:txBody>
-          <a:bodyPr/>
-          <a:lstStyle/>
-          <a:p>
-            <a:r>
-              <a:rPr lang="ru-RU" smtClean="0"/>
+          <a:bodyPr lIns="45720" tIns="0" rIns="45720">
+            <a:noAutofit/>
+          </a:bodyPr>
+          <a:lstStyle>
+            <a:lvl1pPr algn="r">
+              <a:defRPr sz="4200" b="1"/>
+            </a:lvl1pPr>
+            <a:extLst/>
+          </a:lstStyle>
+          <a:p>
+            <a:r>
+              <a:rPr kumimoji="0" lang="ru-RU" smtClean="0"/>
               <a:t>Образец заголовка</a:t>
             </a:r>
-            <a:endParaRPr lang="ru-RU"/>
-          </a:p>
-        </p:txBody>
-      </p:sp>
-      <p:sp>
-        <p:nvSpPr>
-          <p:cNvPr id="3" name="Подзаголовок 2"/>
+            <a:endParaRPr kumimoji="0" lang="en-US"/>
+          </a:p>
+        </p:txBody>
+      </p:sp>
+      <p:sp>
+        <p:nvSpPr>
+          <p:cNvPr id="25" name="Подзаголовок 24"/>
           <p:cNvSpPr>
             <a:spLocks noGrp="1"/>
           </p:cNvSpPr>
@@ -161,131 +311,90 @@
         </p:nvSpPr>
         <p:spPr>
           <a:xfrm>
-            <a:off x="1371600" y="3886200"/>
-            <a:ext cx="6400800" cy="1752600"/>
+            <a:off x="3354442" y="3539864"/>
+            <a:ext cx="5114778" cy="1101248"/>
           </a:xfrm>
         </p:spPr>
         <p:txBody>
-          <a:bodyPr/>
-          <a:lstStyle>
-            <a:lvl1pPr marL="0" indent="0" algn="ctr">
+          <a:bodyPr lIns="45720" tIns="0" rIns="45720" bIns="0"/>
+          <a:lstStyle>
+            <a:lvl1pPr marL="0" indent="0" algn="r">
               <a:buNone/>
-              <a:defRPr>
+              <a:defRPr sz="2200">
                 <a:solidFill>
-                  <a:schemeClr val="tx1">
-                    <a:tint val="75000"/>
-                  </a:schemeClr>
+                  <a:srgbClr val="FFFFFF"/>
                 </a:solidFill>
+                <a:effectLst/>
               </a:defRPr>
             </a:lvl1pPr>
             <a:lvl2pPr marL="457200" indent="0" algn="ctr">
               <a:buNone/>
-              <a:defRPr>
-                <a:solidFill>
-                  <a:schemeClr val="tx1">
-                    <a:tint val="75000"/>
-                  </a:schemeClr>
-                </a:solidFill>
-              </a:defRPr>
             </a:lvl2pPr>
             <a:lvl3pPr marL="914400" indent="0" algn="ctr">
               <a:buNone/>
-              <a:defRPr>
-                <a:solidFill>
-                  <a:schemeClr val="tx1">
-                    <a:tint val="75000"/>
-                  </a:schemeClr>
-                </a:solidFill>
-              </a:defRPr>
             </a:lvl3pPr>
             <a:lvl4pPr marL="1371600" indent="0" algn="ctr">
               <a:buNone/>
-              <a:defRPr>
-                <a:solidFill>
-                  <a:schemeClr val="tx1">
-                    <a:tint val="75000"/>
-                  </a:schemeClr>
-                </a:solidFill>
-              </a:defRPr>
             </a:lvl4pPr>
             <a:lvl5pPr marL="1828800" indent="0" algn="ctr">
               <a:buNone/>
-              <a:defRPr>
-                <a:solidFill>
-                  <a:schemeClr val="tx1">
-                    <a:tint val="75000"/>
-                  </a:schemeClr>
-                </a:solidFill>
-              </a:defRPr>
             </a:lvl5pPr>
             <a:lvl6pPr marL="2286000" indent="0" algn="ctr">
               <a:buNone/>
-              <a:defRPr>
-                <a:solidFill>
-                  <a:schemeClr val="tx1">
-                    <a:tint val="75000"/>
-                  </a:schemeClr>
-                </a:solidFill>
-              </a:defRPr>
             </a:lvl6pPr>
             <a:lvl7pPr marL="2743200" indent="0" algn="ctr">
               <a:buNone/>
-              <a:defRPr>
-                <a:solidFill>
-                  <a:schemeClr val="tx1">
-                    <a:tint val="75000"/>
-                  </a:schemeClr>
-                </a:solidFill>
-              </a:defRPr>
             </a:lvl7pPr>
             <a:lvl8pPr marL="3200400" indent="0" algn="ctr">
               <a:buNone/>
-              <a:defRPr>
-                <a:solidFill>
-                  <a:schemeClr val="tx1">
-                    <a:tint val="75000"/>
-                  </a:schemeClr>
-                </a:solidFill>
-              </a:defRPr>
             </a:lvl8pPr>
             <a:lvl9pPr marL="3657600" indent="0" algn="ctr">
               <a:buNone/>
-              <a:defRPr>
+            </a:lvl9pPr>
+            <a:extLst/>
+          </a:lstStyle>
+          <a:p>
+            <a:r>
+              <a:rPr kumimoji="0" lang="ru-RU" smtClean="0"/>
+              <a:t>Образец подзаголовка</a:t>
+            </a:r>
+            <a:endParaRPr kumimoji="0" lang="en-US"/>
+          </a:p>
+        </p:txBody>
+      </p:sp>
+      <p:sp>
+        <p:nvSpPr>
+          <p:cNvPr id="31" name="Дата 30"/>
+          <p:cNvSpPr>
+            <a:spLocks noGrp="1"/>
+          </p:cNvSpPr>
+          <p:nvPr>
+            <p:ph type="dt" sz="half" idx="10"/>
+          </p:nvPr>
+        </p:nvSpPr>
+        <p:spPr>
+          <a:xfrm>
+            <a:off x="5871224" y="6557946"/>
+            <a:ext cx="2002464" cy="226902"/>
+          </a:xfrm>
+        </p:spPr>
+        <p:txBody>
+          <a:bodyPr/>
+          <a:lstStyle>
+            <a:lvl1pPr>
+              <a:defRPr lang="en-US" smtClean="0">
                 <a:solidFill>
-                  <a:schemeClr val="tx1">
-                    <a:tint val="75000"/>
-                  </a:schemeClr>
+                  <a:srgbClr val="FFFFFF"/>
                 </a:solidFill>
               </a:defRPr>
-            </a:lvl9pPr>
-          </a:lstStyle>
-          <a:p>
-            <a:r>
-              <a:rPr lang="ru-RU" smtClean="0"/>
-              <a:t>Образец подзаголовка</a:t>
-            </a:r>
-            <a:endParaRPr lang="ru-RU"/>
-          </a:p>
-        </p:txBody>
-      </p:sp>
-      <p:sp>
-        <p:nvSpPr>
-          <p:cNvPr id="4" name="Дата 3"/>
-          <p:cNvSpPr>
-            <a:spLocks noGrp="1"/>
-          </p:cNvSpPr>
-          <p:nvPr>
-            <p:ph type="dt" sz="half" idx="10"/>
-          </p:nvPr>
-        </p:nvSpPr>
-        <p:spPr/>
-        <p:txBody>
-          <a:bodyPr/>
-          <a:lstStyle/>
+            </a:lvl1pPr>
+            <a:extLst/>
+          </a:lstStyle>
           <a:p>
             <a:fld id="{5B106E36-FD25-4E2D-B0AA-010F637433A0}" type="datetimeFigureOut">
               <a:rPr lang="ru-RU" smtClean="0"/>
-              <a:t>03.11.2006</a:t>
+              <a:pPr/>
+              <a:t>26.09.2019</a:t>
             </a:fld>
             <a:endParaRPr lang="ru-RU"/>
           </a:p>
@@ -293,7 +402,7 @@
       </p:sp>
       <p:sp>
         <p:nvSpPr>
-          <p:cNvPr id="5" name="Нижний колонтитул 4"/>
+          <p:cNvPr id="18" name="Нижний колонтитул 17"/>
           <p:cNvSpPr>
             <a:spLocks noGrp="1"/>
           </p:cNvSpPr>
@@ -301,10 +410,24 @@
             <p:ph type="ftr" sz="quarter" idx="11"/>
           </p:nvPr>
         </p:nvSpPr>
-        <p:spPr/>
-        <p:txBody>
-          <a:bodyPr/>
-          <a:lstStyle/>
+        <p:spPr>
+          <a:xfrm>
+            <a:off x="2819400" y="6557946"/>
+            <a:ext cx="2927722" cy="228600"/>
+          </a:xfrm>
+        </p:spPr>
+        <p:txBody>
+          <a:bodyPr/>
+          <a:lstStyle>
+            <a:lvl1pPr>
+              <a:defRPr lang="en-US" dirty="0">
+                <a:solidFill>
+                  <a:srgbClr val="FFFFFF"/>
+                </a:solidFill>
+              </a:defRPr>
+            </a:lvl1pPr>
+            <a:extLst/>
+          </a:lstStyle>
           <a:p>
             <a:endParaRPr lang="ru-RU"/>
           </a:p>
@@ -312,7 +435,7 @@
       </p:sp>
       <p:sp>
         <p:nvSpPr>
-          <p:cNvPr id="6" name="Номер слайда 5"/>
+          <p:cNvPr id="29" name="Номер слайда 28"/>
           <p:cNvSpPr>
             <a:spLocks noGrp="1"/>
           </p:cNvSpPr>
@@ -320,13 +443,28 @@
             <p:ph type="sldNum" sz="quarter" idx="12"/>
           </p:nvPr>
         </p:nvSpPr>
-        <p:spPr/>
-        <p:txBody>
-          <a:bodyPr/>
-          <a:lstStyle/>
+        <p:spPr>
+          <a:xfrm>
+            <a:off x="7880884" y="6556248"/>
+            <a:ext cx="588336" cy="228600"/>
+          </a:xfrm>
+        </p:spPr>
+        <p:txBody>
+          <a:bodyPr/>
+          <a:lstStyle>
+            <a:lvl1pPr>
+              <a:defRPr lang="en-US" smtClean="0">
+                <a:solidFill>
+                  <a:srgbClr val="FFFFFF"/>
+                </a:solidFill>
+              </a:defRPr>
+            </a:lvl1pPr>
+            <a:extLst/>
+          </a:lstStyle>
           <a:p>
             <a:fld id="{725C68B6-61C2-468F-89AB-4B9F7531AA68}" type="slidenum">
               <a:rPr lang="ru-RU" smtClean="0"/>
+              <a:pPr/>
               <a:t>‹#›</a:t>
             </a:fld>
             <a:endParaRPr lang="ru-RU"/>
@@ -336,8 +474,11 @@
     </p:spTree>
   </p:cSld>
   <p:clrMapOvr>
-    <a:masterClrMapping/>
+    <a:overrideClrMapping bg1="lt1" tx1="dk1" bg2="lt2" tx2="dk2" accent1="accent1" accent2="accent2" accent3="accent3" accent4="accent4" accent5="accent5" accent6="accent6" hlink="hlink" folHlink="folHlink"/>
   </p:clrMapOvr>
+  <p:transition>
+    <p:wheel spokes="3"/>
+  </p:transition>
 </p:sldLayout>
 </file>
 
@@ -371,13 +512,15 @@
         <p:spPr/>
         <p:txBody>
           <a:bodyPr/>
-          <a:lstStyle/>
-          <a:p>
-            <a:r>
-              <a:rPr lang="ru-RU" smtClean="0"/>
+          <a:lstStyle>
+            <a:extLst/>
+          </a:lstStyle>
+          <a:p>
+            <a:r>
+              <a:rPr kumimoji="0" lang="ru-RU" smtClean="0"/>
               <a:t>Образец заголовка</a:t>
             </a:r>
-            <a:endParaRPr lang="ru-RU"/>
+            <a:endParaRPr kumimoji="0" lang="en-US"/>
           </a:p>
         </p:txBody>
       </p:sp>
@@ -394,42 +537,44 @@
         <p:spPr/>
         <p:txBody>
           <a:bodyPr vert="eaVert"/>
-          <a:lstStyle/>
-          <a:p>
-            <a:pPr lvl="0"/>
+          <a:lstStyle>
+            <a:extLst/>
+          </a:lstStyle>
+          <a:p>
+            <a:pPr lvl="0" eaLnBrk="1" latinLnBrk="0" hangingPunct="1"/>
             <a:r>
               <a:rPr lang="ru-RU" smtClean="0"/>
               <a:t>Образец текста</a:t>
             </a:r>
           </a:p>
           <a:p>
-            <a:pPr lvl="1"/>
+            <a:pPr lvl="1" eaLnBrk="1" latinLnBrk="0" hangingPunct="1"/>
             <a:r>
               <a:rPr lang="ru-RU" smtClean="0"/>
               <a:t>Второй уровень</a:t>
             </a:r>
           </a:p>
           <a:p>
-            <a:pPr lvl="2"/>
+            <a:pPr lvl="2" eaLnBrk="1" latinLnBrk="0" hangingPunct="1"/>
             <a:r>
               <a:rPr lang="ru-RU" smtClean="0"/>
               <a:t>Третий уровень</a:t>
             </a:r>
           </a:p>
           <a:p>
-            <a:pPr lvl="3"/>
+            <a:pPr lvl="3" eaLnBrk="1" latinLnBrk="0" hangingPunct="1"/>
             <a:r>
               <a:rPr lang="ru-RU" smtClean="0"/>
               <a:t>Четвертый уровень</a:t>
             </a:r>
           </a:p>
           <a:p>
-            <a:pPr lvl="4"/>
+            <a:pPr lvl="4" eaLnBrk="1" latinLnBrk="0" hangingPunct="1"/>
             <a:r>
               <a:rPr lang="ru-RU" smtClean="0"/>
               <a:t>Пятый уровень</a:t>
             </a:r>
-            <a:endParaRPr lang="ru-RU"/>
+            <a:endParaRPr kumimoji="0" lang="en-US"/>
           </a:p>
         </p:txBody>
       </p:sp>
@@ -446,11 +591,14 @@
         <p:spPr/>
         <p:txBody>
           <a:bodyPr/>
-          <a:lstStyle/>
+          <a:lstStyle>
+            <a:extLst/>
+          </a:lstStyle>
           <a:p>
             <a:fld id="{5B106E36-FD25-4E2D-B0AA-010F637433A0}" type="datetimeFigureOut">
               <a:rPr lang="ru-RU" smtClean="0"/>
-              <a:t>03.11.2006</a:t>
+              <a:pPr/>
+              <a:t>26.09.2019</a:t>
             </a:fld>
             <a:endParaRPr lang="ru-RU"/>
           </a:p>
@@ -469,7 +617,9 @@
         <p:spPr/>
         <p:txBody>
           <a:bodyPr/>
-          <a:lstStyle/>
+          <a:lstStyle>
+            <a:extLst/>
+          </a:lstStyle>
           <a:p>
             <a:endParaRPr lang="ru-RU"/>
           </a:p>
@@ -488,10 +638,13 @@
         <p:spPr/>
         <p:txBody>
           <a:bodyPr/>
-          <a:lstStyle/>
+          <a:lstStyle>
+            <a:extLst/>
+          </a:lstStyle>
           <a:p>
             <a:fld id="{725C68B6-61C2-468F-89AB-4B9F7531AA68}" type="slidenum">
               <a:rPr lang="ru-RU" smtClean="0"/>
+              <a:pPr/>
               <a:t>‹#›</a:t>
             </a:fld>
             <a:endParaRPr lang="ru-RU"/>
@@ -503,6 +656,9 @@
   <p:clrMapOvr>
     <a:masterClrMapping/>
   </p:clrMapOvr>
+  <p:transition>
+    <p:wheel spokes="3"/>
+  </p:transition>
 </p:sldLayout>
 </file>
 
@@ -535,19 +691,21 @@
         </p:nvSpPr>
         <p:spPr>
           <a:xfrm>
-            <a:off x="6629400" y="274638"/>
-            <a:ext cx="2057400" cy="5851525"/>
+            <a:off x="6553200" y="274955"/>
+            <a:ext cx="1524000" cy="5851525"/>
           </a:xfrm>
         </p:spPr>
         <p:txBody>
-          <a:bodyPr vert="eaVert"/>
-          <a:lstStyle/>
-          <a:p>
-            <a:r>
-              <a:rPr lang="ru-RU" smtClean="0"/>
+          <a:bodyPr vert="eaVert" anchor="t"/>
+          <a:lstStyle>
+            <a:extLst/>
+          </a:lstStyle>
+          <a:p>
+            <a:r>
+              <a:rPr kumimoji="0" lang="ru-RU" smtClean="0"/>
               <a:t>Образец заголовка</a:t>
             </a:r>
-            <a:endParaRPr lang="ru-RU"/>
+            <a:endParaRPr kumimoji="0" lang="en-US"/>
           </a:p>
         </p:txBody>
       </p:sp>
@@ -563,48 +721,50 @@
         </p:nvSpPr>
         <p:spPr>
           <a:xfrm>
-            <a:off x="457200" y="274638"/>
+            <a:off x="457200" y="274642"/>
             <a:ext cx="6019800" cy="5851525"/>
           </a:xfrm>
         </p:spPr>
         <p:txBody>
           <a:bodyPr vert="eaVert"/>
-          <a:lstStyle/>
-          <a:p>
-            <a:pPr lvl="0"/>
+          <a:lstStyle>
+            <a:extLst/>
+          </a:lstStyle>
+          <a:p>
+            <a:pPr lvl="0" eaLnBrk="1" latinLnBrk="0" hangingPunct="1"/>
             <a:r>
               <a:rPr lang="ru-RU" smtClean="0"/>
               <a:t>Образец текста</a:t>
             </a:r>
           </a:p>
           <a:p>
-            <a:pPr lvl="1"/>
+            <a:pPr lvl="1" eaLnBrk="1" latinLnBrk="0" hangingPunct="1"/>
             <a:r>
               <a:rPr lang="ru-RU" smtClean="0"/>
               <a:t>Второй уровень</a:t>
             </a:r>
           </a:p>
           <a:p>
-            <a:pPr lvl="2"/>
+            <a:pPr lvl="2" eaLnBrk="1" latinLnBrk="0" hangingPunct="1"/>
             <a:r>
               <a:rPr lang="ru-RU" smtClean="0"/>
               <a:t>Третий уровень</a:t>
             </a:r>
           </a:p>
           <a:p>
-            <a:pPr lvl="3"/>
+            <a:pPr lvl="3" eaLnBrk="1" latinLnBrk="0" hangingPunct="1"/>
             <a:r>
               <a:rPr lang="ru-RU" smtClean="0"/>
               <a:t>Четвертый уровень</a:t>
             </a:r>
           </a:p>
           <a:p>
-            <a:pPr lvl="4"/>
+            <a:pPr lvl="4" eaLnBrk="1" latinLnBrk="0" hangingPunct="1"/>
             <a:r>
               <a:rPr lang="ru-RU" smtClean="0"/>
               <a:t>Пятый уровень</a:t>
             </a:r>
-            <a:endParaRPr lang="ru-RU"/>
+            <a:endParaRPr kumimoji="0" lang="en-US"/>
           </a:p>
         </p:txBody>
       </p:sp>
@@ -618,14 +778,22 @@
             <p:ph type="dt" sz="half" idx="10"/>
           </p:nvPr>
         </p:nvSpPr>
-        <p:spPr/>
-        <p:txBody>
-          <a:bodyPr/>
-          <a:lstStyle/>
+        <p:spPr>
+          <a:xfrm>
+            <a:off x="4242816" y="6557946"/>
+            <a:ext cx="2002464" cy="226902"/>
+          </a:xfrm>
+        </p:spPr>
+        <p:txBody>
+          <a:bodyPr/>
+          <a:lstStyle>
+            <a:extLst/>
+          </a:lstStyle>
           <a:p>
             <a:fld id="{5B106E36-FD25-4E2D-B0AA-010F637433A0}" type="datetimeFigureOut">
               <a:rPr lang="ru-RU" smtClean="0"/>
-              <a:t>03.11.2006</a:t>
+              <a:pPr/>
+              <a:t>26.09.2019</a:t>
             </a:fld>
             <a:endParaRPr lang="ru-RU"/>
           </a:p>
@@ -641,10 +809,17 @@
             <p:ph type="ftr" sz="quarter" idx="11"/>
           </p:nvPr>
         </p:nvSpPr>
-        <p:spPr/>
-        <p:txBody>
-          <a:bodyPr/>
-          <a:lstStyle/>
+        <p:spPr>
+          <a:xfrm>
+            <a:off x="457200" y="6556248"/>
+            <a:ext cx="3657600" cy="228600"/>
+          </a:xfrm>
+        </p:spPr>
+        <p:txBody>
+          <a:bodyPr/>
+          <a:lstStyle>
+            <a:extLst/>
+          </a:lstStyle>
           <a:p>
             <a:endParaRPr lang="ru-RU"/>
           </a:p>
@@ -660,13 +835,28 @@
             <p:ph type="sldNum" sz="quarter" idx="12"/>
           </p:nvPr>
         </p:nvSpPr>
-        <p:spPr/>
-        <p:txBody>
-          <a:bodyPr/>
-          <a:lstStyle/>
+        <p:spPr>
+          <a:xfrm>
+            <a:off x="6254496" y="6553200"/>
+            <a:ext cx="588336" cy="228600"/>
+          </a:xfrm>
+        </p:spPr>
+        <p:txBody>
+          <a:bodyPr/>
+          <a:lstStyle>
+            <a:lvl1pPr>
+              <a:defRPr>
+                <a:solidFill>
+                  <a:schemeClr val="tx2"/>
+                </a:solidFill>
+              </a:defRPr>
+            </a:lvl1pPr>
+            <a:extLst/>
+          </a:lstStyle>
           <a:p>
             <a:fld id="{725C68B6-61C2-468F-89AB-4B9F7531AA68}" type="slidenum">
               <a:rPr lang="ru-RU" smtClean="0"/>
+              <a:pPr/>
               <a:t>‹#›</a:t>
             </a:fld>
             <a:endParaRPr lang="ru-RU"/>
@@ -678,6 +868,9 @@
   <p:clrMapOvr>
     <a:masterClrMapping/>
   </p:clrMapOvr>
+  <p:transition>
+    <p:wheel spokes="3"/>
+  </p:transition>
 </p:sldLayout>
 </file>
 
@@ -711,13 +904,15 @@
         <p:spPr/>
         <p:txBody>
           <a:bodyPr/>
-          <a:lstStyle/>
-          <a:p>
-            <a:r>
-              <a:rPr lang="ru-RU" smtClean="0"/>
+          <a:lstStyle>
+            <a:extLst/>
+          </a:lstStyle>
+          <a:p>
+            <a:r>
+              <a:rPr kumimoji="0" lang="ru-RU" smtClean="0"/>
               <a:t>Образец заголовка</a:t>
             </a:r>
-            <a:endParaRPr lang="ru-RU"/>
+            <a:endParaRPr kumimoji="0" lang="en-US"/>
           </a:p>
         </p:txBody>
       </p:sp>
@@ -734,42 +929,44 @@
         <p:spPr/>
         <p:txBody>
           <a:bodyPr/>
-          <a:lstStyle/>
-          <a:p>
-            <a:pPr lvl="0"/>
+          <a:lstStyle>
+            <a:extLst/>
+          </a:lstStyle>
+          <a:p>
+            <a:pPr lvl="0" eaLnBrk="1" latinLnBrk="0" hangingPunct="1"/>
             <a:r>
               <a:rPr lang="ru-RU" smtClean="0"/>
               <a:t>Образец текста</a:t>
             </a:r>
           </a:p>
           <a:p>
-            <a:pPr lvl="1"/>
+            <a:pPr lvl="1" eaLnBrk="1" latinLnBrk="0" hangingPunct="1"/>
             <a:r>
               <a:rPr lang="ru-RU" smtClean="0"/>
               <a:t>Второй уровень</a:t>
             </a:r>
           </a:p>
           <a:p>
-            <a:pPr lvl="2"/>
+            <a:pPr lvl="2" eaLnBrk="1" latinLnBrk="0" hangingPunct="1"/>
             <a:r>
               <a:rPr lang="ru-RU" smtClean="0"/>
               <a:t>Третий уровень</a:t>
             </a:r>
           </a:p>
           <a:p>
-            <a:pPr lvl="3"/>
+            <a:pPr lvl="3" eaLnBrk="1" latinLnBrk="0" hangingPunct="1"/>
             <a:r>
               <a:rPr lang="ru-RU" smtClean="0"/>
               <a:t>Четвертый уровень</a:t>
             </a:r>
           </a:p>
           <a:p>
-            <a:pPr lvl="4"/>
+            <a:pPr lvl="4" eaLnBrk="1" latinLnBrk="0" hangingPunct="1"/>
             <a:r>
               <a:rPr lang="ru-RU" smtClean="0"/>
               <a:t>Пятый уровень</a:t>
             </a:r>
-            <a:endParaRPr lang="ru-RU"/>
+            <a:endParaRPr kumimoji="0" lang="en-US"/>
           </a:p>
         </p:txBody>
       </p:sp>
@@ -786,11 +983,14 @@
         <p:spPr/>
         <p:txBody>
           <a:bodyPr/>
-          <a:lstStyle/>
+          <a:lstStyle>
+            <a:extLst/>
+          </a:lstStyle>
           <a:p>
             <a:fld id="{5B106E36-FD25-4E2D-B0AA-010F637433A0}" type="datetimeFigureOut">
               <a:rPr lang="ru-RU" smtClean="0"/>
-              <a:t>03.11.2006</a:t>
+              <a:pPr/>
+              <a:t>26.09.2019</a:t>
             </a:fld>
             <a:endParaRPr lang="ru-RU"/>
           </a:p>
@@ -809,7 +1009,9 @@
         <p:spPr/>
         <p:txBody>
           <a:bodyPr/>
-          <a:lstStyle/>
+          <a:lstStyle>
+            <a:extLst/>
+          </a:lstStyle>
           <a:p>
             <a:endParaRPr lang="ru-RU"/>
           </a:p>
@@ -828,10 +1030,13 @@
         <p:spPr/>
         <p:txBody>
           <a:bodyPr/>
-          <a:lstStyle/>
+          <a:lstStyle>
+            <a:extLst/>
+          </a:lstStyle>
           <a:p>
             <a:fld id="{725C68B6-61C2-468F-89AB-4B9F7531AA68}" type="slidenum">
               <a:rPr lang="ru-RU" smtClean="0"/>
+              <a:pPr/>
               <a:t>‹#›</a:t>
             </a:fld>
             <a:endParaRPr lang="ru-RU"/>
@@ -843,12 +1048,20 @@
   <p:clrMapOvr>
     <a:masterClrMapping/>
   </p:clrMapOvr>
+  <p:transition>
+    <p:wheel spokes="3"/>
+  </p:transition>
 </p:sldLayout>
 </file>
 
 <file path=ppt/slideLayouts/slideLayout3.xml><?xml version="1.0" encoding="utf-8"?>
 <p:sldLayout xmlns:a="http://schemas.openxmlformats.org/drawingml/2006/main" xmlns:r="http://schemas.openxmlformats.org/officeDocument/2006/relationships" xmlns:p="http://schemas.openxmlformats.org/presentationml/2006/main" type="secHead" preserve="1">
   <p:cSld name="Заголовок раздела">
+    <p:bg>
+      <p:bgRef idx="1001">
+        <a:schemeClr val="bg1"/>
+      </p:bgRef>
+    </p:bg>
     <p:spTree>
       <p:nvGrpSpPr>
         <p:cNvPr id="1" name=""/>
@@ -875,23 +1088,25 @@
         </p:nvSpPr>
         <p:spPr>
           <a:xfrm>
-            <a:off x="722313" y="4406900"/>
-            <a:ext cx="7772400" cy="1362075"/>
+            <a:off x="1066800" y="2821837"/>
+            <a:ext cx="6255488" cy="1362075"/>
           </a:xfrm>
         </p:spPr>
         <p:txBody>
-          <a:bodyPr anchor="t"/>
-          <a:lstStyle>
-            <a:lvl1pPr algn="l">
-              <a:defRPr sz="4000" b="1" cap="all"/>
+          <a:bodyPr tIns="0" anchor="t"/>
+          <a:lstStyle>
+            <a:lvl1pPr algn="r">
+              <a:buNone/>
+              <a:defRPr sz="4200" b="1" cap="all"/>
             </a:lvl1pPr>
-          </a:lstStyle>
-          <a:p>
-            <a:r>
-              <a:rPr lang="ru-RU" smtClean="0"/>
+            <a:extLst/>
+          </a:lstStyle>
+          <a:p>
+            <a:r>
+              <a:rPr kumimoji="0" lang="ru-RU" smtClean="0"/>
               <a:t>Образец заголовка</a:t>
             </a:r>
-            <a:endParaRPr lang="ru-RU"/>
+            <a:endParaRPr kumimoji="0" lang="en-US"/>
           </a:p>
         </p:txBody>
       </p:sp>
@@ -907,24 +1122,23 @@
         </p:nvSpPr>
         <p:spPr>
           <a:xfrm>
-            <a:off x="722313" y="2906713"/>
-            <a:ext cx="7772400" cy="1500187"/>
+            <a:off x="1066800" y="1905000"/>
+            <a:ext cx="6255488" cy="743507"/>
           </a:xfrm>
         </p:spPr>
         <p:txBody>
           <a:bodyPr anchor="b"/>
           <a:lstStyle>
-            <a:lvl1pPr marL="0" indent="0">
+            <a:lvl1pPr marL="0" indent="0" algn="r">
               <a:buNone/>
               <a:defRPr sz="2000">
                 <a:solidFill>
-                  <a:schemeClr val="tx1">
-                    <a:tint val="75000"/>
-                  </a:schemeClr>
+                  <a:schemeClr val="tx1"/>
                 </a:solidFill>
+                <a:effectLst/>
               </a:defRPr>
             </a:lvl1pPr>
-            <a:lvl2pPr marL="457200" indent="0">
+            <a:lvl2pPr>
               <a:buNone/>
               <a:defRPr sz="1800">
                 <a:solidFill>
@@ -934,7 +1148,7 @@
                 </a:solidFill>
               </a:defRPr>
             </a:lvl2pPr>
-            <a:lvl3pPr marL="914400" indent="0">
+            <a:lvl3pPr>
               <a:buNone/>
               <a:defRPr sz="1600">
                 <a:solidFill>
@@ -944,7 +1158,7 @@
                 </a:solidFill>
               </a:defRPr>
             </a:lvl3pPr>
-            <a:lvl4pPr marL="1371600" indent="0">
+            <a:lvl4pPr>
               <a:buNone/>
               <a:defRPr sz="1400">
                 <a:solidFill>
@@ -954,7 +1168,7 @@
                 </a:solidFill>
               </a:defRPr>
             </a:lvl4pPr>
-            <a:lvl5pPr marL="1828800" indent="0">
+            <a:lvl5pPr>
               <a:buNone/>
               <a:defRPr sz="1400">
                 <a:solidFill>
@@ -964,100 +1178,90 @@
                 </a:solidFill>
               </a:defRPr>
             </a:lvl5pPr>
-            <a:lvl6pPr marL="2286000" indent="0">
-              <a:buNone/>
-              <a:defRPr sz="1400">
+            <a:extLst/>
+          </a:lstStyle>
+          <a:p>
+            <a:pPr lvl="0" eaLnBrk="1" latinLnBrk="0" hangingPunct="1"/>
+            <a:r>
+              <a:rPr kumimoji="0" lang="ru-RU" smtClean="0"/>
+              <a:t>Образец текста</a:t>
+            </a:r>
+          </a:p>
+        </p:txBody>
+      </p:sp>
+      <p:sp>
+        <p:nvSpPr>
+          <p:cNvPr id="4" name="Дата 3"/>
+          <p:cNvSpPr>
+            <a:spLocks noGrp="1"/>
+          </p:cNvSpPr>
+          <p:nvPr>
+            <p:ph type="dt" sz="half" idx="10"/>
+          </p:nvPr>
+        </p:nvSpPr>
+        <p:spPr>
+          <a:xfrm>
+            <a:off x="4724238" y="6556810"/>
+            <a:ext cx="2002464" cy="226902"/>
+          </a:xfrm>
+        </p:spPr>
+        <p:txBody>
+          <a:bodyPr bIns="0" anchor="b"/>
+          <a:lstStyle>
+            <a:lvl1pPr>
+              <a:defRPr>
                 <a:solidFill>
-                  <a:schemeClr val="tx1">
-                    <a:tint val="75000"/>
-                  </a:schemeClr>
+                  <a:schemeClr val="tx2"/>
                 </a:solidFill>
               </a:defRPr>
-            </a:lvl6pPr>
-            <a:lvl7pPr marL="2743200" indent="0">
-              <a:buNone/>
-              <a:defRPr sz="1400">
+            </a:lvl1pPr>
+            <a:extLst/>
+          </a:lstStyle>
+          <a:p>
+            <a:fld id="{5B106E36-FD25-4E2D-B0AA-010F637433A0}" type="datetimeFigureOut">
+              <a:rPr lang="ru-RU" smtClean="0"/>
+              <a:pPr/>
+              <a:t>26.09.2019</a:t>
+            </a:fld>
+            <a:endParaRPr lang="ru-RU"/>
+          </a:p>
+        </p:txBody>
+      </p:sp>
+      <p:sp>
+        <p:nvSpPr>
+          <p:cNvPr id="5" name="Нижний колонтитул 4"/>
+          <p:cNvSpPr>
+            <a:spLocks noGrp="1"/>
+          </p:cNvSpPr>
+          <p:nvPr>
+            <p:ph type="ftr" sz="quarter" idx="11"/>
+          </p:nvPr>
+        </p:nvSpPr>
+        <p:spPr>
+          <a:xfrm>
+            <a:off x="1735358" y="6556810"/>
+            <a:ext cx="2895600" cy="228600"/>
+          </a:xfrm>
+        </p:spPr>
+        <p:txBody>
+          <a:bodyPr bIns="0" anchor="b"/>
+          <a:lstStyle>
+            <a:lvl1pPr>
+              <a:defRPr>
                 <a:solidFill>
-                  <a:schemeClr val="tx1">
-                    <a:tint val="75000"/>
-                  </a:schemeClr>
+                  <a:schemeClr val="tx2"/>
                 </a:solidFill>
               </a:defRPr>
-            </a:lvl7pPr>
-            <a:lvl8pPr marL="3200400" indent="0">
-              <a:buNone/>
-              <a:defRPr sz="1400">
-                <a:solidFill>
-                  <a:schemeClr val="tx1">
-                    <a:tint val="75000"/>
-                  </a:schemeClr>
-                </a:solidFill>
-              </a:defRPr>
-            </a:lvl8pPr>
-            <a:lvl9pPr marL="3657600" indent="0">
-              <a:buNone/>
-              <a:defRPr sz="1400">
-                <a:solidFill>
-                  <a:schemeClr val="tx1">
-                    <a:tint val="75000"/>
-                  </a:schemeClr>
-                </a:solidFill>
-              </a:defRPr>
-            </a:lvl9pPr>
-          </a:lstStyle>
-          <a:p>
-            <a:pPr lvl="0"/>
-            <a:r>
-              <a:rPr lang="ru-RU" smtClean="0"/>
-              <a:t>Образец текста</a:t>
-            </a:r>
-          </a:p>
-        </p:txBody>
-      </p:sp>
-      <p:sp>
-        <p:nvSpPr>
-          <p:cNvPr id="4" name="Дата 3"/>
-          <p:cNvSpPr>
-            <a:spLocks noGrp="1"/>
-          </p:cNvSpPr>
-          <p:nvPr>
-            <p:ph type="dt" sz="half" idx="10"/>
-          </p:nvPr>
-        </p:nvSpPr>
-        <p:spPr/>
-        <p:txBody>
-          <a:bodyPr/>
-          <a:lstStyle/>
-          <a:p>
-            <a:fld id="{5B106E36-FD25-4E2D-B0AA-010F637433A0}" type="datetimeFigureOut">
-              <a:rPr lang="ru-RU" smtClean="0"/>
-              <a:t>03.11.2006</a:t>
-            </a:fld>
+            </a:lvl1pPr>
+            <a:extLst/>
+          </a:lstStyle>
+          <a:p>
             <a:endParaRPr lang="ru-RU"/>
           </a:p>
         </p:txBody>
       </p:sp>
       <p:sp>
         <p:nvSpPr>
-          <p:cNvPr id="5" name="Нижний колонтитул 4"/>
-          <p:cNvSpPr>
-            <a:spLocks noGrp="1"/>
-          </p:cNvSpPr>
-          <p:nvPr>
-            <p:ph type="ftr" sz="quarter" idx="11"/>
-          </p:nvPr>
-        </p:nvSpPr>
-        <p:spPr/>
-        <p:txBody>
-          <a:bodyPr/>
-          <a:lstStyle/>
-          <a:p>
-            <a:endParaRPr lang="ru-RU"/>
-          </a:p>
-        </p:txBody>
-      </p:sp>
-      <p:sp>
-        <p:nvSpPr>
           <p:cNvPr id="6" name="Номер слайда 5"/>
           <p:cNvSpPr>
             <a:spLocks noGrp="1"/>
@@ -1066,13 +1270,21 @@
             <p:ph type="sldNum" sz="quarter" idx="12"/>
           </p:nvPr>
         </p:nvSpPr>
-        <p:spPr/>
-        <p:txBody>
-          <a:bodyPr/>
-          <a:lstStyle/>
+        <p:spPr>
+          <a:xfrm>
+            <a:off x="6733952" y="6555112"/>
+            <a:ext cx="588336" cy="228600"/>
+          </a:xfrm>
+        </p:spPr>
+        <p:txBody>
+          <a:bodyPr/>
+          <a:lstStyle>
+            <a:extLst/>
+          </a:lstStyle>
           <a:p>
             <a:fld id="{725C68B6-61C2-468F-89AB-4B9F7531AA68}" type="slidenum">
               <a:rPr lang="ru-RU" smtClean="0"/>
+              <a:pPr/>
               <a:t>‹#›</a:t>
             </a:fld>
             <a:endParaRPr lang="ru-RU"/>
@@ -1082,8 +1294,11 @@
     </p:spTree>
   </p:cSld>
   <p:clrMapOvr>
-    <a:masterClrMapping/>
+    <a:overrideClrMapping bg1="lt1" tx1="dk1" bg2="lt2" tx2="dk2" accent1="accent1" accent2="accent2" accent3="accent3" accent4="accent4" accent5="accent5" accent6="accent6" hlink="hlink" folHlink="folHlink"/>
   </p:clrMapOvr>
+  <p:transition>
+    <p:wheel spokes="3"/>
+  </p:transition>
 </p:sldLayout>
 </file>
 
@@ -1114,16 +1329,23 @@
             <p:ph type="title"/>
           </p:nvPr>
         </p:nvSpPr>
-        <p:spPr/>
-        <p:txBody>
-          <a:bodyPr/>
-          <a:lstStyle/>
-          <a:p>
-            <a:r>
-              <a:rPr lang="ru-RU" smtClean="0"/>
+        <p:spPr>
+          <a:xfrm>
+            <a:off x="457200" y="320040"/>
+            <a:ext cx="7242048" cy="1143000"/>
+          </a:xfrm>
+        </p:spPr>
+        <p:txBody>
+          <a:bodyPr/>
+          <a:lstStyle>
+            <a:extLst/>
+          </a:lstStyle>
+          <a:p>
+            <a:r>
+              <a:rPr kumimoji="0" lang="ru-RU" smtClean="0"/>
               <a:t>Образец заголовка</a:t>
             </a:r>
-            <a:endParaRPr lang="ru-RU"/>
+            <a:endParaRPr kumimoji="0" lang="en-US"/>
           </a:p>
         </p:txBody>
       </p:sp>
@@ -1140,11 +1362,11 @@
         <p:spPr>
           <a:xfrm>
             <a:off x="457200" y="1600200"/>
-            <a:ext cx="4038600" cy="4525963"/>
+            <a:ext cx="3520440" cy="4525963"/>
           </a:xfrm>
         </p:spPr>
         <p:txBody>
-          <a:bodyPr/>
+          <a:bodyPr anchor="t"/>
           <a:lstStyle>
             <a:lvl1pPr>
               <a:defRPr sz="2800"/>
@@ -1161,54 +1383,43 @@
             <a:lvl5pPr>
               <a:defRPr sz="1800"/>
             </a:lvl5pPr>
-            <a:lvl6pPr>
-              <a:defRPr sz="1800"/>
-            </a:lvl6pPr>
-            <a:lvl7pPr>
-              <a:defRPr sz="1800"/>
-            </a:lvl7pPr>
-            <a:lvl8pPr>
-              <a:defRPr sz="1800"/>
-            </a:lvl8pPr>
-            <a:lvl9pPr>
-              <a:defRPr sz="1800"/>
-            </a:lvl9pPr>
-          </a:lstStyle>
-          <a:p>
-            <a:pPr lvl="0"/>
+            <a:extLst/>
+          </a:lstStyle>
+          <a:p>
+            <a:pPr lvl="0" eaLnBrk="1" latinLnBrk="0" hangingPunct="1"/>
             <a:r>
               <a:rPr lang="ru-RU" smtClean="0"/>
               <a:t>Образец текста</a:t>
             </a:r>
           </a:p>
           <a:p>
-            <a:pPr lvl="1"/>
+            <a:pPr lvl="1" eaLnBrk="1" latinLnBrk="0" hangingPunct="1"/>
             <a:r>
               <a:rPr lang="ru-RU" smtClean="0"/>
               <a:t>Второй уровень</a:t>
             </a:r>
           </a:p>
           <a:p>
-            <a:pPr lvl="2"/>
+            <a:pPr lvl="2" eaLnBrk="1" latinLnBrk="0" hangingPunct="1"/>
             <a:r>
               <a:rPr lang="ru-RU" smtClean="0"/>
               <a:t>Третий уровень</a:t>
             </a:r>
           </a:p>
           <a:p>
-            <a:pPr lvl="3"/>
+            <a:pPr lvl="3" eaLnBrk="1" latinLnBrk="0" hangingPunct="1"/>
             <a:r>
               <a:rPr lang="ru-RU" smtClean="0"/>
               <a:t>Четвертый уровень</a:t>
             </a:r>
           </a:p>
           <a:p>
-            <a:pPr lvl="4"/>
+            <a:pPr lvl="4" eaLnBrk="1" latinLnBrk="0" hangingPunct="1"/>
             <a:r>
               <a:rPr lang="ru-RU" smtClean="0"/>
               <a:t>Пятый уровень</a:t>
             </a:r>
-            <a:endParaRPr lang="ru-RU"/>
+            <a:endParaRPr kumimoji="0" lang="en-US"/>
           </a:p>
         </p:txBody>
       </p:sp>
@@ -1224,12 +1435,12 @@
         </p:nvSpPr>
         <p:spPr>
           <a:xfrm>
-            <a:off x="4648200" y="1600200"/>
-            <a:ext cx="4038600" cy="4525963"/>
+            <a:off x="4178808" y="1600200"/>
+            <a:ext cx="3520440" cy="4525963"/>
           </a:xfrm>
         </p:spPr>
         <p:txBody>
-          <a:bodyPr/>
+          <a:bodyPr anchor="t"/>
           <a:lstStyle>
             <a:lvl1pPr>
               <a:defRPr sz="2800"/>
@@ -1246,54 +1457,43 @@
             <a:lvl5pPr>
               <a:defRPr sz="1800"/>
             </a:lvl5pPr>
-            <a:lvl6pPr>
-              <a:defRPr sz="1800"/>
-            </a:lvl6pPr>
-            <a:lvl7pPr>
-              <a:defRPr sz="1800"/>
-            </a:lvl7pPr>
-            <a:lvl8pPr>
-              <a:defRPr sz="1800"/>
-            </a:lvl8pPr>
-            <a:lvl9pPr>
-              <a:defRPr sz="1800"/>
-            </a:lvl9pPr>
-          </a:lstStyle>
-          <a:p>
-            <a:pPr lvl="0"/>
+            <a:extLst/>
+          </a:lstStyle>
+          <a:p>
+            <a:pPr lvl="0" eaLnBrk="1" latinLnBrk="0" hangingPunct="1"/>
             <a:r>
               <a:rPr lang="ru-RU" smtClean="0"/>
               <a:t>Образец текста</a:t>
             </a:r>
           </a:p>
           <a:p>
-            <a:pPr lvl="1"/>
+            <a:pPr lvl="1" eaLnBrk="1" latinLnBrk="0" hangingPunct="1"/>
             <a:r>
               <a:rPr lang="ru-RU" smtClean="0"/>
               <a:t>Второй уровень</a:t>
             </a:r>
           </a:p>
           <a:p>
-            <a:pPr lvl="2"/>
+            <a:pPr lvl="2" eaLnBrk="1" latinLnBrk="0" hangingPunct="1"/>
             <a:r>
               <a:rPr lang="ru-RU" smtClean="0"/>
               <a:t>Третий уровень</a:t>
             </a:r>
           </a:p>
           <a:p>
-            <a:pPr lvl="3"/>
+            <a:pPr lvl="3" eaLnBrk="1" latinLnBrk="0" hangingPunct="1"/>
             <a:r>
               <a:rPr lang="ru-RU" smtClean="0"/>
               <a:t>Четвертый уровень</a:t>
             </a:r>
           </a:p>
           <a:p>
-            <a:pPr lvl="4"/>
+            <a:pPr lvl="4" eaLnBrk="1" latinLnBrk="0" hangingPunct="1"/>
             <a:r>
               <a:rPr lang="ru-RU" smtClean="0"/>
               <a:t>Пятый уровень</a:t>
             </a:r>
-            <a:endParaRPr lang="ru-RU"/>
+            <a:endParaRPr kumimoji="0" lang="en-US"/>
           </a:p>
         </p:txBody>
       </p:sp>
@@ -1310,11 +1510,14 @@
         <p:spPr/>
         <p:txBody>
           <a:bodyPr/>
-          <a:lstStyle/>
+          <a:lstStyle>
+            <a:extLst/>
+          </a:lstStyle>
           <a:p>
             <a:fld id="{5B106E36-FD25-4E2D-B0AA-010F637433A0}" type="datetimeFigureOut">
               <a:rPr lang="ru-RU" smtClean="0"/>
-              <a:t>03.11.2006</a:t>
+              <a:pPr/>
+              <a:t>26.09.2019</a:t>
             </a:fld>
             <a:endParaRPr lang="ru-RU"/>
           </a:p>
@@ -1333,7 +1536,9 @@
         <p:spPr/>
         <p:txBody>
           <a:bodyPr/>
-          <a:lstStyle/>
+          <a:lstStyle>
+            <a:extLst/>
+          </a:lstStyle>
           <a:p>
             <a:endParaRPr lang="ru-RU"/>
           </a:p>
@@ -1352,10 +1557,13 @@
         <p:spPr/>
         <p:txBody>
           <a:bodyPr/>
-          <a:lstStyle/>
+          <a:lstStyle>
+            <a:extLst/>
+          </a:lstStyle>
           <a:p>
             <a:fld id="{725C68B6-61C2-468F-89AB-4B9F7531AA68}" type="slidenum">
               <a:rPr lang="ru-RU" smtClean="0"/>
+              <a:pPr/>
               <a:t>‹#›</a:t>
             </a:fld>
             <a:endParaRPr lang="ru-RU"/>
@@ -1367,6 +1575,9 @@
   <p:clrMapOvr>
     <a:masterClrMapping/>
   </p:clrMapOvr>
+  <p:transition>
+    <p:wheel spokes="3"/>
+  </p:transition>
 </p:sldLayout>
 </file>
 
@@ -1397,20 +1608,26 @@
             <p:ph type="title"/>
           </p:nvPr>
         </p:nvSpPr>
-        <p:spPr/>
-        <p:txBody>
-          <a:bodyPr/>
+        <p:spPr>
+          <a:xfrm>
+            <a:off x="457200" y="320040"/>
+            <a:ext cx="7242048" cy="1143000"/>
+          </a:xfrm>
+        </p:spPr>
+        <p:txBody>
+          <a:bodyPr anchor="b"/>
           <a:lstStyle>
             <a:lvl1pPr>
               <a:defRPr/>
             </a:lvl1pPr>
-          </a:lstStyle>
-          <a:p>
-            <a:r>
-              <a:rPr lang="ru-RU" smtClean="0"/>
+            <a:extLst/>
+          </a:lstStyle>
+          <a:p>
+            <a:r>
+              <a:rPr kumimoji="0" lang="ru-RU" smtClean="0"/>
               <a:t>Образец заголовка</a:t>
             </a:r>
-            <a:endParaRPr lang="ru-RU"/>
+            <a:endParaRPr kumimoji="0" lang="en-US"/>
           </a:p>
         </p:txBody>
       </p:sp>
@@ -1426,54 +1643,143 @@
         </p:nvSpPr>
         <p:spPr>
           <a:xfrm>
-            <a:off x="457200" y="1535113"/>
-            <a:ext cx="4040188" cy="639762"/>
+            <a:off x="457200" y="5867400"/>
+            <a:ext cx="3520440" cy="457200"/>
           </a:xfrm>
+          <a:noFill/>
+          <a:ln w="12700" cap="flat" cmpd="sng" algn="ctr">
+            <a:solidFill>
+              <a:schemeClr val="tx2"/>
+            </a:solidFill>
+            <a:prstDash val="solid"/>
+          </a:ln>
+          <a:effectLst/>
         </p:spPr>
-        <p:txBody>
-          <a:bodyPr anchor="b"/>
-          <a:lstStyle>
-            <a:lvl1pPr marL="0" indent="0">
+        <p:style>
+          <a:lnRef idx="1">
+            <a:schemeClr val="accent1"/>
+          </a:lnRef>
+          <a:fillRef idx="3">
+            <a:schemeClr val="accent1"/>
+          </a:fillRef>
+          <a:effectRef idx="2">
+            <a:schemeClr val="accent1"/>
+          </a:effectRef>
+          <a:fontRef idx="minor">
+            <a:schemeClr val="lt1"/>
+          </a:fontRef>
+        </p:style>
+        <p:txBody>
+          <a:bodyPr anchor="ctr"/>
+          <a:lstStyle>
+            <a:lvl1pPr marL="0" indent="0" algn="ctr">
               <a:buNone/>
-              <a:defRPr sz="2400" b="1"/>
+              <a:defRPr sz="1800" b="1">
+                <a:solidFill>
+                  <a:schemeClr val="tx2"/>
+                </a:solidFill>
+                <a:effectLst/>
+              </a:defRPr>
             </a:lvl1pPr>
-            <a:lvl2pPr marL="457200" indent="0">
+            <a:lvl2pPr>
               <a:buNone/>
               <a:defRPr sz="2000" b="1"/>
             </a:lvl2pPr>
-            <a:lvl3pPr marL="914400" indent="0">
+            <a:lvl3pPr>
               <a:buNone/>
               <a:defRPr sz="1800" b="1"/>
             </a:lvl3pPr>
-            <a:lvl4pPr marL="1371600" indent="0">
+            <a:lvl4pPr>
               <a:buNone/>
               <a:defRPr sz="1600" b="1"/>
             </a:lvl4pPr>
-            <a:lvl5pPr marL="1828800" indent="0">
+            <a:lvl5pPr>
               <a:buNone/>
               <a:defRPr sz="1600" b="1"/>
             </a:lvl5pPr>
-            <a:lvl6pPr marL="2286000" indent="0">
+            <a:extLst/>
+          </a:lstStyle>
+          <a:p>
+            <a:pPr lvl="0" eaLnBrk="1" latinLnBrk="0" hangingPunct="1"/>
+            <a:r>
+              <a:rPr kumimoji="0" lang="ru-RU" smtClean="0"/>
+              <a:t>Образец текста</a:t>
+            </a:r>
+          </a:p>
+        </p:txBody>
+      </p:sp>
+      <p:sp>
+        <p:nvSpPr>
+          <p:cNvPr id="4" name="Текст 3"/>
+          <p:cNvSpPr>
+            <a:spLocks noGrp="1"/>
+          </p:cNvSpPr>
+          <p:nvPr>
+            <p:ph type="body" sz="half" idx="3"/>
+          </p:nvPr>
+        </p:nvSpPr>
+        <p:spPr>
+          <a:xfrm>
+            <a:off x="4178808" y="5867400"/>
+            <a:ext cx="3520440" cy="457200"/>
+          </a:xfrm>
+          <a:noFill/>
+          <a:ln w="12700" cap="flat" cmpd="sng" algn="ctr">
+            <a:solidFill>
+              <a:schemeClr val="tx2"/>
+            </a:solidFill>
+            <a:prstDash val="solid"/>
+          </a:ln>
+          <a:effectLst/>
+        </p:spPr>
+        <p:style>
+          <a:lnRef idx="1">
+            <a:schemeClr val="accent2"/>
+          </a:lnRef>
+          <a:fillRef idx="3">
+            <a:schemeClr val="accent2"/>
+          </a:fillRef>
+          <a:effectRef idx="2">
+            <a:schemeClr val="accent2"/>
+          </a:effectRef>
+          <a:fontRef idx="minor">
+            <a:schemeClr val="lt1"/>
+          </a:fontRef>
+        </p:style>
+        <p:txBody>
+          <a:bodyPr anchor="ctr"/>
+          <a:lstStyle>
+            <a:lvl1pPr marL="0" indent="0" algn="ctr">
+              <a:buNone/>
+              <a:defRPr sz="1800" b="1">
+                <a:solidFill>
+                  <a:schemeClr val="tx2"/>
+                </a:solidFill>
+                <a:effectLst/>
+              </a:defRPr>
+            </a:lvl1pPr>
+            <a:lvl2pPr>
+              <a:buNone/>
+              <a:defRPr sz="2000" b="1"/>
+            </a:lvl2pPr>
+            <a:lvl3pPr>
+              <a:buNone/>
+              <a:defRPr sz="1800" b="1"/>
+            </a:lvl3pPr>
+            <a:lvl4pPr>
               <a:buNone/>
               <a:defRPr sz="1600" b="1"/>
-            </a:lvl6pPr>
-            <a:lvl7pPr marL="2743200" indent="0">
+            </a:lvl4pPr>
+            <a:lvl5pPr>
               <a:buNone/>
               <a:defRPr sz="1600" b="1"/>
-            </a:lvl7pPr>
-            <a:lvl8pPr marL="3200400" indent="0">
-              <a:buNone/>
-              <a:defRPr sz="1600" b="1"/>
-            </a:lvl8pPr>
-            <a:lvl9pPr marL="3657600" indent="0">
-              <a:buNone/>
-              <a:defRPr sz="1600" b="1"/>
-            </a:lvl9pPr>
-          </a:lstStyle>
-          <a:p>
-            <a:pPr lvl="0"/>
-            <a:r>
-              <a:rPr lang="ru-RU" smtClean="0"/>
+            </a:lvl5pPr>
+            <a:extLst/>
+          </a:lstStyle>
+          <a:p>
+            <a:pPr lvl="0" eaLnBrk="1" latinLnBrk="0" hangingPunct="1"/>
+            <a:r>
+              <a:rPr kumimoji="0" lang="ru-RU" smtClean="0"/>
               <a:t>Образец текста</a:t>
             </a:r>
           </a:p>
@@ -1481,18 +1787,18 @@
       </p:sp>
       <p:sp>
         <p:nvSpPr>
-          <p:cNvPr id="4" name="Содержимое 3"/>
-          <p:cNvSpPr>
-            <a:spLocks noGrp="1"/>
-          </p:cNvSpPr>
-          <p:nvPr>
-            <p:ph sz="half" idx="2"/>
+          <p:cNvPr id="5" name="Содержимое 4"/>
+          <p:cNvSpPr>
+            <a:spLocks noGrp="1"/>
+          </p:cNvSpPr>
+          <p:nvPr>
+            <p:ph sz="quarter" idx="2"/>
           </p:nvPr>
         </p:nvSpPr>
         <p:spPr>
           <a:xfrm>
-            <a:off x="457200" y="2174875"/>
-            <a:ext cx="4040188" cy="3951288"/>
+            <a:off x="457200" y="1711840"/>
+            <a:ext cx="3520440" cy="4114800"/>
           </a:xfrm>
         </p:spPr>
         <p:txBody>
@@ -1513,136 +1819,60 @@
             <a:lvl5pPr>
               <a:defRPr sz="1600"/>
             </a:lvl5pPr>
-            <a:lvl6pPr>
-              <a:defRPr sz="1600"/>
-            </a:lvl6pPr>
-            <a:lvl7pPr>
-              <a:defRPr sz="1600"/>
-            </a:lvl7pPr>
-            <a:lvl8pPr>
-              <a:defRPr sz="1600"/>
-            </a:lvl8pPr>
-            <a:lvl9pPr>
-              <a:defRPr sz="1600"/>
-            </a:lvl9pPr>
-          </a:lstStyle>
-          <a:p>
-            <a:pPr lvl="0"/>
+            <a:extLst/>
+          </a:lstStyle>
+          <a:p>
+            <a:pPr lvl="0" eaLnBrk="1" latinLnBrk="0" hangingPunct="1"/>
             <a:r>
               <a:rPr lang="ru-RU" smtClean="0"/>
               <a:t>Образец текста</a:t>
             </a:r>
           </a:p>
           <a:p>
-            <a:pPr lvl="1"/>
+            <a:pPr lvl="1" eaLnBrk="1" latinLnBrk="0" hangingPunct="1"/>
             <a:r>
               <a:rPr lang="ru-RU" smtClean="0"/>
               <a:t>Второй уровень</a:t>
             </a:r>
           </a:p>
           <a:p>
-            <a:pPr lvl="2"/>
+            <a:pPr lvl="2" eaLnBrk="1" latinLnBrk="0" hangingPunct="1"/>
             <a:r>
               <a:rPr lang="ru-RU" smtClean="0"/>
               <a:t>Третий уровень</a:t>
             </a:r>
           </a:p>
           <a:p>
-            <a:pPr lvl="3"/>
+            <a:pPr lvl="3" eaLnBrk="1" latinLnBrk="0" hangingPunct="1"/>
             <a:r>
               <a:rPr lang="ru-RU" smtClean="0"/>
               <a:t>Четвертый уровень</a:t>
             </a:r>
           </a:p>
           <a:p>
-            <a:pPr lvl="4"/>
+            <a:pPr lvl="4" eaLnBrk="1" latinLnBrk="0" hangingPunct="1"/>
             <a:r>
               <a:rPr lang="ru-RU" smtClean="0"/>
               <a:t>Пятый уровень</a:t>
             </a:r>
-            <a:endParaRPr lang="ru-RU"/>
-          </a:p>
-        </p:txBody>
-      </p:sp>
-      <p:sp>
-        <p:nvSpPr>
-          <p:cNvPr id="5" name="Текст 4"/>
-          <p:cNvSpPr>
-            <a:spLocks noGrp="1"/>
-          </p:cNvSpPr>
-          <p:nvPr>
-            <p:ph type="body" sz="quarter" idx="3"/>
+            <a:endParaRPr kumimoji="0" lang="en-US"/>
+          </a:p>
+        </p:txBody>
+      </p:sp>
+      <p:sp>
+        <p:nvSpPr>
+          <p:cNvPr id="6" name="Содержимое 5"/>
+          <p:cNvSpPr>
+            <a:spLocks noGrp="1"/>
+          </p:cNvSpPr>
+          <p:nvPr>
+            <p:ph sz="quarter" idx="4"/>
           </p:nvPr>
         </p:nvSpPr>
         <p:spPr>
           <a:xfrm>
-            <a:off x="4645025" y="1535113"/>
-            <a:ext cx="4041775" cy="639762"/>
-          </a:xfrm>
-        </p:spPr>
-        <p:txBody>
-          <a:bodyPr anchor="b"/>
-          <a:lstStyle>
-            <a:lvl1pPr marL="0" indent="0">
-              <a:buNone/>
-              <a:defRPr sz="2400" b="1"/>
-            </a:lvl1pPr>
-            <a:lvl2pPr marL="457200" indent="0">
-              <a:buNone/>
-              <a:defRPr sz="2000" b="1"/>
-            </a:lvl2pPr>
-            <a:lvl3pPr marL="914400" indent="0">
-              <a:buNone/>
-              <a:defRPr sz="1800" b="1"/>
-            </a:lvl3pPr>
-            <a:lvl4pPr marL="1371600" indent="0">
-              <a:buNone/>
-              <a:defRPr sz="1600" b="1"/>
-            </a:lvl4pPr>
-            <a:lvl5pPr marL="1828800" indent="0">
-              <a:buNone/>
-              <a:defRPr sz="1600" b="1"/>
-            </a:lvl5pPr>
-            <a:lvl6pPr marL="2286000" indent="0">
-              <a:buNone/>
-              <a:defRPr sz="1600" b="1"/>
-            </a:lvl6pPr>
-            <a:lvl7pPr marL="2743200" indent="0">
-              <a:buNone/>
-              <a:defRPr sz="1600" b="1"/>
-            </a:lvl7pPr>
-            <a:lvl8pPr marL="3200400" indent="0">
-              <a:buNone/>
-              <a:defRPr sz="1600" b="1"/>
-            </a:lvl8pPr>
-            <a:lvl9pPr marL="3657600" indent="0">
-              <a:buNone/>
-              <a:defRPr sz="1600" b="1"/>
-            </a:lvl9pPr>
-          </a:lstStyle>
-          <a:p>
-            <a:pPr lvl="0"/>
-            <a:r>
-              <a:rPr lang="ru-RU" smtClean="0"/>
-              <a:t>Образец текста</a:t>
-            </a:r>
-          </a:p>
-        </p:txBody>
-      </p:sp>
-      <p:sp>
-        <p:nvSpPr>
-          <p:cNvPr id="6" name="Содержимое 5"/>
-          <p:cNvSpPr>
-            <a:spLocks noGrp="1"/>
-          </p:cNvSpPr>
-          <p:nvPr>
-            <p:ph sz="quarter" idx="4"/>
-          </p:nvPr>
-        </p:nvSpPr>
-        <p:spPr>
-          <a:xfrm>
-            <a:off x="4645025" y="2174875"/>
-            <a:ext cx="4041775" cy="3951288"/>
+            <a:off x="4178808" y="1711840"/>
+            <a:ext cx="3520440" cy="4114800"/>
           </a:xfrm>
         </p:spPr>
         <p:txBody>
@@ -1663,54 +1893,43 @@
             <a:lvl5pPr>
               <a:defRPr sz="1600"/>
             </a:lvl5pPr>
-            <a:lvl6pPr>
-              <a:defRPr sz="1600"/>
-            </a:lvl6pPr>
-            <a:lvl7pPr>
-              <a:defRPr sz="1600"/>
-            </a:lvl7pPr>
-            <a:lvl8pPr>
-              <a:defRPr sz="1600"/>
-            </a:lvl8pPr>
-            <a:lvl9pPr>
-              <a:defRPr sz="1600"/>
-            </a:lvl9pPr>
-          </a:lstStyle>
-          <a:p>
-            <a:pPr lvl="0"/>
+            <a:extLst/>
+          </a:lstStyle>
+          <a:p>
+            <a:pPr lvl="0" eaLnBrk="1" latinLnBrk="0" hangingPunct="1"/>
             <a:r>
               <a:rPr lang="ru-RU" smtClean="0"/>
               <a:t>Образец текста</a:t>
             </a:r>
           </a:p>
           <a:p>
-            <a:pPr lvl="1"/>
+            <a:pPr lvl="1" eaLnBrk="1" latinLnBrk="0" hangingPunct="1"/>
             <a:r>
               <a:rPr lang="ru-RU" smtClean="0"/>
               <a:t>Второй уровень</a:t>
             </a:r>
           </a:p>
           <a:p>
-            <a:pPr lvl="2"/>
+            <a:pPr lvl="2" eaLnBrk="1" latinLnBrk="0" hangingPunct="1"/>
             <a:r>
               <a:rPr lang="ru-RU" smtClean="0"/>
               <a:t>Третий уровень</a:t>
             </a:r>
           </a:p>
           <a:p>
-            <a:pPr lvl="3"/>
+            <a:pPr lvl="3" eaLnBrk="1" latinLnBrk="0" hangingPunct="1"/>
             <a:r>
               <a:rPr lang="ru-RU" smtClean="0"/>
               <a:t>Четвертый уровень</a:t>
             </a:r>
           </a:p>
           <a:p>
-            <a:pPr lvl="4"/>
+            <a:pPr lvl="4" eaLnBrk="1" latinLnBrk="0" hangingPunct="1"/>
             <a:r>
               <a:rPr lang="ru-RU" smtClean="0"/>
               <a:t>Пятый уровень</a:t>
             </a:r>
-            <a:endParaRPr lang="ru-RU"/>
+            <a:endParaRPr kumimoji="0" lang="en-US"/>
           </a:p>
         </p:txBody>
       </p:sp>
@@ -1727,11 +1946,14 @@
         <p:spPr/>
         <p:txBody>
           <a:bodyPr/>
-          <a:lstStyle/>
+          <a:lstStyle>
+            <a:extLst/>
+          </a:lstStyle>
           <a:p>
             <a:fld id="{5B106E36-FD25-4E2D-B0AA-010F637433A0}" type="datetimeFigureOut">
               <a:rPr lang="ru-RU" smtClean="0"/>
-              <a:t>03.11.2006</a:t>
+              <a:pPr/>
+              <a:t>26.09.2019</a:t>
             </a:fld>
             <a:endParaRPr lang="ru-RU"/>
           </a:p>
@@ -1750,7 +1972,9 @@
         <p:spPr/>
         <p:txBody>
           <a:bodyPr/>
-          <a:lstStyle/>
+          <a:lstStyle>
+            <a:extLst/>
+          </a:lstStyle>
           <a:p>
             <a:endParaRPr lang="ru-RU"/>
           </a:p>
@@ -1769,10 +1993,13 @@
         <p:spPr/>
         <p:txBody>
           <a:bodyPr/>
-          <a:lstStyle/>
+          <a:lstStyle>
+            <a:extLst/>
+          </a:lstStyle>
           <a:p>
             <a:fld id="{725C68B6-61C2-468F-89AB-4B9F7531AA68}" type="slidenum">
               <a:rPr lang="ru-RU" smtClean="0"/>
+              <a:pPr/>
               <a:t>‹#›</a:t>
             </a:fld>
             <a:endParaRPr lang="ru-RU"/>
@@ -1784,6 +2011,9 @@
   <p:clrMapOvr>
     <a:masterClrMapping/>
   </p:clrMapOvr>
+  <p:transition>
+    <p:wheel spokes="3"/>
+  </p:transition>
 </p:sldLayout>
 </file>
 
@@ -1814,16 +2044,23 @@
             <p:ph type="title"/>
           </p:nvPr>
         </p:nvSpPr>
-        <p:spPr/>
-        <p:txBody>
-          <a:bodyPr/>
-          <a:lstStyle/>
-          <a:p>
-            <a:r>
-              <a:rPr lang="ru-RU" smtClean="0"/>
+        <p:spPr>
+          <a:xfrm>
+            <a:off x="457200" y="320040"/>
+            <a:ext cx="7242048" cy="1143000"/>
+          </a:xfrm>
+        </p:spPr>
+        <p:txBody>
+          <a:bodyPr/>
+          <a:lstStyle>
+            <a:extLst/>
+          </a:lstStyle>
+          <a:p>
+            <a:r>
+              <a:rPr kumimoji="0" lang="ru-RU" smtClean="0"/>
               <a:t>Образец заголовка</a:t>
             </a:r>
-            <a:endParaRPr lang="ru-RU"/>
+            <a:endParaRPr kumimoji="0" lang="en-US"/>
           </a:p>
         </p:txBody>
       </p:sp>
@@ -1840,11 +2077,14 @@
         <p:spPr/>
         <p:txBody>
           <a:bodyPr/>
-          <a:lstStyle/>
+          <a:lstStyle>
+            <a:extLst/>
+          </a:lstStyle>
           <a:p>
             <a:fld id="{5B106E36-FD25-4E2D-B0AA-010F637433A0}" type="datetimeFigureOut">
               <a:rPr lang="ru-RU" smtClean="0"/>
-              <a:t>03.11.2006</a:t>
+              <a:pPr/>
+              <a:t>26.09.2019</a:t>
             </a:fld>
             <a:endParaRPr lang="ru-RU"/>
           </a:p>
@@ -1863,7 +2103,9 @@
         <p:spPr/>
         <p:txBody>
           <a:bodyPr/>
-          <a:lstStyle/>
+          <a:lstStyle>
+            <a:extLst/>
+          </a:lstStyle>
           <a:p>
             <a:endParaRPr lang="ru-RU"/>
           </a:p>
@@ -1882,10 +2124,13 @@
         <p:spPr/>
         <p:txBody>
           <a:bodyPr/>
-          <a:lstStyle/>
+          <a:lstStyle>
+            <a:extLst/>
+          </a:lstStyle>
           <a:p>
             <a:fld id="{725C68B6-61C2-468F-89AB-4B9F7531AA68}" type="slidenum">
               <a:rPr lang="ru-RU" smtClean="0"/>
+              <a:pPr/>
               <a:t>‹#›</a:t>
             </a:fld>
             <a:endParaRPr lang="ru-RU"/>
@@ -1897,6 +2142,9 @@
   <p:clrMapOvr>
     <a:masterClrMapping/>
   </p:clrMapOvr>
+  <p:transition>
+    <p:wheel spokes="3"/>
+  </p:transition>
 </p:sldLayout>
 </file>
 
@@ -1930,11 +2178,21 @@
         <p:spPr/>
         <p:txBody>
           <a:bodyPr/>
-          <a:lstStyle/>
+          <a:lstStyle>
+            <a:lvl1pPr>
+              <a:defRPr>
+                <a:solidFill>
+                  <a:schemeClr val="tx2"/>
+                </a:solidFill>
+              </a:defRPr>
+            </a:lvl1pPr>
+            <a:extLst/>
+          </a:lstStyle>
           <a:p>
             <a:fld id="{5B106E36-FD25-4E2D-B0AA-010F637433A0}" type="datetimeFigureOut">
               <a:rPr lang="ru-RU" smtClean="0"/>
-              <a:t>03.11.2006</a:t>
+              <a:pPr/>
+              <a:t>26.09.2019</a:t>
             </a:fld>
             <a:endParaRPr lang="ru-RU"/>
           </a:p>
@@ -1953,7 +2211,16 @@
         <p:spPr/>
         <p:txBody>
           <a:bodyPr/>
-          <a:lstStyle/>
+          <a:lstStyle>
+            <a:lvl1pPr>
+              <a:defRPr>
+                <a:solidFill>
+                  <a:schemeClr val="tx2"/>
+                </a:solidFill>
+              </a:defRPr>
+            </a:lvl1pPr>
+            <a:extLst/>
+          </a:lstStyle>
           <a:p>
             <a:endParaRPr lang="ru-RU"/>
           </a:p>
@@ -1972,10 +2239,13 @@
         <p:spPr/>
         <p:txBody>
           <a:bodyPr/>
-          <a:lstStyle/>
+          <a:lstStyle>
+            <a:extLst/>
+          </a:lstStyle>
           <a:p>
             <a:fld id="{725C68B6-61C2-468F-89AB-4B9F7531AA68}" type="slidenum">
               <a:rPr lang="ru-RU" smtClean="0"/>
+              <a:pPr/>
               <a:t>‹#›</a:t>
             </a:fld>
             <a:endParaRPr lang="ru-RU"/>
@@ -1987,6 +2257,9 @@
   <p:clrMapOvr>
     <a:masterClrMapping/>
   </p:clrMapOvr>
+  <p:transition>
+    <p:wheel spokes="3"/>
+  </p:transition>
 </p:sldLayout>
 </file>
 
@@ -2019,40 +2292,100 @@
         </p:nvSpPr>
         <p:spPr>
           <a:xfrm>
-            <a:off x="457200" y="273050"/>
-            <a:ext cx="3008313" cy="1162050"/>
+            <a:off x="457200" y="228600"/>
+            <a:ext cx="5897880" cy="1173480"/>
           </a:xfrm>
         </p:spPr>
         <p:txBody>
-          <a:bodyPr anchor="b"/>
+          <a:bodyPr wrap="square" anchor="b"/>
           <a:lstStyle>
             <a:lvl1pPr algn="l">
-              <a:defRPr sz="2000" b="1"/>
+              <a:buNone/>
+              <a:defRPr lang="en-US" sz="2400" baseline="0" smtClean="0"/>
             </a:lvl1pPr>
-          </a:lstStyle>
-          <a:p>
-            <a:r>
-              <a:rPr lang="ru-RU" smtClean="0"/>
+            <a:extLst/>
+          </a:lstStyle>
+          <a:p>
+            <a:r>
+              <a:rPr kumimoji="0" lang="ru-RU" smtClean="0"/>
               <a:t>Образец заголовка</a:t>
             </a:r>
-            <a:endParaRPr lang="ru-RU"/>
-          </a:p>
-        </p:txBody>
-      </p:sp>
-      <p:sp>
-        <p:nvSpPr>
-          <p:cNvPr id="3" name="Содержимое 2"/>
-          <p:cNvSpPr>
-            <a:spLocks noGrp="1"/>
-          </p:cNvSpPr>
-          <p:nvPr>
-            <p:ph idx="1"/>
+            <a:endParaRPr kumimoji="0" lang="en-US"/>
+          </a:p>
+        </p:txBody>
+      </p:sp>
+      <p:sp>
+        <p:nvSpPr>
+          <p:cNvPr id="3" name="Текст 2"/>
+          <p:cNvSpPr>
+            <a:spLocks noGrp="1"/>
+          </p:cNvSpPr>
+          <p:nvPr>
+            <p:ph type="body" idx="2"/>
           </p:nvPr>
         </p:nvSpPr>
         <p:spPr>
           <a:xfrm>
-            <a:off x="3575050" y="273050"/>
-            <a:ext cx="5111750" cy="5853113"/>
+            <a:off x="457200" y="1497416"/>
+            <a:ext cx="5897880" cy="602512"/>
+          </a:xfrm>
+        </p:spPr>
+        <p:txBody>
+          <a:bodyPr rot="0" spcFirstLastPara="0" vertOverflow="overflow" horzOverflow="overflow" vert="horz" wrap="square" lIns="45720" tIns="0" rIns="0" bIns="0" numCol="1" spcCol="0" rtlCol="0" fromWordArt="0" anchor="t" anchorCtr="0" forceAA="0" compatLnSpc="1">
+            <a:normAutofit/>
+          </a:bodyPr>
+          <a:lstStyle>
+            <a:lvl1pPr marL="0" indent="0">
+              <a:spcBef>
+                <a:spcPts val="0"/>
+              </a:spcBef>
+              <a:spcAft>
+                <a:spcPts val="0"/>
+              </a:spcAft>
+              <a:buNone/>
+              <a:defRPr sz="1400"/>
+            </a:lvl1pPr>
+            <a:lvl2pPr>
+              <a:buNone/>
+              <a:defRPr sz="1200"/>
+            </a:lvl2pPr>
+            <a:lvl3pPr>
+              <a:buNone/>
+              <a:defRPr sz="1000"/>
+            </a:lvl3pPr>
+            <a:lvl4pPr>
+              <a:buNone/>
+              <a:defRPr sz="900"/>
+            </a:lvl4pPr>
+            <a:lvl5pPr>
+              <a:buNone/>
+              <a:defRPr sz="900"/>
+            </a:lvl5pPr>
+            <a:extLst/>
+          </a:lstStyle>
+          <a:p>
+            <a:pPr lvl="0" eaLnBrk="1" latinLnBrk="0" hangingPunct="1"/>
+            <a:r>
+              <a:rPr kumimoji="0" lang="ru-RU" smtClean="0"/>
+              <a:t>Образец текста</a:t>
+            </a:r>
+          </a:p>
+        </p:txBody>
+      </p:sp>
+      <p:sp>
+        <p:nvSpPr>
+          <p:cNvPr id="4" name="Содержимое 3"/>
+          <p:cNvSpPr>
+            <a:spLocks noGrp="1"/>
+          </p:cNvSpPr>
+          <p:nvPr>
+            <p:ph sz="half" idx="1"/>
+          </p:nvPr>
+        </p:nvSpPr>
+        <p:spPr>
+          <a:xfrm>
+            <a:off x="457200" y="2133600"/>
+            <a:ext cx="7239000" cy="4371752"/>
           </a:xfrm>
         </p:spPr>
         <p:txBody>
@@ -2073,119 +2406,43 @@
             <a:lvl5pPr>
               <a:defRPr sz="2000"/>
             </a:lvl5pPr>
-            <a:lvl6pPr>
-              <a:defRPr sz="2000"/>
-            </a:lvl6pPr>
-            <a:lvl7pPr>
-              <a:defRPr sz="2000"/>
-            </a:lvl7pPr>
-            <a:lvl8pPr>
-              <a:defRPr sz="2000"/>
-            </a:lvl8pPr>
-            <a:lvl9pPr>
-              <a:defRPr sz="2000"/>
-            </a:lvl9pPr>
-          </a:lstStyle>
-          <a:p>
-            <a:pPr lvl="0"/>
+            <a:extLst/>
+          </a:lstStyle>
+          <a:p>
+            <a:pPr lvl="0" eaLnBrk="1" latinLnBrk="0" hangingPunct="1"/>
             <a:r>
               <a:rPr lang="ru-RU" smtClean="0"/>
               <a:t>Образец текста</a:t>
             </a:r>
           </a:p>
           <a:p>
-            <a:pPr lvl="1"/>
+            <a:pPr lvl="1" eaLnBrk="1" latinLnBrk="0" hangingPunct="1"/>
             <a:r>
               <a:rPr lang="ru-RU" smtClean="0"/>
               <a:t>Второй уровень</a:t>
             </a:r>
           </a:p>
           <a:p>
-            <a:pPr lvl="2"/>
+            <a:pPr lvl="2" eaLnBrk="1" latinLnBrk="0" hangingPunct="1"/>
             <a:r>
               <a:rPr lang="ru-RU" smtClean="0"/>
               <a:t>Третий уровень</a:t>
             </a:r>
           </a:p>
           <a:p>
-            <a:pPr lvl="3"/>
+            <a:pPr lvl="3" eaLnBrk="1" latinLnBrk="0" hangingPunct="1"/>
             <a:r>
               <a:rPr lang="ru-RU" smtClean="0"/>
               <a:t>Четвертый уровень</a:t>
             </a:r>
           </a:p>
           <a:p>
-            <a:pPr lvl="4"/>
+            <a:pPr lvl="4" eaLnBrk="1" latinLnBrk="0" hangingPunct="1"/>
             <a:r>
               <a:rPr lang="ru-RU" smtClean="0"/>
               <a:t>Пятый уровень</a:t>
             </a:r>
-            <a:endParaRPr lang="ru-RU"/>
-          </a:p>
-        </p:txBody>
-      </p:sp>
-      <p:sp>
-        <p:nvSpPr>
-          <p:cNvPr id="4" name="Текст 3"/>
-          <p:cNvSpPr>
-            <a:spLocks noGrp="1"/>
-          </p:cNvSpPr>
-          <p:nvPr>
-            <p:ph type="body" sz="half" idx="2"/>
-          </p:nvPr>
-        </p:nvSpPr>
-        <p:spPr>
-          <a:xfrm>
-            <a:off x="457200" y="1435100"/>
-            <a:ext cx="3008313" cy="4691063"/>
-          </a:xfrm>
-        </p:spPr>
-        <p:txBody>
-          <a:bodyPr/>
-          <a:lstStyle>
-            <a:lvl1pPr marL="0" indent="0">
-              <a:buNone/>
-              <a:defRPr sz="1400"/>
-            </a:lvl1pPr>
-            <a:lvl2pPr marL="457200" indent="0">
-              <a:buNone/>
-              <a:defRPr sz="1200"/>
-            </a:lvl2pPr>
-            <a:lvl3pPr marL="914400" indent="0">
-              <a:buNone/>
-              <a:defRPr sz="1000"/>
-            </a:lvl3pPr>
-            <a:lvl4pPr marL="1371600" indent="0">
-              <a:buNone/>
-              <a:defRPr sz="900"/>
-            </a:lvl4pPr>
-            <a:lvl5pPr marL="1828800" indent="0">
-              <a:buNone/>
-              <a:defRPr sz="900"/>
-            </a:lvl5pPr>
-            <a:lvl6pPr marL="2286000" indent="0">
-              <a:buNone/>
-              <a:defRPr sz="900"/>
-            </a:lvl6pPr>
-            <a:lvl7pPr marL="2743200" indent="0">
-              <a:buNone/>
-              <a:defRPr sz="900"/>
-            </a:lvl7pPr>
-            <a:lvl8pPr marL="3200400" indent="0">
-              <a:buNone/>
-              <a:defRPr sz="900"/>
-            </a:lvl8pPr>
-            <a:lvl9pPr marL="3657600" indent="0">
-              <a:buNone/>
-              <a:defRPr sz="900"/>
-            </a:lvl9pPr>
-          </a:lstStyle>
-          <a:p>
-            <a:pPr lvl="0"/>
-            <a:r>
-              <a:rPr lang="ru-RU" smtClean="0"/>
-              <a:t>Образец текста</a:t>
-            </a:r>
+            <a:endParaRPr kumimoji="0" lang="en-US"/>
           </a:p>
         </p:txBody>
       </p:sp>
@@ -2202,11 +2459,14 @@
         <p:spPr/>
         <p:txBody>
           <a:bodyPr/>
-          <a:lstStyle/>
+          <a:lstStyle>
+            <a:extLst/>
+          </a:lstStyle>
           <a:p>
             <a:fld id="{5B106E36-FD25-4E2D-B0AA-010F637433A0}" type="datetimeFigureOut">
               <a:rPr lang="ru-RU" smtClean="0"/>
-              <a:t>03.11.2006</a:t>
+              <a:pPr/>
+              <a:t>26.09.2019</a:t>
             </a:fld>
             <a:endParaRPr lang="ru-RU"/>
           </a:p>
@@ -2225,7 +2485,9 @@
         <p:spPr/>
         <p:txBody>
           <a:bodyPr/>
-          <a:lstStyle/>
+          <a:lstStyle>
+            <a:extLst/>
+          </a:lstStyle>
           <a:p>
             <a:endParaRPr lang="ru-RU"/>
           </a:p>
@@ -2244,10 +2506,13 @@
         <p:spPr/>
         <p:txBody>
           <a:bodyPr/>
-          <a:lstStyle/>
+          <a:lstStyle>
+            <a:extLst/>
+          </a:lstStyle>
           <a:p>
             <a:fld id="{725C68B6-61C2-468F-89AB-4B9F7531AA68}" type="slidenum">
               <a:rPr lang="ru-RU" smtClean="0"/>
+              <a:pPr/>
               <a:t>‹#›</a:t>
             </a:fld>
             <a:endParaRPr lang="ru-RU"/>
@@ -2259,12 +2524,20 @@
   <p:clrMapOvr>
     <a:masterClrMapping/>
   </p:clrMapOvr>
+  <p:transition>
+    <p:wheel spokes="3"/>
+  </p:transition>
 </p:sldLayout>
 </file>
 
 <file path=ppt/slideLayouts/slideLayout9.xml><?xml version="1.0" encoding="utf-8"?>
-<p:sldLayout xmlns:a="http://schemas.openxmlformats.org/drawingml/2006/main" xmlns:r="http://schemas.openxmlformats.org/officeDocument/2006/relationships" xmlns:p="http://schemas.openxmlformats.org/presentationml/2006/main" type="picTx" preserve="1">
+<p:sldLayout xmlns:a="http://schemas.openxmlformats.org/drawingml/2006/main" xmlns:r="http://schemas.openxmlformats.org/officeDocument/2006/relationships" xmlns:p="http://schemas.openxmlformats.org/presentationml/2006/main" showMasterSp="0" type="picTx" preserve="1">
   <p:cSld name="Рисунок с подписью">
+    <p:bg>
+      <p:bgRef idx="1002">
+        <a:schemeClr val="bg2"/>
+      </p:bgRef>
+    </p:bg>
     <p:spTree>
       <p:nvGrpSpPr>
         <p:cNvPr id="1" name=""/>
@@ -2281,6 +2554,118 @@
       </p:grpSpPr>
       <p:sp>
         <p:nvSpPr>
+          <p:cNvPr id="8" name="Прямоугольник 7"/>
+          <p:cNvSpPr/>
+          <p:nvPr/>
+        </p:nvSpPr>
+        <p:spPr>
+          <a:xfrm rot="21240000">
+            <a:off x="597968" y="1004668"/>
+            <a:ext cx="4319527" cy="4312573"/>
+          </a:xfrm>
+          <a:prstGeom prst="rect">
+            <a:avLst/>
+          </a:prstGeom>
+          <a:solidFill>
+            <a:srgbClr val="FAFAFA"/>
+          </a:solidFill>
+          <a:ln w="1270" cap="rnd" cmpd="sng" algn="ctr">
+            <a:solidFill>
+              <a:srgbClr val="EAEAEA"/>
+            </a:solidFill>
+            <a:prstDash val="solid"/>
+          </a:ln>
+          <a:effectLst>
+            <a:outerShdw blurRad="25000" dist="12700" dir="5400000" algn="t" rotWithShape="0">
+              <a:srgbClr val="000000">
+                <a:alpha val="40000"/>
+              </a:srgbClr>
+            </a:outerShdw>
+          </a:effectLst>
+        </p:spPr>
+        <p:style>
+          <a:lnRef idx="2">
+            <a:schemeClr val="accent1"/>
+          </a:lnRef>
+          <a:fillRef idx="1">
+            <a:schemeClr val="accent1"/>
+          </a:fillRef>
+          <a:effectRef idx="0">
+            <a:schemeClr val="accent1"/>
+          </a:effectRef>
+          <a:fontRef idx="minor">
+            <a:schemeClr val="lt1"/>
+          </a:fontRef>
+        </p:style>
+        <p:txBody>
+          <a:bodyPr rtlCol="0" anchor="ctr"/>
+          <a:lstStyle>
+            <a:extLst/>
+          </a:lstStyle>
+          <a:p>
+            <a:pPr algn="ctr" eaLnBrk="1" latinLnBrk="0" hangingPunct="1"/>
+            <a:endParaRPr kumimoji="0" lang="en-US"/>
+          </a:p>
+        </p:txBody>
+      </p:sp>
+      <p:sp>
+        <p:nvSpPr>
+          <p:cNvPr id="9" name="Прямоугольник 8"/>
+          <p:cNvSpPr/>
+          <p:nvPr/>
+        </p:nvSpPr>
+        <p:spPr>
+          <a:xfrm rot="21420000">
+            <a:off x="596706" y="998816"/>
+            <a:ext cx="4319527" cy="4312573"/>
+          </a:xfrm>
+          <a:prstGeom prst="rect">
+            <a:avLst/>
+          </a:prstGeom>
+          <a:solidFill>
+            <a:srgbClr val="FAFAFA"/>
+          </a:solidFill>
+          <a:ln w="1270" cap="rnd" cmpd="sng" algn="ctr">
+            <a:solidFill>
+              <a:srgbClr val="EAEAEA"/>
+            </a:solidFill>
+            <a:prstDash val="solid"/>
+          </a:ln>
+          <a:effectLst>
+            <a:outerShdw blurRad="28000" dist="12700" dir="5400000" algn="tl" rotWithShape="0">
+              <a:srgbClr val="000000">
+                <a:alpha val="40000"/>
+              </a:srgbClr>
+            </a:outerShdw>
+          </a:effectLst>
+        </p:spPr>
+        <p:style>
+          <a:lnRef idx="2">
+            <a:schemeClr val="accent1"/>
+          </a:lnRef>
+          <a:fillRef idx="1">
+            <a:schemeClr val="accent1"/>
+          </a:fillRef>
+          <a:effectRef idx="0">
+            <a:schemeClr val="accent1"/>
+          </a:effectRef>
+          <a:fontRef idx="minor">
+            <a:schemeClr val="lt1"/>
+          </a:fontRef>
+        </p:style>
+        <p:txBody>
+          <a:bodyPr rtlCol="0" anchor="ctr"/>
+          <a:lstStyle>
+            <a:extLst/>
+          </a:lstStyle>
+          <a:p>
+            <a:pPr algn="ctr" eaLnBrk="1" latinLnBrk="0" hangingPunct="1"/>
+            <a:endParaRPr kumimoji="0" lang="en-US"/>
+          </a:p>
+        </p:txBody>
+      </p:sp>
+      <p:sp>
+        <p:nvSpPr>
           <p:cNvPr id="2" name="Заголовок 1"/>
           <p:cNvSpPr>
             <a:spLocks noGrp="1"/>
@@ -2291,41 +2676,260 @@
         </p:nvSpPr>
         <p:spPr>
           <a:xfrm>
-            <a:off x="1792288" y="4800600"/>
-            <a:ext cx="5486400" cy="566738"/>
+            <a:off x="5389098" y="1143000"/>
+            <a:ext cx="3429000" cy="2057400"/>
           </a:xfrm>
         </p:spPr>
         <p:txBody>
-          <a:bodyPr anchor="b"/>
+          <a:bodyPr vert="horz" anchor="b"/>
           <a:lstStyle>
             <a:lvl1pPr algn="l">
-              <a:defRPr sz="2000" b="1"/>
+              <a:buNone/>
+              <a:defRPr sz="3000" b="1" baseline="0">
+                <a:ln w="500">
+                  <a:solidFill>
+                    <a:schemeClr val="tx2">
+                      <a:shade val="10000"/>
+                      <a:satMod val="135000"/>
+                    </a:schemeClr>
+                  </a:solidFill>
+                </a:ln>
+                <a:gradFill>
+                  <a:gsLst>
+                    <a:gs pos="0">
+                      <a:schemeClr val="accent4">
+                        <a:tint val="13000"/>
+                      </a:schemeClr>
+                    </a:gs>
+                    <a:gs pos="10000">
+                      <a:schemeClr val="accent4">
+                        <a:tint val="20000"/>
+                      </a:schemeClr>
+                    </a:gs>
+                    <a:gs pos="49000">
+                      <a:schemeClr val="accent4">
+                        <a:tint val="70000"/>
+                      </a:schemeClr>
+                    </a:gs>
+                    <a:gs pos="50000">
+                      <a:schemeClr val="accent4">
+                        <a:tint val="97000"/>
+                      </a:schemeClr>
+                    </a:gs>
+                    <a:gs pos="100000">
+                      <a:schemeClr val="accent4">
+                        <a:tint val="20000"/>
+                      </a:schemeClr>
+                    </a:gs>
+                  </a:gsLst>
+                  <a:lin ang="5400000" scaled="1"/>
+                </a:gradFill>
+                <a:effectLst/>
+              </a:defRPr>
             </a:lvl1pPr>
-          </a:lstStyle>
-          <a:p>
-            <a:r>
-              <a:rPr lang="ru-RU" smtClean="0"/>
+            <a:extLst/>
+          </a:lstStyle>
+          <a:p>
+            <a:r>
+              <a:rPr kumimoji="0" lang="ru-RU" smtClean="0"/>
               <a:t>Образец заголовка</a:t>
             </a:r>
-            <a:endParaRPr lang="ru-RU"/>
-          </a:p>
-        </p:txBody>
-      </p:sp>
-      <p:sp>
-        <p:nvSpPr>
-          <p:cNvPr id="3" name="Рисунок 2"/>
-          <p:cNvSpPr>
-            <a:spLocks noGrp="1"/>
-          </p:cNvSpPr>
-          <p:nvPr>
-            <p:ph type="pic" idx="1"/>
+            <a:endParaRPr kumimoji="0" lang="en-US" dirty="0"/>
+          </a:p>
+        </p:txBody>
+      </p:sp>
+      <p:sp>
+        <p:nvSpPr>
+          <p:cNvPr id="4" name="Текст 3"/>
+          <p:cNvSpPr>
+            <a:spLocks noGrp="1"/>
+          </p:cNvSpPr>
+          <p:nvPr>
+            <p:ph type="body" sz="half" idx="2"/>
           </p:nvPr>
         </p:nvSpPr>
         <p:spPr>
           <a:xfrm>
-            <a:off x="1792288" y="612775"/>
-            <a:ext cx="5486400" cy="4114800"/>
+            <a:off x="5389098" y="3283634"/>
+            <a:ext cx="3429000" cy="1920240"/>
           </a:xfrm>
+        </p:spPr>
+        <p:txBody>
+          <a:bodyPr rot="0" spcFirstLastPara="0" vertOverflow="overflow" horzOverflow="overflow" vert="horz" wrap="square" lIns="82296" tIns="0" rIns="0" bIns="0" numCol="1" spcCol="0" rtlCol="0" fromWordArt="0" anchor="t" anchorCtr="0" forceAA="0" compatLnSpc="1">
+            <a:normAutofit/>
+          </a:bodyPr>
+          <a:lstStyle>
+            <a:lvl1pPr marL="0" indent="0">
+              <a:lnSpc>
+                <a:spcPct val="100000"/>
+              </a:lnSpc>
+              <a:spcBef>
+                <a:spcPts val="0"/>
+              </a:spcBef>
+              <a:buFontTx/>
+              <a:buNone/>
+              <a:defRPr sz="1400" baseline="0">
+                <a:solidFill>
+                  <a:schemeClr val="tx1"/>
+                </a:solidFill>
+              </a:defRPr>
+            </a:lvl1pPr>
+            <a:lvl2pPr>
+              <a:defRPr sz="1200"/>
+            </a:lvl2pPr>
+            <a:lvl3pPr>
+              <a:defRPr sz="1000"/>
+            </a:lvl3pPr>
+            <a:lvl4pPr>
+              <a:defRPr sz="900"/>
+            </a:lvl4pPr>
+            <a:lvl5pPr>
+              <a:defRPr sz="900"/>
+            </a:lvl5pPr>
+            <a:extLst/>
+          </a:lstStyle>
+          <a:p>
+            <a:pPr marL="0" marR="0" lvl="0" indent="0" algn="l" defTabSz="0" rtl="0" eaLnBrk="1" fontAlgn="auto" latinLnBrk="0" hangingPunct="1">
+              <a:lnSpc>
+                <a:spcPct val="100000"/>
+              </a:lnSpc>
+              <a:spcBef>
+                <a:spcPts val="0"/>
+              </a:spcBef>
+              <a:spcAft>
+                <a:spcPts val="0"/>
+              </a:spcAft>
+              <a:buClr>
+                <a:schemeClr val="tx2"/>
+              </a:buClr>
+              <a:buSzPct val="73000"/>
+              <a:buFontTx/>
+              <a:buNone/>
+              <a:tabLst/>
+              <a:defRPr/>
+            </a:pPr>
+            <a:r>
+              <a:rPr kumimoji="0" lang="ru-RU" smtClean="0"/>
+              <a:t>Образец текста</a:t>
+            </a:r>
+          </a:p>
+        </p:txBody>
+      </p:sp>
+      <p:sp>
+        <p:nvSpPr>
+          <p:cNvPr id="5" name="Дата 4"/>
+          <p:cNvSpPr>
+            <a:spLocks noGrp="1"/>
+          </p:cNvSpPr>
+          <p:nvPr>
+            <p:ph type="dt" sz="half" idx="10"/>
+          </p:nvPr>
+        </p:nvSpPr>
+        <p:spPr/>
+        <p:txBody>
+          <a:bodyPr/>
+          <a:lstStyle>
+            <a:extLst/>
+          </a:lstStyle>
+          <a:p>
+            <a:fld id="{5B106E36-FD25-4E2D-B0AA-010F637433A0}" type="datetimeFigureOut">
+              <a:rPr lang="ru-RU" smtClean="0"/>
+              <a:pPr/>
+              <a:t>26.09.2019</a:t>
+            </a:fld>
+            <a:endParaRPr lang="ru-RU"/>
+          </a:p>
+        </p:txBody>
+      </p:sp>
+      <p:sp>
+        <p:nvSpPr>
+          <p:cNvPr id="6" name="Нижний колонтитул 5"/>
+          <p:cNvSpPr>
+            <a:spLocks noGrp="1"/>
+          </p:cNvSpPr>
+          <p:nvPr>
+            <p:ph type="ftr" sz="quarter" idx="11"/>
+          </p:nvPr>
+        </p:nvSpPr>
+        <p:spPr/>
+        <p:txBody>
+          <a:bodyPr/>
+          <a:lstStyle>
+            <a:extLst/>
+          </a:lstStyle>
+          <a:p>
+            <a:endParaRPr lang="ru-RU"/>
+          </a:p>
+        </p:txBody>
+      </p:sp>
+      <p:sp>
+        <p:nvSpPr>
+          <p:cNvPr id="7" name="Номер слайда 6"/>
+          <p:cNvSpPr>
+            <a:spLocks noGrp="1"/>
+          </p:cNvSpPr>
+          <p:nvPr>
+            <p:ph type="sldNum" sz="quarter" idx="12"/>
+          </p:nvPr>
+        </p:nvSpPr>
+        <p:spPr/>
+        <p:txBody>
+          <a:bodyPr/>
+          <a:lstStyle>
+            <a:extLst/>
+          </a:lstStyle>
+          <a:p>
+            <a:fld id="{725C68B6-61C2-468F-89AB-4B9F7531AA68}" type="slidenum">
+              <a:rPr lang="ru-RU" smtClean="0"/>
+              <a:pPr/>
+              <a:t>‹#›</a:t>
+            </a:fld>
+            <a:endParaRPr lang="ru-RU"/>
+          </a:p>
+        </p:txBody>
+      </p:sp>
+      <p:sp>
+        <p:nvSpPr>
+          <p:cNvPr id="10" name="Рисунок 9"/>
+          <p:cNvSpPr>
+            <a:spLocks noGrp="1"/>
+          </p:cNvSpPr>
+          <p:nvPr>
+            <p:ph type="pic" idx="1"/>
+          </p:nvPr>
+        </p:nvSpPr>
+        <p:spPr>
+          <a:xfrm>
+            <a:off x="663682" y="1041002"/>
+            <a:ext cx="4206240" cy="4206240"/>
+          </a:xfrm>
+          <a:solidFill>
+            <a:schemeClr val="bg2">
+              <a:shade val="50000"/>
+            </a:schemeClr>
+          </a:solidFill>
+          <a:ln w="107950">
+            <a:solidFill>
+              <a:srgbClr val="FFFFFF"/>
+            </a:solidFill>
+            <a:miter lim="800000"/>
+          </a:ln>
+          <a:effectLst>
+            <a:outerShdw blurRad="44450" dist="3810" dir="5400000" algn="tl" rotWithShape="0">
+              <a:srgbClr val="000000">
+                <a:alpha val="60000"/>
+              </a:srgbClr>
+            </a:outerShdw>
+          </a:effectLst>
+          <a:scene3d>
+            <a:camera prst="orthographicFront"/>
+            <a:lightRig rig="threePt" dir="t"/>
+          </a:scene3d>
+          <a:sp3d contourW="3810">
+            <a:contourClr>
+              <a:srgbClr val="969696"/>
+            </a:contourClr>
+          </a:sp3d>
         </p:spPr>
         <p:txBody>
           <a:bodyPr/>
@@ -2334,179 +2938,25 @@
               <a:buNone/>
               <a:defRPr sz="3200"/>
             </a:lvl1pPr>
-            <a:lvl2pPr marL="457200" indent="0">
-              <a:buNone/>
-              <a:defRPr sz="2800"/>
-            </a:lvl2pPr>
-            <a:lvl3pPr marL="914400" indent="0">
-              <a:buNone/>
-              <a:defRPr sz="2400"/>
-            </a:lvl3pPr>
-            <a:lvl4pPr marL="1371600" indent="0">
-              <a:buNone/>
-              <a:defRPr sz="2000"/>
-            </a:lvl4pPr>
-            <a:lvl5pPr marL="1828800" indent="0">
-              <a:buNone/>
-              <a:defRPr sz="2000"/>
-            </a:lvl5pPr>
-            <a:lvl6pPr marL="2286000" indent="0">
-              <a:buNone/>
-              <a:defRPr sz="2000"/>
-            </a:lvl6pPr>
-            <a:lvl7pPr marL="2743200" indent="0">
-              <a:buNone/>
-              <a:defRPr sz="2000"/>
-            </a:lvl7pPr>
-            <a:lvl8pPr marL="3200400" indent="0">
-              <a:buNone/>
-              <a:defRPr sz="2000"/>
-            </a:lvl8pPr>
-            <a:lvl9pPr marL="3657600" indent="0">
-              <a:buNone/>
-              <a:defRPr sz="2000"/>
-            </a:lvl9pPr>
-          </a:lstStyle>
-          <a:p>
-            <a:endParaRPr lang="ru-RU"/>
-          </a:p>
-        </p:txBody>
-      </p:sp>
-      <p:sp>
-        <p:nvSpPr>
-          <p:cNvPr id="4" name="Текст 3"/>
-          <p:cNvSpPr>
-            <a:spLocks noGrp="1"/>
-          </p:cNvSpPr>
-          <p:nvPr>
-            <p:ph type="body" sz="half" idx="2"/>
-          </p:nvPr>
-        </p:nvSpPr>
-        <p:spPr>
-          <a:xfrm>
-            <a:off x="1792288" y="5367338"/>
-            <a:ext cx="5486400" cy="804862"/>
-          </a:xfrm>
-        </p:spPr>
-        <p:txBody>
-          <a:bodyPr/>
-          <a:lstStyle>
-            <a:lvl1pPr marL="0" indent="0">
-              <a:buNone/>
-              <a:defRPr sz="1400"/>
-            </a:lvl1pPr>
-            <a:lvl2pPr marL="457200" indent="0">
-              <a:buNone/>
-              <a:defRPr sz="1200"/>
-            </a:lvl2pPr>
-            <a:lvl3pPr marL="914400" indent="0">
-              <a:buNone/>
-              <a:defRPr sz="1000"/>
-            </a:lvl3pPr>
-            <a:lvl4pPr marL="1371600" indent="0">
-              <a:buNone/>
-              <a:defRPr sz="900"/>
-            </a:lvl4pPr>
-            <a:lvl5pPr marL="1828800" indent="0">
-              <a:buNone/>
-              <a:defRPr sz="900"/>
-            </a:lvl5pPr>
-            <a:lvl6pPr marL="2286000" indent="0">
-              <a:buNone/>
-              <a:defRPr sz="900"/>
-            </a:lvl6pPr>
-            <a:lvl7pPr marL="2743200" indent="0">
-              <a:buNone/>
-              <a:defRPr sz="900"/>
-            </a:lvl7pPr>
-            <a:lvl8pPr marL="3200400" indent="0">
-              <a:buNone/>
-              <a:defRPr sz="900"/>
-            </a:lvl8pPr>
-            <a:lvl9pPr marL="3657600" indent="0">
-              <a:buNone/>
-              <a:defRPr sz="900"/>
-            </a:lvl9pPr>
-          </a:lstStyle>
-          <a:p>
-            <a:pPr lvl="0"/>
-            <a:r>
-              <a:rPr lang="ru-RU" smtClean="0"/>
-              <a:t>Образец текста</a:t>
-            </a:r>
-          </a:p>
-        </p:txBody>
-      </p:sp>
-      <p:sp>
-        <p:nvSpPr>
-          <p:cNvPr id="5" name="Дата 4"/>
-          <p:cNvSpPr>
-            <a:spLocks noGrp="1"/>
-          </p:cNvSpPr>
-          <p:nvPr>
-            <p:ph type="dt" sz="half" idx="10"/>
-          </p:nvPr>
-        </p:nvSpPr>
-        <p:spPr/>
-        <p:txBody>
-          <a:bodyPr/>
-          <a:lstStyle/>
-          <a:p>
-            <a:fld id="{5B106E36-FD25-4E2D-B0AA-010F637433A0}" type="datetimeFigureOut">
-              <a:rPr lang="ru-RU" smtClean="0"/>
-              <a:t>03.11.2006</a:t>
-            </a:fld>
-            <a:endParaRPr lang="ru-RU"/>
-          </a:p>
-        </p:txBody>
-      </p:sp>
-      <p:sp>
-        <p:nvSpPr>
-          <p:cNvPr id="6" name="Нижний колонтитул 5"/>
-          <p:cNvSpPr>
-            <a:spLocks noGrp="1"/>
-          </p:cNvSpPr>
-          <p:nvPr>
-            <p:ph type="ftr" sz="quarter" idx="11"/>
-          </p:nvPr>
-        </p:nvSpPr>
-        <p:spPr/>
-        <p:txBody>
-          <a:bodyPr/>
-          <a:lstStyle/>
-          <a:p>
-            <a:endParaRPr lang="ru-RU"/>
-          </a:p>
-        </p:txBody>
-      </p:sp>
-      <p:sp>
-        <p:nvSpPr>
-          <p:cNvPr id="7" name="Номер слайда 6"/>
-          <p:cNvSpPr>
-            <a:spLocks noGrp="1"/>
-          </p:cNvSpPr>
-          <p:nvPr>
-            <p:ph type="sldNum" sz="quarter" idx="12"/>
-          </p:nvPr>
-        </p:nvSpPr>
-        <p:spPr/>
-        <p:txBody>
-          <a:bodyPr/>
-          <a:lstStyle/>
-          <a:p>
-            <a:fld id="{725C68B6-61C2-468F-89AB-4B9F7531AA68}" type="slidenum">
-              <a:rPr lang="ru-RU" smtClean="0"/>
-              <a:t>‹#›</a:t>
-            </a:fld>
-            <a:endParaRPr lang="ru-RU"/>
+            <a:extLst/>
+          </a:lstStyle>
+          <a:p>
+            <a:r>
+              <a:rPr kumimoji="0" lang="ru-RU" smtClean="0"/>
+              <a:t>Вставка рисунка</a:t>
+            </a:r>
+            <a:endParaRPr kumimoji="0" lang="en-US" dirty="0"/>
           </a:p>
         </p:txBody>
       </p:sp>
     </p:spTree>
   </p:cSld>
   <p:clrMapOvr>
-    <a:masterClrMapping/>
+    <a:overrideClrMapping bg1="dk1" tx1="lt1" bg2="dk2" tx2="lt2" accent1="accent1" accent2="accent2" accent3="accent3" accent4="accent4" accent5="accent5" accent6="accent6" hlink="hlink" folHlink="folHlink"/>
   </p:clrMapOvr>
+  <p:transition>
+    <p:wheel spokes="3"/>
+  </p:transition>
 </p:sldLayout>
 </file>
 
@@ -2534,7 +2984,86 @@
       </p:grpSpPr>
       <p:sp>
         <p:nvSpPr>
-          <p:cNvPr id="2" name="Заголовок 1"/>
+          <p:cNvPr id="9" name="Прямоугольник 8"/>
+          <p:cNvSpPr/>
+          <p:nvPr/>
+        </p:nvSpPr>
+        <p:spPr>
+          <a:xfrm flipH="1">
+            <a:off x="8153400" y="0"/>
+            <a:ext cx="990600" cy="6858000"/>
+          </a:xfrm>
+          <a:prstGeom prst="rect">
+            <a:avLst/>
+          </a:prstGeom>
+          <a:blipFill>
+            <a:blip r:embed="rId13">
+              <a:alphaModFix amt="43000"/>
+            </a:blip>
+            <a:tile tx="0" ty="0" sx="50000" sy="50000" flip="none" algn="tl"/>
+          </a:blipFill>
+          <a:ln w="0" cap="flat" cmpd="sng" algn="ctr">
+            <a:noFill/>
+            <a:prstDash val="solid"/>
+          </a:ln>
+          <a:effectLst>
+            <a:fillOverlay blend="mult">
+              <a:gradFill rotWithShape="1">
+                <a:gsLst>
+                  <a:gs pos="0">
+                    <a:schemeClr val="tx2">
+                      <a:tint val="62000"/>
+                      <a:satMod val="420000"/>
+                    </a:schemeClr>
+                  </a:gs>
+                  <a:gs pos="100000">
+                    <a:schemeClr val="tx2">
+                      <a:shade val="20000"/>
+                      <a:satMod val="170000"/>
+                    </a:schemeClr>
+                  </a:gs>
+                </a:gsLst>
+                <a:path path="circle">
+                  <a:fillToRect l="50000" t="110000" r="50000" b="-10000"/>
+                </a:path>
+                <a:tileRect/>
+              </a:gradFill>
+            </a:fillOverlay>
+            <a:innerShdw blurRad="63500" dist="44450" dir="10800000">
+              <a:srgbClr val="000000">
+                <a:alpha val="45000"/>
+              </a:srgbClr>
+            </a:innerShdw>
+          </a:effectLst>
+        </p:spPr>
+        <p:style>
+          <a:lnRef idx="3">
+            <a:schemeClr val="lt1"/>
+          </a:lnRef>
+          <a:fillRef idx="1">
+            <a:schemeClr val="accent1"/>
+          </a:fillRef>
+          <a:effectRef idx="1">
+            <a:schemeClr val="accent1"/>
+          </a:effectRef>
+          <a:fontRef idx="minor">
+            <a:schemeClr val="lt1"/>
+          </a:fontRef>
+        </p:style>
+        <p:txBody>
+          <a:bodyPr anchor="ctr"/>
+          <a:lstStyle>
+            <a:extLst/>
+          </a:lstStyle>
+          <a:p>
+            <a:pPr algn="ctr" eaLnBrk="1" latinLnBrk="0" hangingPunct="1"/>
+            <a:endParaRPr kumimoji="0" lang="en-US"/>
+          </a:p>
+        </p:txBody>
+      </p:sp>
+      <p:sp>
+        <p:nvSpPr>
+          <p:cNvPr id="3" name="Заголовок 2"/>
           <p:cNvSpPr>
             <a:spLocks noGrp="1"/>
           </p:cNvSpPr>
@@ -2544,30 +3073,32 @@
         </p:nvSpPr>
         <p:spPr>
           <a:xfrm>
-            <a:off x="457200" y="274638"/>
-            <a:ext cx="8229600" cy="1143000"/>
+            <a:off x="457200" y="320040"/>
+            <a:ext cx="7239000" cy="1143000"/>
           </a:xfrm>
           <a:prstGeom prst="rect">
             <a:avLst/>
           </a:prstGeom>
         </p:spPr>
         <p:txBody>
-          <a:bodyPr vert="horz" lIns="91440" tIns="45720" rIns="91440" bIns="45720" rtlCol="0" anchor="ctr">
+          <a:bodyPr vert="horz" lIns="45720" tIns="0" rIns="45720" bIns="0" anchor="b" anchorCtr="0">
             <a:normAutofit/>
           </a:bodyPr>
-          <a:lstStyle/>
-          <a:p>
-            <a:r>
-              <a:rPr lang="ru-RU" smtClean="0"/>
+          <a:lstStyle>
+            <a:extLst/>
+          </a:lstStyle>
+          <a:p>
+            <a:r>
+              <a:rPr kumimoji="0" lang="ru-RU" smtClean="0"/>
               <a:t>Образец заголовка</a:t>
             </a:r>
-            <a:endParaRPr lang="ru-RU"/>
-          </a:p>
-        </p:txBody>
-      </p:sp>
-      <p:sp>
-        <p:nvSpPr>
-          <p:cNvPr id="3" name="Текст 2"/>
+            <a:endParaRPr kumimoji="0" lang="en-US"/>
+          </a:p>
+        </p:txBody>
+      </p:sp>
+      <p:sp>
+        <p:nvSpPr>
+          <p:cNvPr id="31" name="Текст 30"/>
           <p:cNvSpPr>
             <a:spLocks noGrp="1"/>
           </p:cNvSpPr>
@@ -2577,59 +3108,61 @@
         </p:nvSpPr>
         <p:spPr>
           <a:xfrm>
-            <a:off x="457200" y="1600200"/>
-            <a:ext cx="8229600" cy="4525963"/>
+            <a:off x="457200" y="1609416"/>
+            <a:ext cx="7239000" cy="4846320"/>
           </a:xfrm>
           <a:prstGeom prst="rect">
             <a:avLst/>
           </a:prstGeom>
         </p:spPr>
         <p:txBody>
-          <a:bodyPr vert="horz" lIns="91440" tIns="45720" rIns="91440" bIns="45720" rtlCol="0">
+          <a:bodyPr vert="horz">
             <a:normAutofit/>
           </a:bodyPr>
-          <a:lstStyle/>
-          <a:p>
-            <a:pPr lvl="0"/>
-            <a:r>
-              <a:rPr lang="ru-RU" smtClean="0"/>
+          <a:lstStyle>
+            <a:extLst/>
+          </a:lstStyle>
+          <a:p>
+            <a:pPr lvl="0" eaLnBrk="1" latinLnBrk="0" hangingPunct="1"/>
+            <a:r>
+              <a:rPr kumimoji="0" lang="ru-RU" smtClean="0"/>
               <a:t>Образец текста</a:t>
             </a:r>
           </a:p>
           <a:p>
-            <a:pPr lvl="1"/>
-            <a:r>
-              <a:rPr lang="ru-RU" smtClean="0"/>
+            <a:pPr lvl="1" eaLnBrk="1" latinLnBrk="0" hangingPunct="1"/>
+            <a:r>
+              <a:rPr kumimoji="0" lang="ru-RU" smtClean="0"/>
               <a:t>Второй уровень</a:t>
             </a:r>
           </a:p>
           <a:p>
-            <a:pPr lvl="2"/>
-            <a:r>
-              <a:rPr lang="ru-RU" smtClean="0"/>
+            <a:pPr lvl="2" eaLnBrk="1" latinLnBrk="0" hangingPunct="1"/>
+            <a:r>
+              <a:rPr kumimoji="0" lang="ru-RU" smtClean="0"/>
               <a:t>Третий уровень</a:t>
             </a:r>
           </a:p>
           <a:p>
-            <a:pPr lvl="3"/>
-            <a:r>
-              <a:rPr lang="ru-RU" smtClean="0"/>
+            <a:pPr lvl="3" eaLnBrk="1" latinLnBrk="0" hangingPunct="1"/>
+            <a:r>
+              <a:rPr kumimoji="0" lang="ru-RU" smtClean="0"/>
               <a:t>Четвертый уровень</a:t>
             </a:r>
           </a:p>
           <a:p>
-            <a:pPr lvl="4"/>
-            <a:r>
-              <a:rPr lang="ru-RU" smtClean="0"/>
+            <a:pPr lvl="4" eaLnBrk="1" latinLnBrk="0" hangingPunct="1"/>
+            <a:r>
+              <a:rPr kumimoji="0" lang="ru-RU" smtClean="0"/>
               <a:t>Пятый уровень</a:t>
             </a:r>
-            <a:endParaRPr lang="ru-RU"/>
-          </a:p>
-        </p:txBody>
-      </p:sp>
-      <p:sp>
-        <p:nvSpPr>
-          <p:cNvPr id="4" name="Дата 3"/>
+            <a:endParaRPr kumimoji="0" lang="en-US"/>
+          </a:p>
+        </p:txBody>
+      </p:sp>
+      <p:sp>
+        <p:nvSpPr>
+          <p:cNvPr id="27" name="Дата 26"/>
           <p:cNvSpPr>
             <a:spLocks noGrp="1"/>
           </p:cNvSpPr>
@@ -2639,30 +3172,30 @@
         </p:nvSpPr>
         <p:spPr>
           <a:xfrm>
-            <a:off x="457200" y="6356350"/>
-            <a:ext cx="2133600" cy="365125"/>
+            <a:off x="4245936" y="6557946"/>
+            <a:ext cx="2002464" cy="226902"/>
           </a:xfrm>
           <a:prstGeom prst="rect">
             <a:avLst/>
           </a:prstGeom>
         </p:spPr>
         <p:txBody>
-          <a:bodyPr vert="horz" lIns="91440" tIns="45720" rIns="91440" bIns="45720" rtlCol="0" anchor="ctr"/>
-          <a:lstStyle>
-            <a:lvl1pPr algn="l">
-              <a:defRPr sz="1200">
+          <a:bodyPr vert="horz" tIns="0" bIns="0" anchor="b"/>
+          <a:lstStyle>
+            <a:lvl1pPr algn="l" eaLnBrk="1" latinLnBrk="0" hangingPunct="1">
+              <a:defRPr kumimoji="0" sz="1000">
                 <a:solidFill>
-                  <a:schemeClr val="tx1">
-                    <a:tint val="75000"/>
-                  </a:schemeClr>
+                  <a:schemeClr val="tx2"/>
                 </a:solidFill>
               </a:defRPr>
             </a:lvl1pPr>
+            <a:extLst/>
           </a:lstStyle>
           <a:p>
             <a:fld id="{5B106E36-FD25-4E2D-B0AA-010F637433A0}" type="datetimeFigureOut">
               <a:rPr lang="ru-RU" smtClean="0"/>
-              <a:t>03.11.2006</a:t>
+              <a:pPr/>
+              <a:t>26.09.2019</a:t>
             </a:fld>
             <a:endParaRPr lang="ru-RU"/>
           </a:p>
@@ -2670,7 +3203,7 @@
       </p:sp>
       <p:sp>
         <p:nvSpPr>
-          <p:cNvPr id="5" name="Нижний колонтитул 4"/>
+          <p:cNvPr id="4" name="Нижний колонтитул 3"/>
           <p:cNvSpPr>
             <a:spLocks noGrp="1"/>
           </p:cNvSpPr>
@@ -2680,25 +3213,24 @@
         </p:nvSpPr>
         <p:spPr>
           <a:xfrm>
-            <a:off x="3124200" y="6356350"/>
-            <a:ext cx="2895600" cy="365125"/>
+            <a:off x="457200" y="6557946"/>
+            <a:ext cx="3657600" cy="228600"/>
           </a:xfrm>
           <a:prstGeom prst="rect">
             <a:avLst/>
           </a:prstGeom>
         </p:spPr>
         <p:txBody>
-          <a:bodyPr vert="horz" lIns="91440" tIns="45720" rIns="91440" bIns="45720" rtlCol="0" anchor="ctr"/>
-          <a:lstStyle>
-            <a:lvl1pPr algn="ctr">
-              <a:defRPr sz="1200">
+          <a:bodyPr vert="horz" tIns="0" bIns="0" anchor="b"/>
+          <a:lstStyle>
+            <a:lvl1pPr algn="r" eaLnBrk="1" latinLnBrk="0" hangingPunct="1">
+              <a:defRPr kumimoji="0" sz="1000">
                 <a:solidFill>
-                  <a:schemeClr val="tx1">
-                    <a:tint val="75000"/>
-                  </a:schemeClr>
+                  <a:schemeClr val="tx2"/>
                 </a:solidFill>
               </a:defRPr>
             </a:lvl1pPr>
+            <a:extLst/>
           </a:lstStyle>
           <a:p>
             <a:endParaRPr lang="ru-RU"/>
@@ -2707,7 +3239,7 @@
       </p:sp>
       <p:sp>
         <p:nvSpPr>
-          <p:cNvPr id="6" name="Номер слайда 5"/>
+          <p:cNvPr id="16" name="Номер слайда 15"/>
           <p:cNvSpPr>
             <a:spLocks noGrp="1"/>
           </p:cNvSpPr>
@@ -2717,29 +3249,29 @@
         </p:nvSpPr>
         <p:spPr>
           <a:xfrm>
-            <a:off x="6553200" y="6356350"/>
-            <a:ext cx="2133600" cy="365125"/>
+            <a:off x="6251448" y="6556248"/>
+            <a:ext cx="588336" cy="228600"/>
           </a:xfrm>
           <a:prstGeom prst="rect">
             <a:avLst/>
           </a:prstGeom>
         </p:spPr>
         <p:txBody>
-          <a:bodyPr vert="horz" lIns="91440" tIns="45720" rIns="91440" bIns="45720" rtlCol="0" anchor="ctr"/>
-          <a:lstStyle>
-            <a:lvl1pPr algn="r">
-              <a:defRPr sz="1200">
+          <a:bodyPr vert="horz" lIns="0" tIns="0" rIns="0" bIns="0" anchor="b"/>
+          <a:lstStyle>
+            <a:lvl1pPr algn="r" eaLnBrk="1" latinLnBrk="0" hangingPunct="1">
+              <a:defRPr kumimoji="0" sz="1100">
                 <a:solidFill>
-                  <a:schemeClr val="tx1">
-                    <a:tint val="75000"/>
-                  </a:schemeClr>
+                  <a:schemeClr val="tx2"/>
                 </a:solidFill>
               </a:defRPr>
             </a:lvl1pPr>
+            <a:extLst/>
           </a:lstStyle>
           <a:p>
             <a:fld id="{725C68B6-61C2-468F-89AB-4B9F7531AA68}" type="slidenum">
               <a:rPr lang="ru-RU" smtClean="0"/>
+              <a:pPr/>
               <a:t>‹#›</a:t>
             </a:fld>
             <a:endParaRPr lang="ru-RU"/>
@@ -2750,43 +3282,87 @@
   </p:cSld>
   <p:clrMap bg1="lt1" tx1="dk1" bg2="lt2" tx2="dk2" accent1="accent1" accent2="accent2" accent3="accent3" accent4="accent4" accent5="accent5" accent6="accent6" hlink="hlink" folHlink="folHlink"/>
   <p:sldLayoutIdLst>
-    <p:sldLayoutId id="2147483649" r:id="rId1"/>
-    <p:sldLayoutId id="2147483650" r:id="rId2"/>
-    <p:sldLayoutId id="2147483651" r:id="rId3"/>
-    <p:sldLayoutId id="2147483652" r:id="rId4"/>
-    <p:sldLayoutId id="2147483653" r:id="rId5"/>
-    <p:sldLayoutId id="2147483654" r:id="rId6"/>
-    <p:sldLayoutId id="2147483655" r:id="rId7"/>
-    <p:sldLayoutId id="2147483656" r:id="rId8"/>
-    <p:sldLayoutId id="2147483657" r:id="rId9"/>
-    <p:sldLayoutId id="2147483658" r:id="rId10"/>
-    <p:sldLayoutId id="2147483659" r:id="rId11"/>
+    <p:sldLayoutId id="2147483661" r:id="rId1"/>
+    <p:sldLayoutId id="2147483662" r:id="rId2"/>
+    <p:sldLayoutId id="2147483663" r:id="rId3"/>
+    <p:sldLayoutId id="2147483664" r:id="rId4"/>
+    <p:sldLayoutId id="2147483665" r:id="rId5"/>
+    <p:sldLayoutId id="2147483666" r:id="rId6"/>
+    <p:sldLayoutId id="2147483667" r:id="rId7"/>
+    <p:sldLayoutId id="2147483668" r:id="rId8"/>
+    <p:sldLayoutId id="2147483669" r:id="rId9"/>
+    <p:sldLayoutId id="2147483670" r:id="rId10"/>
+    <p:sldLayoutId id="2147483671" r:id="rId11"/>
   </p:sldLayoutIdLst>
+  <p:transition>
+    <p:wheel spokes="3"/>
+  </p:transition>
   <p:txStyles>
     <p:titleStyle>
-      <a:lvl1pPr algn="ctr" defTabSz="914400" rtl="0" eaLnBrk="1" latinLnBrk="0" hangingPunct="1">
+      <a:lvl1pPr algn="l" rtl="0" eaLnBrk="1" latinLnBrk="0" hangingPunct="1">
         <a:spcBef>
           <a:spcPct val="0"/>
         </a:spcBef>
         <a:buNone/>
-        <a:defRPr sz="4400" kern="1200">
-          <a:solidFill>
-            <a:schemeClr val="tx1"/>
-          </a:solidFill>
+        <a:defRPr kumimoji="0" sz="3800" b="1" kern="1200" cap="all" baseline="0">
+          <a:ln w="500">
+            <a:solidFill>
+              <a:schemeClr val="tx2">
+                <a:shade val="20000"/>
+                <a:satMod val="120000"/>
+              </a:schemeClr>
+            </a:solidFill>
+          </a:ln>
+          <a:gradFill>
+            <a:gsLst>
+              <a:gs pos="0">
+                <a:schemeClr val="accent4">
+                  <a:tint val="13000"/>
+                </a:schemeClr>
+              </a:gs>
+              <a:gs pos="10000">
+                <a:schemeClr val="accent4">
+                  <a:tint val="20000"/>
+                </a:schemeClr>
+              </a:gs>
+              <a:gs pos="49000">
+                <a:schemeClr val="accent4">
+                  <a:tint val="70000"/>
+                </a:schemeClr>
+              </a:gs>
+              <a:gs pos="50000">
+                <a:schemeClr val="accent4">
+                  <a:tint val="97000"/>
+                </a:schemeClr>
+              </a:gs>
+              <a:gs pos="100000">
+                <a:schemeClr val="accent4">
+                  <a:tint val="20000"/>
+                </a:schemeClr>
+              </a:gs>
+            </a:gsLst>
+            <a:lin ang="5400000" scaled="1"/>
+          </a:gradFill>
+          <a:effectLst/>
           <a:latin typeface="+mj-lt"/>
           <a:ea typeface="+mj-ea"/>
           <a:cs typeface="+mj-cs"/>
         </a:defRPr>
       </a:lvl1pPr>
+      <a:extLst/>
     </p:titleStyle>
     <p:bodyStyle>
-      <a:lvl1pPr marL="342900" indent="-342900" algn="l" defTabSz="914400" rtl="0" eaLnBrk="1" latinLnBrk="0" hangingPunct="1">
+      <a:lvl1pPr marL="274320" indent="-274320" algn="l" rtl="0" eaLnBrk="1" latinLnBrk="0" hangingPunct="1">
         <a:spcBef>
-          <a:spcPct val="20000"/>
+          <a:spcPts val="600"/>
         </a:spcBef>
-        <a:buFont typeface="Arial" pitchFamily="34" charset="0"/>
-        <a:buChar char="•"/>
-        <a:defRPr sz="3200" kern="1200">
+        <a:buClr>
+          <a:schemeClr val="tx2"/>
+        </a:buClr>
+        <a:buSzPct val="73000"/>
+        <a:buFont typeface="Wingdings 2"/>
+        <a:buChar char=""/>
+        <a:defRPr kumimoji="0" sz="2600" kern="1200" baseline="0">
           <a:solidFill>
             <a:schemeClr val="tx1"/>
           </a:solidFill>
@@ -2795,13 +3371,180 @@
           <a:cs typeface="+mn-cs"/>
         </a:defRPr>
       </a:lvl1pPr>
-      <a:lvl2pPr marL="742950" indent="-285750" algn="l" defTabSz="914400" rtl="0" eaLnBrk="1" latinLnBrk="0" hangingPunct="1">
+      <a:lvl2pPr marL="521208" indent="-228600" algn="l" rtl="0" eaLnBrk="1" latinLnBrk="0" hangingPunct="1">
+        <a:spcBef>
+          <a:spcPts val="500"/>
+        </a:spcBef>
+        <a:buClr>
+          <a:schemeClr val="accent4"/>
+        </a:buClr>
+        <a:buSzPct val="80000"/>
+        <a:buFont typeface="Wingdings 2"/>
+        <a:buChar char=""/>
+        <a:defRPr kumimoji="0" sz="2300" kern="1200">
+          <a:solidFill>
+            <a:schemeClr val="tx1">
+              <a:tint val="85000"/>
+            </a:schemeClr>
+          </a:solidFill>
+          <a:latin typeface="+mn-lt"/>
+          <a:ea typeface="+mn-ea"/>
+          <a:cs typeface="+mn-cs"/>
+        </a:defRPr>
+      </a:lvl2pPr>
+      <a:lvl3pPr marL="758952" indent="-228600" algn="l" rtl="0" eaLnBrk="1" latinLnBrk="0" hangingPunct="1">
+        <a:spcBef>
+          <a:spcPts val="400"/>
+        </a:spcBef>
+        <a:buClr>
+          <a:schemeClr val="accent4"/>
+        </a:buClr>
+        <a:buSzPct val="60000"/>
+        <a:buFont typeface="Wingdings"/>
+        <a:buChar char=""/>
+        <a:defRPr kumimoji="0" sz="2000" kern="1200">
+          <a:solidFill>
+            <a:schemeClr val="tx1"/>
+          </a:solidFill>
+          <a:latin typeface="+mn-lt"/>
+          <a:ea typeface="+mn-ea"/>
+          <a:cs typeface="+mn-cs"/>
+        </a:defRPr>
+      </a:lvl3pPr>
+      <a:lvl4pPr marL="1005840" indent="-228600" algn="l" rtl="0" eaLnBrk="1" latinLnBrk="0" hangingPunct="1">
         <a:spcBef>
           <a:spcPct val="20000"/>
         </a:spcBef>
-        <a:buFont typeface="Arial" pitchFamily="34" charset="0"/>
-        <a:buChar char="–"/>
-        <a:defRPr sz="2800" kern="1200">
+        <a:buClr>
+          <a:schemeClr val="accent4"/>
+        </a:buClr>
+        <a:buSzPct val="80000"/>
+        <a:buFont typeface="Wingdings 2"/>
+        <a:buChar char=""/>
+        <a:defRPr kumimoji="0" sz="2000" kern="1200">
+          <a:solidFill>
+            <a:schemeClr val="tx1">
+              <a:tint val="85000"/>
+            </a:schemeClr>
+          </a:solidFill>
+          <a:latin typeface="+mn-lt"/>
+          <a:ea typeface="+mn-ea"/>
+          <a:cs typeface="+mn-cs"/>
+        </a:defRPr>
+      </a:lvl4pPr>
+      <a:lvl5pPr marL="1280160" indent="-228600" algn="l" rtl="0" eaLnBrk="1" latinLnBrk="0" hangingPunct="1">
+        <a:spcBef>
+          <a:spcPts val="400"/>
+        </a:spcBef>
+        <a:buClr>
+          <a:schemeClr val="accent4"/>
+        </a:buClr>
+        <a:buSzPct val="70000"/>
+        <a:buFont typeface="Wingdings"/>
+        <a:buChar char=""/>
+        <a:defRPr kumimoji="0" sz="1800" kern="1200">
+          <a:solidFill>
+            <a:schemeClr val="tx1"/>
+          </a:solidFill>
+          <a:latin typeface="+mn-lt"/>
+          <a:ea typeface="+mn-ea"/>
+          <a:cs typeface="+mn-cs"/>
+        </a:defRPr>
+      </a:lvl5pPr>
+      <a:lvl6pPr marL="1472184" indent="-182880" algn="l" rtl="0" eaLnBrk="1" latinLnBrk="0" hangingPunct="1">
+        <a:spcBef>
+          <a:spcPts val="400"/>
+        </a:spcBef>
+        <a:buClr>
+          <a:schemeClr val="accent4"/>
+        </a:buClr>
+        <a:buSzPct val="80000"/>
+        <a:buFont typeface="Wingdings 2"/>
+        <a:buChar char=""/>
+        <a:defRPr kumimoji="0" sz="1800" kern="1200">
+          <a:solidFill>
+            <a:schemeClr val="tx1">
+              <a:tint val="85000"/>
+            </a:schemeClr>
+          </a:solidFill>
+          <a:latin typeface="+mn-lt"/>
+          <a:ea typeface="+mn-ea"/>
+          <a:cs typeface="+mn-cs"/>
+        </a:defRPr>
+      </a:lvl6pPr>
+      <a:lvl7pPr marL="1673352" indent="-182880" algn="l" rtl="0" eaLnBrk="1" latinLnBrk="0" hangingPunct="1">
+        <a:spcBef>
+          <a:spcPct val="20000"/>
+        </a:spcBef>
+        <a:buClr>
+          <a:schemeClr val="accent4"/>
+        </a:buClr>
+        <a:buSzPct val="80000"/>
+        <a:buFont typeface="Wingdings 2"/>
+        <a:buChar char=""/>
+        <a:defRPr kumimoji="0" sz="1600" kern="1200" baseline="0">
+          <a:solidFill>
+            <a:schemeClr val="tx1"/>
+          </a:solidFill>
+          <a:latin typeface="+mn-lt"/>
+          <a:ea typeface="+mn-ea"/>
+          <a:cs typeface="+mn-cs"/>
+        </a:defRPr>
+      </a:lvl7pPr>
+      <a:lvl8pPr marL="1847088" indent="-182880" algn="l" rtl="0" eaLnBrk="1" latinLnBrk="0" hangingPunct="1">
+        <a:spcBef>
+          <a:spcPts val="300"/>
+        </a:spcBef>
+        <a:buClr>
+          <a:schemeClr val="accent4"/>
+        </a:buClr>
+        <a:buSzPct val="100000"/>
+        <a:buChar char="•"/>
+        <a:defRPr kumimoji="0" sz="1600" kern="1200" baseline="0">
+          <a:solidFill>
+            <a:schemeClr val="tx1">
+              <a:tint val="85000"/>
+            </a:schemeClr>
+          </a:solidFill>
+          <a:latin typeface="+mn-lt"/>
+          <a:ea typeface="+mn-ea"/>
+          <a:cs typeface="+mn-cs"/>
+        </a:defRPr>
+      </a:lvl8pPr>
+      <a:lvl9pPr marL="2057400" indent="-182880" algn="l" rtl="0" eaLnBrk="1" latinLnBrk="0" hangingPunct="1">
+        <a:spcBef>
+          <a:spcPct val="20000"/>
+        </a:spcBef>
+        <a:buClr>
+          <a:schemeClr val="accent4"/>
+        </a:buClr>
+        <a:buSzPct val="100000"/>
+        <a:buFont typeface="Wingdings"/>
+        <a:buChar char="§"/>
+        <a:defRPr kumimoji="0" sz="1400" kern="1200" baseline="0">
+          <a:solidFill>
+            <a:schemeClr val="tx1"/>
+          </a:solidFill>
+          <a:latin typeface="+mn-lt"/>
+          <a:ea typeface="+mn-ea"/>
+          <a:cs typeface="+mn-cs"/>
+        </a:defRPr>
+      </a:lvl9pPr>
+      <a:extLst/>
+    </p:bodyStyle>
+    <p:otherStyle>
+      <a:lvl1pPr marL="0" algn="l" rtl="0" eaLnBrk="1" latinLnBrk="0" hangingPunct="1">
+        <a:defRPr kumimoji="0" kern="1200">
+          <a:solidFill>
+            <a:schemeClr val="tx1"/>
+          </a:solidFill>
+          <a:latin typeface="+mn-lt"/>
+          <a:ea typeface="+mn-ea"/>
+          <a:cs typeface="+mn-cs"/>
+        </a:defRPr>
+      </a:lvl1pPr>
+      <a:lvl2pPr marL="457200" algn="l" rtl="0" eaLnBrk="1" latinLnBrk="0" hangingPunct="1">
+        <a:defRPr kumimoji="0" kern="1200">
           <a:solidFill>
             <a:schemeClr val="tx1"/>
           </a:solidFill>
@@ -2810,13 +3553,8 @@
           <a:cs typeface="+mn-cs"/>
         </a:defRPr>
       </a:lvl2pPr>
-      <a:lvl3pPr marL="1143000" indent="-228600" algn="l" defTabSz="914400" rtl="0" eaLnBrk="1" latinLnBrk="0" hangingPunct="1">
-        <a:spcBef>
-          <a:spcPct val="20000"/>
-        </a:spcBef>
-        <a:buFont typeface="Arial" pitchFamily="34" charset="0"/>
-        <a:buChar char="•"/>
-        <a:defRPr sz="2400" kern="1200">
+      <a:lvl3pPr marL="914400" algn="l" rtl="0" eaLnBrk="1" latinLnBrk="0" hangingPunct="1">
+        <a:defRPr kumimoji="0" kern="1200">
           <a:solidFill>
             <a:schemeClr val="tx1"/>
           </a:solidFill>
@@ -2825,13 +3563,8 @@
           <a:cs typeface="+mn-cs"/>
         </a:defRPr>
       </a:lvl3pPr>
-      <a:lvl4pPr marL="1600200" indent="-228600" algn="l" defTabSz="914400" rtl="0" eaLnBrk="1" latinLnBrk="0" hangingPunct="1">
-        <a:spcBef>
-          <a:spcPct val="20000"/>
-        </a:spcBef>
-        <a:buFont typeface="Arial" pitchFamily="34" charset="0"/>
-        <a:buChar char="–"/>
-        <a:defRPr sz="2000" kern="1200">
+      <a:lvl4pPr marL="1371600" algn="l" rtl="0" eaLnBrk="1" latinLnBrk="0" hangingPunct="1">
+        <a:defRPr kumimoji="0" kern="1200">
           <a:solidFill>
             <a:schemeClr val="tx1"/>
           </a:solidFill>
@@ -2840,13 +3573,8 @@
           <a:cs typeface="+mn-cs"/>
         </a:defRPr>
       </a:lvl4pPr>
-      <a:lvl5pPr marL="2057400" indent="-228600" algn="l" defTabSz="914400" rtl="0" eaLnBrk="1" latinLnBrk="0" hangingPunct="1">
-        <a:spcBef>
-          <a:spcPct val="20000"/>
-        </a:spcBef>
-        <a:buFont typeface="Arial" pitchFamily="34" charset="0"/>
-        <a:buChar char="»"/>
-        <a:defRPr sz="2000" kern="1200">
+      <a:lvl5pPr marL="1828800" algn="l" rtl="0" eaLnBrk="1" latinLnBrk="0" hangingPunct="1">
+        <a:defRPr kumimoji="0" kern="1200">
           <a:solidFill>
             <a:schemeClr val="tx1"/>
           </a:solidFill>
@@ -2855,13 +3583,8 @@
           <a:cs typeface="+mn-cs"/>
         </a:defRPr>
       </a:lvl5pPr>
-      <a:lvl6pPr marL="2514600" indent="-228600" algn="l" defTabSz="914400" rtl="0" eaLnBrk="1" latinLnBrk="0" hangingPunct="1">
-        <a:spcBef>
-          <a:spcPct val="20000"/>
-        </a:spcBef>
-        <a:buFont typeface="Arial" pitchFamily="34" charset="0"/>
-        <a:buChar char="•"/>
-        <a:defRPr sz="2000" kern="1200">
+      <a:lvl6pPr marL="2286000" algn="l" rtl="0" eaLnBrk="1" latinLnBrk="0" hangingPunct="1">
+        <a:defRPr kumimoji="0" kern="1200">
           <a:solidFill>
             <a:schemeClr val="tx1"/>
           </a:solidFill>
@@ -2870,13 +3593,8 @@
           <a:cs typeface="+mn-cs"/>
         </a:defRPr>
       </a:lvl6pPr>
-      <a:lvl7pPr marL="2971800" indent="-228600" algn="l" defTabSz="914400" rtl="0" eaLnBrk="1" latinLnBrk="0" hangingPunct="1">
-        <a:spcBef>
-          <a:spcPct val="20000"/>
-        </a:spcBef>
-        <a:buFont typeface="Arial" pitchFamily="34" charset="0"/>
-        <a:buChar char="•"/>
-        <a:defRPr sz="2000" kern="1200">
+      <a:lvl7pPr marL="2743200" algn="l" rtl="0" eaLnBrk="1" latinLnBrk="0" hangingPunct="1">
+        <a:defRPr kumimoji="0" kern="1200">
           <a:solidFill>
             <a:schemeClr val="tx1"/>
           </a:solidFill>
@@ -2885,13 +3603,8 @@
           <a:cs typeface="+mn-cs"/>
         </a:defRPr>
       </a:lvl7pPr>
-      <a:lvl8pPr marL="3429000" indent="-228600" algn="l" defTabSz="914400" rtl="0" eaLnBrk="1" latinLnBrk="0" hangingPunct="1">
-        <a:spcBef>
-          <a:spcPct val="20000"/>
-        </a:spcBef>
-        <a:buFont typeface="Arial" pitchFamily="34" charset="0"/>
-        <a:buChar char="•"/>
-        <a:defRPr sz="2000" kern="1200">
+      <a:lvl8pPr marL="3200400" algn="l" rtl="0" eaLnBrk="1" latinLnBrk="0" hangingPunct="1">
+        <a:defRPr kumimoji="0" kern="1200">
           <a:solidFill>
             <a:schemeClr val="tx1"/>
           </a:solidFill>
@@ -2900,13 +3613,8 @@
           <a:cs typeface="+mn-cs"/>
         </a:defRPr>
       </a:lvl8pPr>
-      <a:lvl9pPr marL="3886200" indent="-228600" algn="l" defTabSz="914400" rtl="0" eaLnBrk="1" latinLnBrk="0" hangingPunct="1">
-        <a:spcBef>
-          <a:spcPct val="20000"/>
-        </a:spcBef>
-        <a:buFont typeface="Arial" pitchFamily="34" charset="0"/>
-        <a:buChar char="•"/>
-        <a:defRPr sz="2000" kern="1200">
+      <a:lvl9pPr marL="3657600" algn="l" rtl="0" eaLnBrk="1" latinLnBrk="0" hangingPunct="1">
+        <a:defRPr kumimoji="0" kern="1200">
           <a:solidFill>
             <a:schemeClr val="tx1"/>
           </a:solidFill>
@@ -2915,110 +3623,1576 @@
           <a:cs typeface="+mn-cs"/>
         </a:defRPr>
       </a:lvl9pPr>
-    </p:bodyStyle>
-    <p:otherStyle>
-      <a:defPPr>
-        <a:defRPr lang="ru-RU"/>
-      </a:defPPr>
-      <a:lvl1pPr marL="0" algn="l" defTabSz="914400" rtl="0" eaLnBrk="1" latinLnBrk="0" hangingPunct="1">
-        <a:defRPr sz="1800" kern="1200">
-          <a:solidFill>
-            <a:schemeClr val="tx1"/>
-          </a:solidFill>
-          <a:latin typeface="+mn-lt"/>
-          <a:ea typeface="+mn-ea"/>
-          <a:cs typeface="+mn-cs"/>
-        </a:defRPr>
-      </a:lvl1pPr>
-      <a:lvl2pPr marL="457200" algn="l" defTabSz="914400" rtl="0" eaLnBrk="1" latinLnBrk="0" hangingPunct="1">
-        <a:defRPr sz="1800" kern="1200">
-          <a:solidFill>
-            <a:schemeClr val="tx1"/>
-          </a:solidFill>
-          <a:latin typeface="+mn-lt"/>
-          <a:ea typeface="+mn-ea"/>
-          <a:cs typeface="+mn-cs"/>
-        </a:defRPr>
-      </a:lvl2pPr>
-      <a:lvl3pPr marL="914400" algn="l" defTabSz="914400" rtl="0" eaLnBrk="1" latinLnBrk="0" hangingPunct="1">
-        <a:defRPr sz="1800" kern="1200">
-          <a:solidFill>
-            <a:schemeClr val="tx1"/>
-          </a:solidFill>
-          <a:latin typeface="+mn-lt"/>
-          <a:ea typeface="+mn-ea"/>
-          <a:cs typeface="+mn-cs"/>
-        </a:defRPr>
-      </a:lvl3pPr>
-      <a:lvl4pPr marL="1371600" algn="l" defTabSz="914400" rtl="0" eaLnBrk="1" latinLnBrk="0" hangingPunct="1">
-        <a:defRPr sz="1800" kern="1200">
-          <a:solidFill>
-            <a:schemeClr val="tx1"/>
-          </a:solidFill>
-          <a:latin typeface="+mn-lt"/>
-          <a:ea typeface="+mn-ea"/>
-          <a:cs typeface="+mn-cs"/>
-        </a:defRPr>
-      </a:lvl4pPr>
-      <a:lvl5pPr marL="1828800" algn="l" defTabSz="914400" rtl="0" eaLnBrk="1" latinLnBrk="0" hangingPunct="1">
-        <a:defRPr sz="1800" kern="1200">
-          <a:solidFill>
-            <a:schemeClr val="tx1"/>
-          </a:solidFill>
-          <a:latin typeface="+mn-lt"/>
-          <a:ea typeface="+mn-ea"/>
-          <a:cs typeface="+mn-cs"/>
-        </a:defRPr>
-      </a:lvl5pPr>
-      <a:lvl6pPr marL="2286000" algn="l" defTabSz="914400" rtl="0" eaLnBrk="1" latinLnBrk="0" hangingPunct="1">
-        <a:defRPr sz="1800" kern="1200">
-          <a:solidFill>
-            <a:schemeClr val="tx1"/>
-          </a:solidFill>
-          <a:latin typeface="+mn-lt"/>
-          <a:ea typeface="+mn-ea"/>
-          <a:cs typeface="+mn-cs"/>
-        </a:defRPr>
-      </a:lvl6pPr>
-      <a:lvl7pPr marL="2743200" algn="l" defTabSz="914400" rtl="0" eaLnBrk="1" latinLnBrk="0" hangingPunct="1">
-        <a:defRPr sz="1800" kern="1200">
-          <a:solidFill>
-            <a:schemeClr val="tx1"/>
-          </a:solidFill>
-          <a:latin typeface="+mn-lt"/>
-          <a:ea typeface="+mn-ea"/>
-          <a:cs typeface="+mn-cs"/>
-        </a:defRPr>
-      </a:lvl7pPr>
-      <a:lvl8pPr marL="3200400" algn="l" defTabSz="914400" rtl="0" eaLnBrk="1" latinLnBrk="0" hangingPunct="1">
-        <a:defRPr sz="1800" kern="1200">
-          <a:solidFill>
-            <a:schemeClr val="tx1"/>
-          </a:solidFill>
-          <a:latin typeface="+mn-lt"/>
-          <a:ea typeface="+mn-ea"/>
-          <a:cs typeface="+mn-cs"/>
-        </a:defRPr>
-      </a:lvl8pPr>
-      <a:lvl9pPr marL="3657600" algn="l" defTabSz="914400" rtl="0" eaLnBrk="1" latinLnBrk="0" hangingPunct="1">
-        <a:defRPr sz="1800" kern="1200">
-          <a:solidFill>
-            <a:schemeClr val="tx1"/>
-          </a:solidFill>
-          <a:latin typeface="+mn-lt"/>
-          <a:ea typeface="+mn-ea"/>
-          <a:cs typeface="+mn-cs"/>
-        </a:defRPr>
-      </a:lvl9pPr>
+      <a:extLst/>
     </p:otherStyle>
   </p:txStyles>
 </p:sldMaster>
 </file>
 
+<file path=ppt/slides/slide1.xml><?xml version="1.0" encoding="utf-8"?>
+<p:sld xmlns:a="http://schemas.openxmlformats.org/drawingml/2006/main" xmlns:r="http://schemas.openxmlformats.org/officeDocument/2006/relationships" xmlns:p="http://schemas.openxmlformats.org/presentationml/2006/main">
+  <p:cSld>
+    <p:spTree>
+      <p:nvGrpSpPr>
+        <p:cNvPr id="1" name=""/>
+        <p:cNvGrpSpPr/>
+        <p:nvPr/>
+      </p:nvGrpSpPr>
+      <p:grpSpPr>
+        <a:xfrm>
+          <a:off x="0" y="0"/>
+          <a:ext cx="0" cy="0"/>
+          <a:chOff x="0" y="0"/>
+          <a:chExt cx="0" cy="0"/>
+        </a:xfrm>
+      </p:grpSpPr>
+      <p:sp>
+        <p:nvSpPr>
+          <p:cNvPr id="2" name="Заголовок 1"/>
+          <p:cNvSpPr>
+            <a:spLocks noGrp="1"/>
+          </p:cNvSpPr>
+          <p:nvPr>
+            <p:ph type="ctrTitle"/>
+          </p:nvPr>
+        </p:nvSpPr>
+        <p:spPr/>
+        <p:txBody>
+          <a:bodyPr/>
+          <a:lstStyle/>
+          <a:p>
+            <a:r>
+              <a:rPr lang="en-US" dirty="0" smtClean="0">
+                <a:latin typeface="Times New Roman" pitchFamily="18" charset="0"/>
+                <a:cs typeface="Times New Roman" pitchFamily="18" charset="0"/>
+              </a:rPr>
+              <a:t>Abilympics 2019</a:t>
+            </a:r>
+            <a:endParaRPr lang="ru-RU" dirty="0">
+              <a:latin typeface="Times New Roman" pitchFamily="18" charset="0"/>
+              <a:cs typeface="Times New Roman" pitchFamily="18" charset="0"/>
+            </a:endParaRPr>
+          </a:p>
+        </p:txBody>
+      </p:sp>
+      <p:sp>
+        <p:nvSpPr>
+          <p:cNvPr id="3" name="Подзаголовок 2"/>
+          <p:cNvSpPr>
+            <a:spLocks noGrp="1"/>
+          </p:cNvSpPr>
+          <p:nvPr>
+            <p:ph type="subTitle" idx="1"/>
+          </p:nvPr>
+        </p:nvSpPr>
+        <p:spPr/>
+        <p:txBody>
+          <a:bodyPr/>
+          <a:lstStyle/>
+          <a:p>
+            <a:r>
+              <a:rPr lang="ru-RU" dirty="0" smtClean="0">
+                <a:latin typeface="Times New Roman" pitchFamily="18" charset="0"/>
+                <a:cs typeface="Times New Roman" pitchFamily="18" charset="0"/>
+              </a:rPr>
+              <a:t>Выполнил участник чемпионата </a:t>
+            </a:r>
+            <a:r>
+              <a:rPr lang="en-US" dirty="0" smtClean="0">
+                <a:latin typeface="Times New Roman" pitchFamily="18" charset="0"/>
+                <a:cs typeface="Times New Roman" pitchFamily="18" charset="0"/>
+              </a:rPr>
+              <a:t>Abilympics:</a:t>
+            </a:r>
+            <a:r>
+              <a:rPr lang="ru-RU" dirty="0" smtClean="0">
+                <a:latin typeface="Times New Roman" pitchFamily="18" charset="0"/>
+                <a:cs typeface="Times New Roman" pitchFamily="18" charset="0"/>
+              </a:rPr>
+              <a:t> Мамыкин Глеб</a:t>
+            </a:r>
+            <a:endParaRPr lang="ru-RU" dirty="0">
+              <a:latin typeface="Times New Roman" pitchFamily="18" charset="0"/>
+              <a:cs typeface="Times New Roman" pitchFamily="18" charset="0"/>
+            </a:endParaRPr>
+          </a:p>
+        </p:txBody>
+      </p:sp>
+    </p:spTree>
+  </p:cSld>
+  <p:clrMapOvr>
+    <a:masterClrMapping/>
+  </p:clrMapOvr>
+  <p:transition>
+    <p:wheel spokes="3"/>
+  </p:transition>
+</p:sld>
+</file>
+
+<file path=ppt/slides/slide10.xml><?xml version="1.0" encoding="utf-8"?>
+<p:sld xmlns:a="http://schemas.openxmlformats.org/drawingml/2006/main" xmlns:r="http://schemas.openxmlformats.org/officeDocument/2006/relationships" xmlns:p="http://schemas.openxmlformats.org/presentationml/2006/main">
+  <p:cSld>
+    <p:spTree>
+      <p:nvGrpSpPr>
+        <p:cNvPr id="1" name=""/>
+        <p:cNvGrpSpPr/>
+        <p:nvPr/>
+      </p:nvGrpSpPr>
+      <p:grpSpPr>
+        <a:xfrm>
+          <a:off x="0" y="0"/>
+          <a:ext cx="0" cy="0"/>
+          <a:chOff x="0" y="0"/>
+          <a:chExt cx="0" cy="0"/>
+        </a:xfrm>
+      </p:grpSpPr>
+      <p:sp>
+        <p:nvSpPr>
+          <p:cNvPr id="2" name="Заголовок 1"/>
+          <p:cNvSpPr>
+            <a:spLocks noGrp="1"/>
+          </p:cNvSpPr>
+          <p:nvPr>
+            <p:ph type="title"/>
+          </p:nvPr>
+        </p:nvSpPr>
+        <p:spPr/>
+        <p:txBody>
+          <a:bodyPr/>
+          <a:lstStyle/>
+          <a:p>
+            <a:endParaRPr lang="ru-RU"/>
+          </a:p>
+        </p:txBody>
+      </p:sp>
+      <p:sp>
+        <p:nvSpPr>
+          <p:cNvPr id="3" name="Содержимое 2"/>
+          <p:cNvSpPr>
+            <a:spLocks noGrp="1"/>
+          </p:cNvSpPr>
+          <p:nvPr>
+            <p:ph idx="1"/>
+          </p:nvPr>
+        </p:nvSpPr>
+        <p:spPr/>
+        <p:txBody>
+          <a:bodyPr/>
+          <a:lstStyle/>
+          <a:p>
+            <a:endParaRPr lang="ru-RU"/>
+          </a:p>
+        </p:txBody>
+      </p:sp>
+    </p:spTree>
+  </p:cSld>
+  <p:clrMapOvr>
+    <a:masterClrMapping/>
+  </p:clrMapOvr>
+  <p:transition>
+    <p:wheel spokes="3"/>
+  </p:transition>
+</p:sld>
+</file>
+
+<file path=ppt/slides/slide11.xml><?xml version="1.0" encoding="utf-8"?>
+<p:sld xmlns:a="http://schemas.openxmlformats.org/drawingml/2006/main" xmlns:r="http://schemas.openxmlformats.org/officeDocument/2006/relationships" xmlns:p="http://schemas.openxmlformats.org/presentationml/2006/main">
+  <p:cSld>
+    <p:spTree>
+      <p:nvGrpSpPr>
+        <p:cNvPr id="1" name=""/>
+        <p:cNvGrpSpPr/>
+        <p:nvPr/>
+      </p:nvGrpSpPr>
+      <p:grpSpPr>
+        <a:xfrm>
+          <a:off x="0" y="0"/>
+          <a:ext cx="0" cy="0"/>
+          <a:chOff x="0" y="0"/>
+          <a:chExt cx="0" cy="0"/>
+        </a:xfrm>
+      </p:grpSpPr>
+      <p:sp>
+        <p:nvSpPr>
+          <p:cNvPr id="2" name="Заголовок 1"/>
+          <p:cNvSpPr>
+            <a:spLocks noGrp="1"/>
+          </p:cNvSpPr>
+          <p:nvPr>
+            <p:ph type="title"/>
+          </p:nvPr>
+        </p:nvSpPr>
+        <p:spPr/>
+        <p:txBody>
+          <a:bodyPr/>
+          <a:lstStyle/>
+          <a:p>
+            <a:endParaRPr lang="ru-RU"/>
+          </a:p>
+        </p:txBody>
+      </p:sp>
+      <p:sp>
+        <p:nvSpPr>
+          <p:cNvPr id="3" name="Содержимое 2"/>
+          <p:cNvSpPr>
+            <a:spLocks noGrp="1"/>
+          </p:cNvSpPr>
+          <p:nvPr>
+            <p:ph idx="1"/>
+          </p:nvPr>
+        </p:nvSpPr>
+        <p:spPr/>
+        <p:txBody>
+          <a:bodyPr/>
+          <a:lstStyle/>
+          <a:p>
+            <a:endParaRPr lang="ru-RU"/>
+          </a:p>
+        </p:txBody>
+      </p:sp>
+    </p:spTree>
+  </p:cSld>
+  <p:clrMapOvr>
+    <a:masterClrMapping/>
+  </p:clrMapOvr>
+  <p:transition>
+    <p:wheel spokes="3"/>
+  </p:transition>
+</p:sld>
+</file>
+
+<file path=ppt/slides/slide12.xml><?xml version="1.0" encoding="utf-8"?>
+<p:sld xmlns:a="http://schemas.openxmlformats.org/drawingml/2006/main" xmlns:r="http://schemas.openxmlformats.org/officeDocument/2006/relationships" xmlns:p="http://schemas.openxmlformats.org/presentationml/2006/main">
+  <p:cSld>
+    <p:spTree>
+      <p:nvGrpSpPr>
+        <p:cNvPr id="1" name=""/>
+        <p:cNvGrpSpPr/>
+        <p:nvPr/>
+      </p:nvGrpSpPr>
+      <p:grpSpPr>
+        <a:xfrm>
+          <a:off x="0" y="0"/>
+          <a:ext cx="0" cy="0"/>
+          <a:chOff x="0" y="0"/>
+          <a:chExt cx="0" cy="0"/>
+        </a:xfrm>
+      </p:grpSpPr>
+      <p:sp>
+        <p:nvSpPr>
+          <p:cNvPr id="2" name="Заголовок 1"/>
+          <p:cNvSpPr>
+            <a:spLocks noGrp="1"/>
+          </p:cNvSpPr>
+          <p:nvPr>
+            <p:ph type="title"/>
+          </p:nvPr>
+        </p:nvSpPr>
+        <p:spPr/>
+        <p:txBody>
+          <a:bodyPr/>
+          <a:lstStyle/>
+          <a:p>
+            <a:endParaRPr lang="ru-RU"/>
+          </a:p>
+        </p:txBody>
+      </p:sp>
+      <p:sp>
+        <p:nvSpPr>
+          <p:cNvPr id="3" name="Содержимое 2"/>
+          <p:cNvSpPr>
+            <a:spLocks noGrp="1"/>
+          </p:cNvSpPr>
+          <p:nvPr>
+            <p:ph idx="1"/>
+          </p:nvPr>
+        </p:nvSpPr>
+        <p:spPr/>
+        <p:txBody>
+          <a:bodyPr/>
+          <a:lstStyle/>
+          <a:p>
+            <a:endParaRPr lang="ru-RU"/>
+          </a:p>
+        </p:txBody>
+      </p:sp>
+    </p:spTree>
+  </p:cSld>
+  <p:clrMapOvr>
+    <a:masterClrMapping/>
+  </p:clrMapOvr>
+  <p:transition>
+    <p:wheel spokes="3"/>
+  </p:transition>
+</p:sld>
+</file>
+
+<file path=ppt/slides/slide13.xml><?xml version="1.0" encoding="utf-8"?>
+<p:sld xmlns:a="http://schemas.openxmlformats.org/drawingml/2006/main" xmlns:r="http://schemas.openxmlformats.org/officeDocument/2006/relationships" xmlns:p="http://schemas.openxmlformats.org/presentationml/2006/main">
+  <p:cSld>
+    <p:spTree>
+      <p:nvGrpSpPr>
+        <p:cNvPr id="1" name=""/>
+        <p:cNvGrpSpPr/>
+        <p:nvPr/>
+      </p:nvGrpSpPr>
+      <p:grpSpPr>
+        <a:xfrm>
+          <a:off x="0" y="0"/>
+          <a:ext cx="0" cy="0"/>
+          <a:chOff x="0" y="0"/>
+          <a:chExt cx="0" cy="0"/>
+        </a:xfrm>
+      </p:grpSpPr>
+      <p:sp>
+        <p:nvSpPr>
+          <p:cNvPr id="2" name="Заголовок 1"/>
+          <p:cNvSpPr>
+            <a:spLocks noGrp="1"/>
+          </p:cNvSpPr>
+          <p:nvPr>
+            <p:ph type="title"/>
+          </p:nvPr>
+        </p:nvSpPr>
+        <p:spPr/>
+        <p:txBody>
+          <a:bodyPr/>
+          <a:lstStyle/>
+          <a:p>
+            <a:endParaRPr lang="ru-RU"/>
+          </a:p>
+        </p:txBody>
+      </p:sp>
+      <p:sp>
+        <p:nvSpPr>
+          <p:cNvPr id="3" name="Содержимое 2"/>
+          <p:cNvSpPr>
+            <a:spLocks noGrp="1"/>
+          </p:cNvSpPr>
+          <p:nvPr>
+            <p:ph idx="1"/>
+          </p:nvPr>
+        </p:nvSpPr>
+        <p:spPr/>
+        <p:txBody>
+          <a:bodyPr/>
+          <a:lstStyle/>
+          <a:p>
+            <a:endParaRPr lang="ru-RU"/>
+          </a:p>
+        </p:txBody>
+      </p:sp>
+    </p:spTree>
+  </p:cSld>
+  <p:clrMapOvr>
+    <a:masterClrMapping/>
+  </p:clrMapOvr>
+  <p:transition>
+    <p:wheel spokes="3"/>
+  </p:transition>
+</p:sld>
+</file>
+
+<file path=ppt/slides/slide14.xml><?xml version="1.0" encoding="utf-8"?>
+<p:sld xmlns:a="http://schemas.openxmlformats.org/drawingml/2006/main" xmlns:r="http://schemas.openxmlformats.org/officeDocument/2006/relationships" xmlns:p="http://schemas.openxmlformats.org/presentationml/2006/main">
+  <p:cSld>
+    <p:spTree>
+      <p:nvGrpSpPr>
+        <p:cNvPr id="1" name=""/>
+        <p:cNvGrpSpPr/>
+        <p:nvPr/>
+      </p:nvGrpSpPr>
+      <p:grpSpPr>
+        <a:xfrm>
+          <a:off x="0" y="0"/>
+          <a:ext cx="0" cy="0"/>
+          <a:chOff x="0" y="0"/>
+          <a:chExt cx="0" cy="0"/>
+        </a:xfrm>
+      </p:grpSpPr>
+      <p:sp>
+        <p:nvSpPr>
+          <p:cNvPr id="2" name="Заголовок 1"/>
+          <p:cNvSpPr>
+            <a:spLocks noGrp="1"/>
+          </p:cNvSpPr>
+          <p:nvPr>
+            <p:ph type="title"/>
+          </p:nvPr>
+        </p:nvSpPr>
+        <p:spPr/>
+        <p:txBody>
+          <a:bodyPr/>
+          <a:lstStyle/>
+          <a:p>
+            <a:endParaRPr lang="ru-RU"/>
+          </a:p>
+        </p:txBody>
+      </p:sp>
+      <p:sp>
+        <p:nvSpPr>
+          <p:cNvPr id="3" name="Содержимое 2"/>
+          <p:cNvSpPr>
+            <a:spLocks noGrp="1"/>
+          </p:cNvSpPr>
+          <p:nvPr>
+            <p:ph idx="1"/>
+          </p:nvPr>
+        </p:nvSpPr>
+        <p:spPr/>
+        <p:txBody>
+          <a:bodyPr/>
+          <a:lstStyle/>
+          <a:p>
+            <a:endParaRPr lang="ru-RU"/>
+          </a:p>
+        </p:txBody>
+      </p:sp>
+    </p:spTree>
+  </p:cSld>
+  <p:clrMapOvr>
+    <a:masterClrMapping/>
+  </p:clrMapOvr>
+  <p:transition>
+    <p:wheel spokes="3"/>
+  </p:transition>
+</p:sld>
+</file>
+
+<file path=ppt/slides/slide15.xml><?xml version="1.0" encoding="utf-8"?>
+<p:sld xmlns:a="http://schemas.openxmlformats.org/drawingml/2006/main" xmlns:r="http://schemas.openxmlformats.org/officeDocument/2006/relationships" xmlns:p="http://schemas.openxmlformats.org/presentationml/2006/main">
+  <p:cSld>
+    <p:spTree>
+      <p:nvGrpSpPr>
+        <p:cNvPr id="1" name=""/>
+        <p:cNvGrpSpPr/>
+        <p:nvPr/>
+      </p:nvGrpSpPr>
+      <p:grpSpPr>
+        <a:xfrm>
+          <a:off x="0" y="0"/>
+          <a:ext cx="0" cy="0"/>
+          <a:chOff x="0" y="0"/>
+          <a:chExt cx="0" cy="0"/>
+        </a:xfrm>
+      </p:grpSpPr>
+      <p:sp>
+        <p:nvSpPr>
+          <p:cNvPr id="2" name="Заголовок 1"/>
+          <p:cNvSpPr>
+            <a:spLocks noGrp="1"/>
+          </p:cNvSpPr>
+          <p:nvPr>
+            <p:ph type="title"/>
+          </p:nvPr>
+        </p:nvSpPr>
+        <p:spPr/>
+        <p:txBody>
+          <a:bodyPr/>
+          <a:lstStyle/>
+          <a:p>
+            <a:endParaRPr lang="ru-RU"/>
+          </a:p>
+        </p:txBody>
+      </p:sp>
+      <p:sp>
+        <p:nvSpPr>
+          <p:cNvPr id="3" name="Содержимое 2"/>
+          <p:cNvSpPr>
+            <a:spLocks noGrp="1"/>
+          </p:cNvSpPr>
+          <p:nvPr>
+            <p:ph idx="1"/>
+          </p:nvPr>
+        </p:nvSpPr>
+        <p:spPr/>
+        <p:txBody>
+          <a:bodyPr/>
+          <a:lstStyle/>
+          <a:p>
+            <a:endParaRPr lang="ru-RU"/>
+          </a:p>
+        </p:txBody>
+      </p:sp>
+    </p:spTree>
+  </p:cSld>
+  <p:clrMapOvr>
+    <a:masterClrMapping/>
+  </p:clrMapOvr>
+  <p:transition>
+    <p:wheel spokes="3"/>
+  </p:transition>
+</p:sld>
+</file>
+
+<file path=ppt/slides/slide16.xml><?xml version="1.0" encoding="utf-8"?>
+<p:sld xmlns:a="http://schemas.openxmlformats.org/drawingml/2006/main" xmlns:r="http://schemas.openxmlformats.org/officeDocument/2006/relationships" xmlns:p="http://schemas.openxmlformats.org/presentationml/2006/main">
+  <p:cSld>
+    <p:spTree>
+      <p:nvGrpSpPr>
+        <p:cNvPr id="1" name=""/>
+        <p:cNvGrpSpPr/>
+        <p:nvPr/>
+      </p:nvGrpSpPr>
+      <p:grpSpPr>
+        <a:xfrm>
+          <a:off x="0" y="0"/>
+          <a:ext cx="0" cy="0"/>
+          <a:chOff x="0" y="0"/>
+          <a:chExt cx="0" cy="0"/>
+        </a:xfrm>
+      </p:grpSpPr>
+      <p:sp>
+        <p:nvSpPr>
+          <p:cNvPr id="2" name="Заголовок 1"/>
+          <p:cNvSpPr>
+            <a:spLocks noGrp="1"/>
+          </p:cNvSpPr>
+          <p:nvPr>
+            <p:ph type="title"/>
+          </p:nvPr>
+        </p:nvSpPr>
+        <p:spPr/>
+        <p:txBody>
+          <a:bodyPr/>
+          <a:lstStyle/>
+          <a:p>
+            <a:endParaRPr lang="ru-RU"/>
+          </a:p>
+        </p:txBody>
+      </p:sp>
+      <p:sp>
+        <p:nvSpPr>
+          <p:cNvPr id="3" name="Содержимое 2"/>
+          <p:cNvSpPr>
+            <a:spLocks noGrp="1"/>
+          </p:cNvSpPr>
+          <p:nvPr>
+            <p:ph idx="1"/>
+          </p:nvPr>
+        </p:nvSpPr>
+        <p:spPr/>
+        <p:txBody>
+          <a:bodyPr/>
+          <a:lstStyle/>
+          <a:p>
+            <a:endParaRPr lang="ru-RU"/>
+          </a:p>
+        </p:txBody>
+      </p:sp>
+    </p:spTree>
+  </p:cSld>
+  <p:clrMapOvr>
+    <a:masterClrMapping/>
+  </p:clrMapOvr>
+  <p:transition>
+    <p:wheel spokes="3"/>
+  </p:transition>
+</p:sld>
+</file>
+
+<file path=ppt/slides/slide17.xml><?xml version="1.0" encoding="utf-8"?>
+<p:sld xmlns:a="http://schemas.openxmlformats.org/drawingml/2006/main" xmlns:r="http://schemas.openxmlformats.org/officeDocument/2006/relationships" xmlns:p="http://schemas.openxmlformats.org/presentationml/2006/main">
+  <p:cSld>
+    <p:spTree>
+      <p:nvGrpSpPr>
+        <p:cNvPr id="1" name=""/>
+        <p:cNvGrpSpPr/>
+        <p:nvPr/>
+      </p:nvGrpSpPr>
+      <p:grpSpPr>
+        <a:xfrm>
+          <a:off x="0" y="0"/>
+          <a:ext cx="0" cy="0"/>
+          <a:chOff x="0" y="0"/>
+          <a:chExt cx="0" cy="0"/>
+        </a:xfrm>
+      </p:grpSpPr>
+      <p:sp>
+        <p:nvSpPr>
+          <p:cNvPr id="2" name="Заголовок 1"/>
+          <p:cNvSpPr>
+            <a:spLocks noGrp="1"/>
+          </p:cNvSpPr>
+          <p:nvPr>
+            <p:ph type="title"/>
+          </p:nvPr>
+        </p:nvSpPr>
+        <p:spPr/>
+        <p:txBody>
+          <a:bodyPr/>
+          <a:lstStyle/>
+          <a:p>
+            <a:endParaRPr lang="ru-RU"/>
+          </a:p>
+        </p:txBody>
+      </p:sp>
+      <p:sp>
+        <p:nvSpPr>
+          <p:cNvPr id="3" name="Содержимое 2"/>
+          <p:cNvSpPr>
+            <a:spLocks noGrp="1"/>
+          </p:cNvSpPr>
+          <p:nvPr>
+            <p:ph idx="1"/>
+          </p:nvPr>
+        </p:nvSpPr>
+        <p:spPr/>
+        <p:txBody>
+          <a:bodyPr/>
+          <a:lstStyle/>
+          <a:p>
+            <a:endParaRPr lang="ru-RU"/>
+          </a:p>
+        </p:txBody>
+      </p:sp>
+    </p:spTree>
+  </p:cSld>
+  <p:clrMapOvr>
+    <a:masterClrMapping/>
+  </p:clrMapOvr>
+  <p:transition>
+    <p:wheel spokes="3"/>
+  </p:transition>
+</p:sld>
+</file>
+
+<file path=ppt/slides/slide2.xml><?xml version="1.0" encoding="utf-8"?>
+<p:sld xmlns:a="http://schemas.openxmlformats.org/drawingml/2006/main" xmlns:r="http://schemas.openxmlformats.org/officeDocument/2006/relationships" xmlns:p="http://schemas.openxmlformats.org/presentationml/2006/main">
+  <p:cSld>
+    <p:spTree>
+      <p:nvGrpSpPr>
+        <p:cNvPr id="1" name=""/>
+        <p:cNvGrpSpPr/>
+        <p:nvPr/>
+      </p:nvGrpSpPr>
+      <p:grpSpPr>
+        <a:xfrm>
+          <a:off x="0" y="0"/>
+          <a:ext cx="0" cy="0"/>
+          <a:chOff x="0" y="0"/>
+          <a:chExt cx="0" cy="0"/>
+        </a:xfrm>
+      </p:grpSpPr>
+      <p:sp>
+        <p:nvSpPr>
+          <p:cNvPr id="2" name="Заголовок 1"/>
+          <p:cNvSpPr>
+            <a:spLocks noGrp="1"/>
+          </p:cNvSpPr>
+          <p:nvPr>
+            <p:ph type="title"/>
+          </p:nvPr>
+        </p:nvSpPr>
+        <p:spPr/>
+        <p:txBody>
+          <a:bodyPr/>
+          <a:lstStyle/>
+          <a:p>
+            <a:r>
+              <a:rPr lang="ru-RU" dirty="0" smtClean="0">
+                <a:latin typeface="Times New Roman" pitchFamily="18" charset="0"/>
+                <a:cs typeface="Times New Roman" pitchFamily="18" charset="0"/>
+              </a:rPr>
+              <a:t>Содержание</a:t>
+            </a:r>
+            <a:endParaRPr lang="ru-RU" dirty="0">
+              <a:latin typeface="Times New Roman" pitchFamily="18" charset="0"/>
+              <a:cs typeface="Times New Roman" pitchFamily="18" charset="0"/>
+            </a:endParaRPr>
+          </a:p>
+        </p:txBody>
+      </p:sp>
+      <p:sp>
+        <p:nvSpPr>
+          <p:cNvPr id="3" name="Содержимое 2"/>
+          <p:cNvSpPr>
+            <a:spLocks noGrp="1"/>
+          </p:cNvSpPr>
+          <p:nvPr>
+            <p:ph idx="1"/>
+          </p:nvPr>
+        </p:nvSpPr>
+        <p:spPr/>
+        <p:txBody>
+          <a:bodyPr/>
+          <a:lstStyle/>
+          <a:p>
+            <a:pPr marL="0" indent="266700">
+              <a:buFont typeface="+mj-lt"/>
+              <a:buAutoNum type="arabicPeriod"/>
+            </a:pPr>
+            <a:r>
+              <a:rPr lang="ru-RU" dirty="0" smtClean="0">
+                <a:latin typeface="Times New Roman" pitchFamily="18" charset="0"/>
+                <a:cs typeface="Times New Roman" pitchFamily="18" charset="0"/>
+              </a:rPr>
+              <a:t>Используемые средства разработки</a:t>
+            </a:r>
+          </a:p>
+          <a:p>
+            <a:pPr marL="0" indent="266700">
+              <a:buFont typeface="+mj-lt"/>
+              <a:buAutoNum type="arabicPeriod"/>
+            </a:pPr>
+            <a:r>
+              <a:rPr lang="ru-RU" dirty="0" smtClean="0">
+                <a:latin typeface="Times New Roman" pitchFamily="18" charset="0"/>
+                <a:cs typeface="Times New Roman" pitchFamily="18" charset="0"/>
+              </a:rPr>
+              <a:t>Описание приложения</a:t>
+            </a:r>
+          </a:p>
+          <a:p>
+            <a:pPr marL="0" indent="266700">
+              <a:buFont typeface="+mj-lt"/>
+              <a:buAutoNum type="arabicPeriod"/>
+            </a:pPr>
+            <a:r>
+              <a:rPr lang="ru-RU" dirty="0" smtClean="0">
+                <a:latin typeface="Times New Roman" pitchFamily="18" charset="0"/>
+                <a:cs typeface="Times New Roman" pitchFamily="18" charset="0"/>
+              </a:rPr>
+              <a:t>Демонстрация базы данных</a:t>
+            </a:r>
+          </a:p>
+          <a:p>
+            <a:pPr marL="0" indent="266700">
+              <a:buFont typeface="+mj-lt"/>
+              <a:buAutoNum type="arabicPeriod"/>
+            </a:pPr>
+            <a:r>
+              <a:rPr lang="ru-RU" dirty="0" smtClean="0">
+                <a:latin typeface="Times New Roman" pitchFamily="18" charset="0"/>
+                <a:cs typeface="Times New Roman" pitchFamily="18" charset="0"/>
+              </a:rPr>
+              <a:t>Демонстрация работы приложения</a:t>
+            </a:r>
+            <a:endParaRPr lang="ru-RU" dirty="0">
+              <a:latin typeface="Times New Roman" pitchFamily="18" charset="0"/>
+              <a:cs typeface="Times New Roman" pitchFamily="18" charset="0"/>
+            </a:endParaRPr>
+          </a:p>
+        </p:txBody>
+      </p:sp>
+    </p:spTree>
+  </p:cSld>
+  <p:clrMapOvr>
+    <a:masterClrMapping/>
+  </p:clrMapOvr>
+  <p:transition>
+    <p:wheel spokes="3"/>
+  </p:transition>
+</p:sld>
+</file>
+
+<file path=ppt/slides/slide3.xml><?xml version="1.0" encoding="utf-8"?>
+<p:sld xmlns:a="http://schemas.openxmlformats.org/drawingml/2006/main" xmlns:r="http://schemas.openxmlformats.org/officeDocument/2006/relationships" xmlns:p="http://schemas.openxmlformats.org/presentationml/2006/main">
+  <p:cSld>
+    <p:spTree>
+      <p:nvGrpSpPr>
+        <p:cNvPr id="1" name=""/>
+        <p:cNvGrpSpPr/>
+        <p:nvPr/>
+      </p:nvGrpSpPr>
+      <p:grpSpPr>
+        <a:xfrm>
+          <a:off x="0" y="0"/>
+          <a:ext cx="0" cy="0"/>
+          <a:chOff x="0" y="0"/>
+          <a:chExt cx="0" cy="0"/>
+        </a:xfrm>
+      </p:grpSpPr>
+      <p:sp>
+        <p:nvSpPr>
+          <p:cNvPr id="2" name="Заголовок 1"/>
+          <p:cNvSpPr>
+            <a:spLocks noGrp="1"/>
+          </p:cNvSpPr>
+          <p:nvPr>
+            <p:ph type="title"/>
+          </p:nvPr>
+        </p:nvSpPr>
+        <p:spPr/>
+        <p:txBody>
+          <a:bodyPr>
+            <a:normAutofit fontScale="90000"/>
+          </a:bodyPr>
+          <a:lstStyle/>
+          <a:p>
+            <a:r>
+              <a:rPr lang="ru-RU" dirty="0" smtClean="0">
+                <a:latin typeface="Times New Roman" pitchFamily="18" charset="0"/>
+                <a:cs typeface="Times New Roman" pitchFamily="18" charset="0"/>
+              </a:rPr>
+              <a:t>Используемые средства разработки</a:t>
+            </a:r>
+            <a:endParaRPr lang="ru-RU" dirty="0">
+              <a:latin typeface="Times New Roman" pitchFamily="18" charset="0"/>
+              <a:cs typeface="Times New Roman" pitchFamily="18" charset="0"/>
+            </a:endParaRPr>
+          </a:p>
+        </p:txBody>
+      </p:sp>
+      <p:sp>
+        <p:nvSpPr>
+          <p:cNvPr id="3" name="Содержимое 2"/>
+          <p:cNvSpPr>
+            <a:spLocks noGrp="1"/>
+          </p:cNvSpPr>
+          <p:nvPr>
+            <p:ph idx="1"/>
+          </p:nvPr>
+        </p:nvSpPr>
+        <p:spPr/>
+        <p:txBody>
+          <a:bodyPr/>
+          <a:lstStyle/>
+          <a:p>
+            <a:pPr marL="0" indent="266700">
+              <a:buNone/>
+            </a:pPr>
+            <a:r>
+              <a:rPr lang="ru-RU" dirty="0" smtClean="0">
+                <a:latin typeface="Times New Roman" pitchFamily="18" charset="0"/>
+                <a:cs typeface="Times New Roman" pitchFamily="18" charset="0"/>
+              </a:rPr>
+              <a:t>Для создания репозитория и подключения к серверу мной использовалась программа </a:t>
+            </a:r>
+            <a:r>
+              <a:rPr lang="en-US" dirty="0" smtClean="0">
+                <a:latin typeface="Times New Roman" pitchFamily="18" charset="0"/>
+                <a:cs typeface="Times New Roman" pitchFamily="18" charset="0"/>
+              </a:rPr>
+              <a:t>Git.</a:t>
+            </a:r>
+          </a:p>
+          <a:p>
+            <a:pPr marL="0" indent="266700">
+              <a:buNone/>
+            </a:pPr>
+            <a:r>
+              <a:rPr lang="ru-RU" dirty="0" smtClean="0">
+                <a:latin typeface="Times New Roman" pitchFamily="18" charset="0"/>
+                <a:cs typeface="Times New Roman" pitchFamily="18" charset="0"/>
+              </a:rPr>
+              <a:t>Для создания базы данных мной использовалась программа </a:t>
+            </a:r>
+            <a:r>
+              <a:rPr lang="en-US" dirty="0" smtClean="0">
+                <a:latin typeface="Times New Roman" pitchFamily="18" charset="0"/>
+                <a:cs typeface="Times New Roman" pitchFamily="18" charset="0"/>
+              </a:rPr>
+              <a:t>Microsoft SQL Server 2014.</a:t>
+            </a:r>
+          </a:p>
+          <a:p>
+            <a:pPr marL="0" indent="266700">
+              <a:buNone/>
+            </a:pPr>
+            <a:r>
+              <a:rPr lang="ru-RU" dirty="0" smtClean="0">
+                <a:latin typeface="Times New Roman" pitchFamily="18" charset="0"/>
+                <a:cs typeface="Times New Roman" pitchFamily="18" charset="0"/>
+              </a:rPr>
+              <a:t>Для создания приложения мной использовались программа </a:t>
+            </a:r>
+            <a:r>
+              <a:rPr lang="en-US" dirty="0" smtClean="0">
+                <a:latin typeface="Times New Roman" pitchFamily="18" charset="0"/>
+                <a:cs typeface="Times New Roman" pitchFamily="18" charset="0"/>
+              </a:rPr>
+              <a:t>Microsoft Visual Studio 2019 </a:t>
+            </a:r>
+            <a:r>
+              <a:rPr lang="ru-RU" dirty="0" smtClean="0">
+                <a:latin typeface="Times New Roman" pitchFamily="18" charset="0"/>
+                <a:cs typeface="Times New Roman" pitchFamily="18" charset="0"/>
+              </a:rPr>
+              <a:t>и язык программирования </a:t>
+            </a:r>
+            <a:r>
+              <a:rPr lang="en-US" dirty="0" smtClean="0">
+                <a:latin typeface="Times New Roman" pitchFamily="18" charset="0"/>
+                <a:cs typeface="Times New Roman" pitchFamily="18" charset="0"/>
+              </a:rPr>
+              <a:t>C#.</a:t>
+            </a:r>
+            <a:endParaRPr lang="ru-RU" dirty="0">
+              <a:latin typeface="Times New Roman" pitchFamily="18" charset="0"/>
+              <a:cs typeface="Times New Roman" pitchFamily="18" charset="0"/>
+            </a:endParaRPr>
+          </a:p>
+        </p:txBody>
+      </p:sp>
+    </p:spTree>
+  </p:cSld>
+  <p:clrMapOvr>
+    <a:masterClrMapping/>
+  </p:clrMapOvr>
+  <p:transition>
+    <p:wheel spokes="3"/>
+  </p:transition>
+</p:sld>
+</file>
+
+<file path=ppt/slides/slide4.xml><?xml version="1.0" encoding="utf-8"?>
+<p:sld xmlns:a="http://schemas.openxmlformats.org/drawingml/2006/main" xmlns:r="http://schemas.openxmlformats.org/officeDocument/2006/relationships" xmlns:p="http://schemas.openxmlformats.org/presentationml/2006/main">
+  <p:cSld>
+    <p:spTree>
+      <p:nvGrpSpPr>
+        <p:cNvPr id="1" name=""/>
+        <p:cNvGrpSpPr/>
+        <p:nvPr/>
+      </p:nvGrpSpPr>
+      <p:grpSpPr>
+        <a:xfrm>
+          <a:off x="0" y="0"/>
+          <a:ext cx="0" cy="0"/>
+          <a:chOff x="0" y="0"/>
+          <a:chExt cx="0" cy="0"/>
+        </a:xfrm>
+      </p:grpSpPr>
+      <p:sp>
+        <p:nvSpPr>
+          <p:cNvPr id="2" name="Заголовок 1"/>
+          <p:cNvSpPr>
+            <a:spLocks noGrp="1"/>
+          </p:cNvSpPr>
+          <p:nvPr>
+            <p:ph type="title"/>
+          </p:nvPr>
+        </p:nvSpPr>
+        <p:spPr/>
+        <p:txBody>
+          <a:bodyPr/>
+          <a:lstStyle/>
+          <a:p>
+            <a:r>
+              <a:rPr lang="ru-RU" dirty="0" smtClean="0">
+                <a:latin typeface="Times New Roman" pitchFamily="18" charset="0"/>
+                <a:cs typeface="Times New Roman" pitchFamily="18" charset="0"/>
+              </a:rPr>
+              <a:t>Описание приложения</a:t>
+            </a:r>
+            <a:endParaRPr lang="ru-RU" dirty="0">
+              <a:latin typeface="Times New Roman" pitchFamily="18" charset="0"/>
+              <a:cs typeface="Times New Roman" pitchFamily="18" charset="0"/>
+            </a:endParaRPr>
+          </a:p>
+        </p:txBody>
+      </p:sp>
+      <p:sp>
+        <p:nvSpPr>
+          <p:cNvPr id="3" name="Содержимое 2"/>
+          <p:cNvSpPr>
+            <a:spLocks noGrp="1"/>
+          </p:cNvSpPr>
+          <p:nvPr>
+            <p:ph idx="1"/>
+          </p:nvPr>
+        </p:nvSpPr>
+        <p:spPr/>
+        <p:txBody>
+          <a:bodyPr/>
+          <a:lstStyle/>
+          <a:p>
+            <a:pPr marL="0" indent="266700">
+              <a:buNone/>
+            </a:pPr>
+            <a:r>
+              <a:rPr lang="ru-RU" dirty="0" smtClean="0">
+                <a:latin typeface="Times New Roman" pitchFamily="18" charset="0"/>
+                <a:cs typeface="Times New Roman" pitchFamily="18" charset="0"/>
+              </a:rPr>
+              <a:t>Приложение разработано для автоматизации работы технической поддержки предприятия. В приложении 3 типа ролей пользователей: сотрудник, специалист </a:t>
+            </a:r>
+            <a:r>
+              <a:rPr lang="ru-RU" dirty="0" smtClean="0">
+                <a:latin typeface="Times New Roman" pitchFamily="18" charset="0"/>
+                <a:cs typeface="Times New Roman" pitchFamily="18" charset="0"/>
+              </a:rPr>
+              <a:t>технической </a:t>
+            </a:r>
+            <a:r>
+              <a:rPr lang="ru-RU" dirty="0" smtClean="0">
+                <a:latin typeface="Times New Roman" pitchFamily="18" charset="0"/>
+                <a:cs typeface="Times New Roman" pitchFamily="18" charset="0"/>
+              </a:rPr>
+              <a:t>поддержки и техник. Приложение разработано таким образом, что сотрудник организации может оставить заявку через форму на ремонт компьютера, установку ПО, замену оборудования и прочее, а специалист </a:t>
+            </a:r>
+            <a:r>
+              <a:rPr lang="ru-RU" dirty="0" smtClean="0">
+                <a:latin typeface="Times New Roman" pitchFamily="18" charset="0"/>
+                <a:cs typeface="Times New Roman" pitchFamily="18" charset="0"/>
+              </a:rPr>
+              <a:t>технической </a:t>
+            </a:r>
+            <a:r>
+              <a:rPr lang="ru-RU" dirty="0" smtClean="0">
+                <a:latin typeface="Times New Roman" pitchFamily="18" charset="0"/>
+                <a:cs typeface="Times New Roman" pitchFamily="18" charset="0"/>
+              </a:rPr>
+              <a:t>поддержки может обработать полученную заявку.</a:t>
+            </a:r>
+            <a:endParaRPr lang="ru-RU" dirty="0">
+              <a:latin typeface="Times New Roman" pitchFamily="18" charset="0"/>
+              <a:cs typeface="Times New Roman" pitchFamily="18" charset="0"/>
+            </a:endParaRPr>
+          </a:p>
+        </p:txBody>
+      </p:sp>
+    </p:spTree>
+  </p:cSld>
+  <p:clrMapOvr>
+    <a:masterClrMapping/>
+  </p:clrMapOvr>
+  <p:transition>
+    <p:wheel spokes="3"/>
+  </p:transition>
+</p:sld>
+</file>
+
+<file path=ppt/slides/slide5.xml><?xml version="1.0" encoding="utf-8"?>
+<p:sld xmlns:a="http://schemas.openxmlformats.org/drawingml/2006/main" xmlns:r="http://schemas.openxmlformats.org/officeDocument/2006/relationships" xmlns:p="http://schemas.openxmlformats.org/presentationml/2006/main">
+  <p:cSld>
+    <p:spTree>
+      <p:nvGrpSpPr>
+        <p:cNvPr id="1" name=""/>
+        <p:cNvGrpSpPr/>
+        <p:nvPr/>
+      </p:nvGrpSpPr>
+      <p:grpSpPr>
+        <a:xfrm>
+          <a:off x="0" y="0"/>
+          <a:ext cx="0" cy="0"/>
+          <a:chOff x="0" y="0"/>
+          <a:chExt cx="0" cy="0"/>
+        </a:xfrm>
+      </p:grpSpPr>
+      <p:sp>
+        <p:nvSpPr>
+          <p:cNvPr id="2" name="Заголовок 1"/>
+          <p:cNvSpPr>
+            <a:spLocks noGrp="1"/>
+          </p:cNvSpPr>
+          <p:nvPr>
+            <p:ph type="title"/>
+          </p:nvPr>
+        </p:nvSpPr>
+        <p:spPr/>
+        <p:txBody>
+          <a:bodyPr>
+            <a:normAutofit fontScale="90000"/>
+          </a:bodyPr>
+          <a:lstStyle/>
+          <a:p>
+            <a:r>
+              <a:rPr lang="ru-RU" dirty="0" smtClean="0">
+                <a:latin typeface="Times New Roman" pitchFamily="18" charset="0"/>
+                <a:cs typeface="Times New Roman" pitchFamily="18" charset="0"/>
+              </a:rPr>
+              <a:t>Демонстрация базы данных</a:t>
+            </a:r>
+            <a:endParaRPr lang="ru-RU" dirty="0">
+              <a:latin typeface="Times New Roman" pitchFamily="18" charset="0"/>
+              <a:cs typeface="Times New Roman" pitchFamily="18" charset="0"/>
+            </a:endParaRPr>
+          </a:p>
+        </p:txBody>
+      </p:sp>
+      <p:sp>
+        <p:nvSpPr>
+          <p:cNvPr id="3" name="Содержимое 2"/>
+          <p:cNvSpPr>
+            <a:spLocks noGrp="1"/>
+          </p:cNvSpPr>
+          <p:nvPr>
+            <p:ph idx="1"/>
+          </p:nvPr>
+        </p:nvSpPr>
+        <p:spPr/>
+        <p:txBody>
+          <a:bodyPr/>
+          <a:lstStyle/>
+          <a:p>
+            <a:pPr marL="0" indent="266700">
+              <a:buNone/>
+            </a:pPr>
+            <a:r>
+              <a:rPr lang="ru-RU" dirty="0" smtClean="0">
+                <a:latin typeface="Times New Roman" pitchFamily="18" charset="0"/>
+                <a:cs typeface="Times New Roman" pitchFamily="18" charset="0"/>
+              </a:rPr>
+              <a:t>Схема базы данных:</a:t>
+            </a:r>
+            <a:endParaRPr lang="ru-RU" dirty="0">
+              <a:latin typeface="Times New Roman" pitchFamily="18" charset="0"/>
+              <a:cs typeface="Times New Roman" pitchFamily="18" charset="0"/>
+            </a:endParaRPr>
+          </a:p>
+        </p:txBody>
+      </p:sp>
+      <p:pic>
+        <p:nvPicPr>
+          <p:cNvPr id="1026" name="Picture 2"/>
+          <p:cNvPicPr>
+            <a:picLocks noChangeAspect="1" noChangeArrowheads="1"/>
+          </p:cNvPicPr>
+          <p:nvPr/>
+        </p:nvPicPr>
+        <p:blipFill>
+          <a:blip r:embed="rId2"/>
+          <a:srcRect/>
+          <a:stretch>
+            <a:fillRect/>
+          </a:stretch>
+        </p:blipFill>
+        <p:spPr bwMode="auto">
+          <a:xfrm>
+            <a:off x="857224" y="2214554"/>
+            <a:ext cx="5033971" cy="3464778"/>
+          </a:xfrm>
+          <a:prstGeom prst="rect">
+            <a:avLst/>
+          </a:prstGeom>
+          <a:noFill/>
+          <a:ln w="9525">
+            <a:noFill/>
+            <a:miter lim="800000"/>
+            <a:headEnd/>
+            <a:tailEnd/>
+          </a:ln>
+          <a:effectLst/>
+        </p:spPr>
+      </p:pic>
+    </p:spTree>
+  </p:cSld>
+  <p:clrMapOvr>
+    <a:masterClrMapping/>
+  </p:clrMapOvr>
+  <p:transition>
+    <p:wheel spokes="3"/>
+  </p:transition>
+</p:sld>
+</file>
+
+<file path=ppt/slides/slide6.xml><?xml version="1.0" encoding="utf-8"?>
+<p:sld xmlns:a="http://schemas.openxmlformats.org/drawingml/2006/main" xmlns:r="http://schemas.openxmlformats.org/officeDocument/2006/relationships" xmlns:p="http://schemas.openxmlformats.org/presentationml/2006/main">
+  <p:cSld>
+    <p:spTree>
+      <p:nvGrpSpPr>
+        <p:cNvPr id="1" name=""/>
+        <p:cNvGrpSpPr/>
+        <p:nvPr/>
+      </p:nvGrpSpPr>
+      <p:grpSpPr>
+        <a:xfrm>
+          <a:off x="0" y="0"/>
+          <a:ext cx="0" cy="0"/>
+          <a:chOff x="0" y="0"/>
+          <a:chExt cx="0" cy="0"/>
+        </a:xfrm>
+      </p:grpSpPr>
+      <p:sp>
+        <p:nvSpPr>
+          <p:cNvPr id="2" name="Заголовок 1"/>
+          <p:cNvSpPr>
+            <a:spLocks noGrp="1"/>
+          </p:cNvSpPr>
+          <p:nvPr>
+            <p:ph type="title"/>
+          </p:nvPr>
+        </p:nvSpPr>
+        <p:spPr/>
+        <p:txBody>
+          <a:bodyPr>
+            <a:normAutofit fontScale="90000"/>
+          </a:bodyPr>
+          <a:lstStyle/>
+          <a:p>
+            <a:r>
+              <a:rPr lang="ru-RU" dirty="0" smtClean="0">
+                <a:latin typeface="Times New Roman" pitchFamily="18" charset="0"/>
+                <a:cs typeface="Times New Roman" pitchFamily="18" charset="0"/>
+              </a:rPr>
+              <a:t>Демонстрация работы приложения</a:t>
+            </a:r>
+            <a:endParaRPr lang="ru-RU" dirty="0">
+              <a:latin typeface="Times New Roman" pitchFamily="18" charset="0"/>
+              <a:cs typeface="Times New Roman" pitchFamily="18" charset="0"/>
+            </a:endParaRPr>
+          </a:p>
+        </p:txBody>
+      </p:sp>
+      <p:sp>
+        <p:nvSpPr>
+          <p:cNvPr id="3" name="Содержимое 2"/>
+          <p:cNvSpPr>
+            <a:spLocks noGrp="1"/>
+          </p:cNvSpPr>
+          <p:nvPr>
+            <p:ph idx="1"/>
+          </p:nvPr>
+        </p:nvSpPr>
+        <p:spPr/>
+        <p:txBody>
+          <a:bodyPr/>
+          <a:lstStyle/>
+          <a:p>
+            <a:pPr marL="0" indent="266700">
+              <a:buNone/>
+            </a:pPr>
+            <a:r>
+              <a:rPr lang="ru-RU" dirty="0" smtClean="0">
+                <a:latin typeface="Times New Roman" pitchFamily="18" charset="0"/>
+                <a:cs typeface="Times New Roman" pitchFamily="18" charset="0"/>
+              </a:rPr>
+              <a:t>Схема базы данных с запросами:</a:t>
+            </a:r>
+            <a:endParaRPr lang="ru-RU" dirty="0">
+              <a:latin typeface="Times New Roman" pitchFamily="18" charset="0"/>
+              <a:cs typeface="Times New Roman" pitchFamily="18" charset="0"/>
+            </a:endParaRPr>
+          </a:p>
+        </p:txBody>
+      </p:sp>
+      <p:pic>
+        <p:nvPicPr>
+          <p:cNvPr id="2050" name="Picture 2"/>
+          <p:cNvPicPr>
+            <a:picLocks noChangeAspect="1" noChangeArrowheads="1"/>
+          </p:cNvPicPr>
+          <p:nvPr/>
+        </p:nvPicPr>
+        <p:blipFill>
+          <a:blip r:embed="rId2"/>
+          <a:srcRect/>
+          <a:stretch>
+            <a:fillRect/>
+          </a:stretch>
+        </p:blipFill>
+        <p:spPr bwMode="auto">
+          <a:xfrm>
+            <a:off x="642910" y="2285991"/>
+            <a:ext cx="6000792" cy="3275131"/>
+          </a:xfrm>
+          <a:prstGeom prst="rect">
+            <a:avLst/>
+          </a:prstGeom>
+          <a:noFill/>
+          <a:ln w="9525">
+            <a:noFill/>
+            <a:miter lim="800000"/>
+            <a:headEnd/>
+            <a:tailEnd/>
+          </a:ln>
+          <a:effectLst/>
+        </p:spPr>
+      </p:pic>
+    </p:spTree>
+  </p:cSld>
+  <p:clrMapOvr>
+    <a:masterClrMapping/>
+  </p:clrMapOvr>
+  <p:transition>
+    <p:wheel spokes="3"/>
+  </p:transition>
+</p:sld>
+</file>
+
+<file path=ppt/slides/slide7.xml><?xml version="1.0" encoding="utf-8"?>
+<p:sld xmlns:a="http://schemas.openxmlformats.org/drawingml/2006/main" xmlns:r="http://schemas.openxmlformats.org/officeDocument/2006/relationships" xmlns:p="http://schemas.openxmlformats.org/presentationml/2006/main">
+  <p:cSld>
+    <p:spTree>
+      <p:nvGrpSpPr>
+        <p:cNvPr id="1" name=""/>
+        <p:cNvGrpSpPr/>
+        <p:nvPr/>
+      </p:nvGrpSpPr>
+      <p:grpSpPr>
+        <a:xfrm>
+          <a:off x="0" y="0"/>
+          <a:ext cx="0" cy="0"/>
+          <a:chOff x="0" y="0"/>
+          <a:chExt cx="0" cy="0"/>
+        </a:xfrm>
+      </p:grpSpPr>
+      <p:sp>
+        <p:nvSpPr>
+          <p:cNvPr id="2" name="Заголовок 1"/>
+          <p:cNvSpPr>
+            <a:spLocks noGrp="1"/>
+          </p:cNvSpPr>
+          <p:nvPr>
+            <p:ph type="title"/>
+          </p:nvPr>
+        </p:nvSpPr>
+        <p:spPr/>
+        <p:txBody>
+          <a:bodyPr>
+            <a:normAutofit fontScale="90000"/>
+          </a:bodyPr>
+          <a:lstStyle/>
+          <a:p>
+            <a:r>
+              <a:rPr lang="ru-RU" dirty="0" smtClean="0">
+                <a:latin typeface="Times New Roman" pitchFamily="18" charset="0"/>
+                <a:cs typeface="Times New Roman" pitchFamily="18" charset="0"/>
+              </a:rPr>
+              <a:t>Демонстрация работы приложения</a:t>
+            </a:r>
+            <a:endParaRPr lang="ru-RU" dirty="0">
+              <a:latin typeface="Times New Roman" pitchFamily="18" charset="0"/>
+              <a:cs typeface="Times New Roman" pitchFamily="18" charset="0"/>
+            </a:endParaRPr>
+          </a:p>
+        </p:txBody>
+      </p:sp>
+      <p:sp>
+        <p:nvSpPr>
+          <p:cNvPr id="3" name="Содержимое 2"/>
+          <p:cNvSpPr>
+            <a:spLocks noGrp="1"/>
+          </p:cNvSpPr>
+          <p:nvPr>
+            <p:ph idx="1"/>
+          </p:nvPr>
+        </p:nvSpPr>
+        <p:spPr/>
+        <p:txBody>
+          <a:bodyPr/>
+          <a:lstStyle/>
+          <a:p>
+            <a:pPr marL="0" indent="266700">
+              <a:buNone/>
+            </a:pPr>
+            <a:r>
+              <a:rPr lang="ru-RU" dirty="0" smtClean="0">
+                <a:latin typeface="Times New Roman" pitchFamily="18" charset="0"/>
+                <a:cs typeface="Times New Roman" pitchFamily="18" charset="0"/>
+              </a:rPr>
+              <a:t>Код класса </a:t>
+            </a:r>
+            <a:r>
+              <a:rPr lang="en-US" dirty="0" smtClean="0">
+                <a:latin typeface="Times New Roman" pitchFamily="18" charset="0"/>
+                <a:cs typeface="Times New Roman" pitchFamily="18" charset="0"/>
+              </a:rPr>
+              <a:t>Data:</a:t>
+            </a:r>
+            <a:endParaRPr lang="ru-RU" dirty="0">
+              <a:latin typeface="Times New Roman" pitchFamily="18" charset="0"/>
+              <a:cs typeface="Times New Roman" pitchFamily="18" charset="0"/>
+            </a:endParaRPr>
+          </a:p>
+        </p:txBody>
+      </p:sp>
+      <p:pic>
+        <p:nvPicPr>
+          <p:cNvPr id="3074" name="Picture 2"/>
+          <p:cNvPicPr>
+            <a:picLocks noChangeAspect="1" noChangeArrowheads="1"/>
+          </p:cNvPicPr>
+          <p:nvPr/>
+        </p:nvPicPr>
+        <p:blipFill>
+          <a:blip r:embed="rId2"/>
+          <a:srcRect/>
+          <a:stretch>
+            <a:fillRect/>
+          </a:stretch>
+        </p:blipFill>
+        <p:spPr bwMode="auto">
+          <a:xfrm>
+            <a:off x="714348" y="2428868"/>
+            <a:ext cx="4095750" cy="1704975"/>
+          </a:xfrm>
+          <a:prstGeom prst="rect">
+            <a:avLst/>
+          </a:prstGeom>
+          <a:noFill/>
+          <a:ln w="9525">
+            <a:noFill/>
+            <a:miter lim="800000"/>
+            <a:headEnd/>
+            <a:tailEnd/>
+          </a:ln>
+          <a:effectLst/>
+        </p:spPr>
+      </p:pic>
+    </p:spTree>
+  </p:cSld>
+  <p:clrMapOvr>
+    <a:masterClrMapping/>
+  </p:clrMapOvr>
+  <p:transition>
+    <p:wheel spokes="3"/>
+  </p:transition>
+</p:sld>
+</file>
+
+<file path=ppt/slides/slide8.xml><?xml version="1.0" encoding="utf-8"?>
+<p:sld xmlns:a="http://schemas.openxmlformats.org/drawingml/2006/main" xmlns:r="http://schemas.openxmlformats.org/officeDocument/2006/relationships" xmlns:p="http://schemas.openxmlformats.org/presentationml/2006/main">
+  <p:cSld>
+    <p:spTree>
+      <p:nvGrpSpPr>
+        <p:cNvPr id="1" name=""/>
+        <p:cNvGrpSpPr/>
+        <p:nvPr/>
+      </p:nvGrpSpPr>
+      <p:grpSpPr>
+        <a:xfrm>
+          <a:off x="0" y="0"/>
+          <a:ext cx="0" cy="0"/>
+          <a:chOff x="0" y="0"/>
+          <a:chExt cx="0" cy="0"/>
+        </a:xfrm>
+      </p:grpSpPr>
+      <p:sp>
+        <p:nvSpPr>
+          <p:cNvPr id="2" name="Заголовок 1"/>
+          <p:cNvSpPr>
+            <a:spLocks noGrp="1"/>
+          </p:cNvSpPr>
+          <p:nvPr>
+            <p:ph type="title"/>
+          </p:nvPr>
+        </p:nvSpPr>
+        <p:spPr/>
+        <p:txBody>
+          <a:bodyPr>
+            <a:normAutofit fontScale="90000"/>
+          </a:bodyPr>
+          <a:lstStyle/>
+          <a:p>
+            <a:r>
+              <a:rPr lang="ru-RU" dirty="0" smtClean="0">
+                <a:latin typeface="Times New Roman" pitchFamily="18" charset="0"/>
+                <a:cs typeface="Times New Roman" pitchFamily="18" charset="0"/>
+              </a:rPr>
+              <a:t>Демонстрация работы приложения</a:t>
+            </a:r>
+            <a:endParaRPr lang="ru-RU" dirty="0">
+              <a:latin typeface="Times New Roman" pitchFamily="18" charset="0"/>
+              <a:cs typeface="Times New Roman" pitchFamily="18" charset="0"/>
+            </a:endParaRPr>
+          </a:p>
+        </p:txBody>
+      </p:sp>
+      <p:sp>
+        <p:nvSpPr>
+          <p:cNvPr id="3" name="Содержимое 2"/>
+          <p:cNvSpPr>
+            <a:spLocks noGrp="1"/>
+          </p:cNvSpPr>
+          <p:nvPr>
+            <p:ph idx="1"/>
+          </p:nvPr>
+        </p:nvSpPr>
+        <p:spPr/>
+        <p:txBody>
+          <a:bodyPr/>
+          <a:lstStyle/>
+          <a:p>
+            <a:pPr marL="0" indent="266700">
+              <a:buNone/>
+            </a:pPr>
+            <a:r>
+              <a:rPr lang="ru-RU" dirty="0" smtClean="0">
+                <a:latin typeface="Times New Roman" pitchFamily="18" charset="0"/>
+                <a:cs typeface="Times New Roman" pitchFamily="18" charset="0"/>
+              </a:rPr>
+              <a:t>Форма авторизации и код формы:</a:t>
+            </a:r>
+            <a:endParaRPr lang="ru-RU" dirty="0">
+              <a:latin typeface="Times New Roman" pitchFamily="18" charset="0"/>
+              <a:cs typeface="Times New Roman" pitchFamily="18" charset="0"/>
+            </a:endParaRPr>
+          </a:p>
+        </p:txBody>
+      </p:sp>
+    </p:spTree>
+  </p:cSld>
+  <p:clrMapOvr>
+    <a:masterClrMapping/>
+  </p:clrMapOvr>
+  <p:transition>
+    <p:wheel spokes="3"/>
+  </p:transition>
+</p:sld>
+</file>
+
+<file path=ppt/slides/slide9.xml><?xml version="1.0" encoding="utf-8"?>
+<p:sld xmlns:a="http://schemas.openxmlformats.org/drawingml/2006/main" xmlns:r="http://schemas.openxmlformats.org/officeDocument/2006/relationships" xmlns:p="http://schemas.openxmlformats.org/presentationml/2006/main">
+  <p:cSld>
+    <p:spTree>
+      <p:nvGrpSpPr>
+        <p:cNvPr id="1" name=""/>
+        <p:cNvGrpSpPr/>
+        <p:nvPr/>
+      </p:nvGrpSpPr>
+      <p:grpSpPr>
+        <a:xfrm>
+          <a:off x="0" y="0"/>
+          <a:ext cx="0" cy="0"/>
+          <a:chOff x="0" y="0"/>
+          <a:chExt cx="0" cy="0"/>
+        </a:xfrm>
+      </p:grpSpPr>
+      <p:sp>
+        <p:nvSpPr>
+          <p:cNvPr id="2" name="Заголовок 1"/>
+          <p:cNvSpPr>
+            <a:spLocks noGrp="1"/>
+          </p:cNvSpPr>
+          <p:nvPr>
+            <p:ph type="title"/>
+          </p:nvPr>
+        </p:nvSpPr>
+        <p:spPr/>
+        <p:txBody>
+          <a:bodyPr/>
+          <a:lstStyle/>
+          <a:p>
+            <a:endParaRPr lang="ru-RU"/>
+          </a:p>
+        </p:txBody>
+      </p:sp>
+      <p:sp>
+        <p:nvSpPr>
+          <p:cNvPr id="3" name="Содержимое 2"/>
+          <p:cNvSpPr>
+            <a:spLocks noGrp="1"/>
+          </p:cNvSpPr>
+          <p:nvPr>
+            <p:ph idx="1"/>
+          </p:nvPr>
+        </p:nvSpPr>
+        <p:spPr/>
+        <p:txBody>
+          <a:bodyPr/>
+          <a:lstStyle/>
+          <a:p>
+            <a:endParaRPr lang="ru-RU"/>
+          </a:p>
+        </p:txBody>
+      </p:sp>
+    </p:spTree>
+  </p:cSld>
+  <p:clrMapOvr>
+    <a:masterClrMapping/>
+  </p:clrMapOvr>
+  <p:transition>
+    <p:wheel spokes="3"/>
+  </p:transition>
+</p:sld>
+</file>
+
 <file path=ppt/theme/theme1.xml><?xml version="1.0" encoding="utf-8"?>
-<a:theme xmlns:a="http://schemas.openxmlformats.org/drawingml/2006/main" name="Тема Office">
+<a:theme xmlns:a="http://schemas.openxmlformats.org/drawingml/2006/main" name="Изящная">
   <a:themeElements>
-    <a:clrScheme name="Стандартная">
+    <a:clrScheme name="Изящная">
       <a:dk1>
         <a:sysClr val="windowText" lastClr="000000"/>
       </a:dk1>
@@ -3026,52 +5200,52 @@
         <a:sysClr val="window" lastClr="FFFFFF"/>
       </a:lt1>
       <a:dk2>
-        <a:srgbClr val="1F497D"/>
+        <a:srgbClr val="B13F9A"/>
       </a:dk2>
       <a:lt2>
-        <a:srgbClr val="EEECE1"/>
+        <a:srgbClr val="F4E7ED"/>
       </a:lt2>
       <a:accent1>
-        <a:srgbClr val="4F81BD"/>
+        <a:srgbClr val="B83D68"/>
       </a:accent1>
       <a:accent2>
-        <a:srgbClr val="C0504D"/>
+        <a:srgbClr val="AC66BB"/>
       </a:accent2>
       <a:accent3>
-        <a:srgbClr val="9BBB59"/>
+        <a:srgbClr val="DE6C36"/>
       </a:accent3>
       <a:accent4>
-        <a:srgbClr val="8064A2"/>
+        <a:srgbClr val="F9B639"/>
       </a:accent4>
       <a:accent5>
-        <a:srgbClr val="4BACC6"/>
+        <a:srgbClr val="CF6DA4"/>
       </a:accent5>
       <a:accent6>
-        <a:srgbClr val="F79646"/>
+        <a:srgbClr val="FA8D3D"/>
       </a:accent6>
       <a:hlink>
-        <a:srgbClr val="0000FF"/>
+        <a:srgbClr val="FFDE66"/>
       </a:hlink>
       <a:folHlink>
-        <a:srgbClr val="800080"/>
+        <a:srgbClr val="D490C5"/>
       </a:folHlink>
     </a:clrScheme>
-    <a:fontScheme name="Стандартная">
+    <a:fontScheme name="Изящная">
       <a:majorFont>
-        <a:latin typeface="Calibri"/>
+        <a:latin typeface="Trebuchet MS"/>
         <a:ea typeface=""/>
         <a:cs typeface=""/>
-        <a:font script="Jpan" typeface="ＭＳ Ｐゴシック"/>
-        <a:font script="Hang" typeface="맑은 고딕"/>
-        <a:font script="Hans" typeface="宋体"/>
-        <a:font script="Hant" typeface="新細明體"/>
-        <a:font script="Arab" typeface="Times New Roman"/>
-        <a:font script="Hebr" typeface="Times New Roman"/>
-        <a:font script="Thai" typeface="Angsana New"/>
+        <a:font script="Jpan" typeface="HG丸ｺﾞｼｯｸM-PRO"/>
+        <a:font script="Hang" typeface="HY그래픽M"/>
+        <a:font script="Hans" typeface="黑体"/>
+        <a:font script="Hant" typeface="微軟正黑體"/>
+        <a:font script="Arab" typeface="Tahoma"/>
+        <a:font script="Hebr" typeface="Gisha"/>
+        <a:font script="Thai" typeface="IrisUPC"/>
         <a:font script="Ethi" typeface="Nyala"/>
         <a:font script="Beng" typeface="Vrinda"/>
         <a:font script="Gujr" typeface="Shruti"/>
-        <a:font script="Khmr" typeface="MoolBoran"/>
+        <a:font script="Khmr" typeface="DaunPenh"/>
         <a:font script="Knda" typeface="Tunga"/>
         <a:font script="Guru" typeface="Raavi"/>
         <a:font script="Cans" typeface="Euphemia"/>
@@ -3088,20 +5262,20 @@
         <a:font script="Laoo" typeface="DokChampa"/>
         <a:font script="Sinh" typeface="Iskoola Pota"/>
         <a:font script="Mong" typeface="Mongolian Baiti"/>
-        <a:font script="Viet" typeface="Times New Roman"/>
+        <a:font script="Viet" typeface="Tahoma"/>
         <a:font script="Uigh" typeface="Microsoft Uighur"/>
       </a:majorFont>
       <a:minorFont>
-        <a:latin typeface="Calibri"/>
+        <a:latin typeface="Trebuchet MS"/>
         <a:ea typeface=""/>
         <a:cs typeface=""/>
-        <a:font script="Jpan" typeface="ＭＳ Ｐゴシック"/>
-        <a:font script="Hang" typeface="맑은 고딕"/>
-        <a:font script="Hans" typeface="宋体"/>
-        <a:font script="Hant" typeface="新細明體"/>
-        <a:font script="Arab" typeface="Arial"/>
-        <a:font script="Hebr" typeface="Arial"/>
-        <a:font script="Thai" typeface="Cordia New"/>
+        <a:font script="Jpan" typeface="HG丸ｺﾞｼｯｸM-PRO"/>
+        <a:font script="Hang" typeface="HY그래픽M"/>
+        <a:font script="Hans" typeface="华文新魏"/>
+        <a:font script="Hant" typeface="微軟正黑體"/>
+        <a:font script="Arab" typeface="Tahoma"/>
+        <a:font script="Hebr" typeface="Gisha"/>
+        <a:font script="Thai" typeface="IrisUPC"/>
         <a:font script="Ethi" typeface="Nyala"/>
         <a:font script="Beng" typeface="Vrinda"/>
         <a:font script="Gujr" typeface="Shruti"/>
@@ -3126,7 +5300,7 @@
         <a:font script="Uigh" typeface="Microsoft Uighur"/>
       </a:minorFont>
     </a:fontScheme>
-    <a:fmtScheme name="Стандартная">
+    <a:fmtScheme name="Изящная">
       <a:fillStyleLst>
         <a:solidFill>
           <a:schemeClr val="phClr"/>
@@ -3135,66 +5309,89 @@
           <a:gsLst>
             <a:gs pos="0">
               <a:schemeClr val="phClr">
-                <a:tint val="50000"/>
-                <a:satMod val="300000"/>
+                <a:tint val="15000"/>
+                <a:satMod val="250000"/>
               </a:schemeClr>
             </a:gs>
-            <a:gs pos="35000">
+            <a:gs pos="49000">
               <a:schemeClr val="phClr">
-                <a:tint val="37000"/>
-                <a:satMod val="300000"/>
+                <a:tint val="50000"/>
+                <a:satMod val="200000"/>
+              </a:schemeClr>
+            </a:gs>
+            <a:gs pos="49100">
+              <a:schemeClr val="phClr">
+                <a:tint val="64000"/>
+                <a:satMod val="160000"/>
+              </a:schemeClr>
+            </a:gs>
+            <a:gs pos="92000">
+              <a:schemeClr val="phClr">
+                <a:tint val="50000"/>
+                <a:satMod val="200000"/>
               </a:schemeClr>
             </a:gs>
             <a:gs pos="100000">
               <a:schemeClr val="phClr">
-                <a:tint val="15000"/>
-                <a:satMod val="350000"/>
+                <a:tint val="43000"/>
+                <a:satMod val="190000"/>
               </a:schemeClr>
             </a:gs>
           </a:gsLst>
-          <a:lin ang="16200000" scaled="1"/>
+          <a:lin ang="5400000" scaled="1"/>
         </a:gradFill>
         <a:gradFill rotWithShape="1">
           <a:gsLst>
             <a:gs pos="0">
               <a:schemeClr val="phClr">
-                <a:shade val="51000"/>
-                <a:satMod val="130000"/>
+                <a:tint val="74000"/>
               </a:schemeClr>
             </a:gs>
-            <a:gs pos="80000">
+            <a:gs pos="49000">
               <a:schemeClr val="phClr">
-                <a:shade val="93000"/>
-                <a:satMod val="130000"/>
+                <a:tint val="96000"/>
+                <a:shade val="84000"/>
+                <a:satMod val="110000"/>
+              </a:schemeClr>
+            </a:gs>
+            <a:gs pos="49100">
+              <a:schemeClr val="phClr">
+                <a:shade val="55000"/>
+                <a:satMod val="150000"/>
+              </a:schemeClr>
+            </a:gs>
+            <a:gs pos="92000">
+              <a:schemeClr val="phClr">
+                <a:tint val="98000"/>
+                <a:shade val="90000"/>
+                <a:satMod val="128000"/>
               </a:schemeClr>
             </a:gs>
             <a:gs pos="100000">
               <a:schemeClr val="phClr">
-                <a:shade val="94000"/>
-                <a:satMod val="135000"/>
+                <a:tint val="90000"/>
+                <a:shade val="97000"/>
+                <a:satMod val="128000"/>
               </a:schemeClr>
             </a:gs>
           </a:gsLst>
-          <a:lin ang="16200000" scaled="0"/>
+          <a:lin ang="5400000" scaled="1"/>
         </a:gradFill>
       </a:fillStyleLst>
       <a:lnStyleLst>
-        <a:ln w="9525" cap="flat" cmpd="sng" algn="ctr">
-          <a:solidFill>
-            <a:schemeClr val="phClr">
-              <a:shade val="95000"/>
-              <a:satMod val="105000"/>
-            </a:schemeClr>
-          </a:solidFill>
-          <a:prstDash val="solid"/>
-        </a:ln>
-        <a:ln w="25400" cap="flat" cmpd="sng" algn="ctr">
+        <a:ln w="11430" cap="flat" cmpd="sng" algn="ctr">
           <a:solidFill>
             <a:schemeClr val="phClr"/>
           </a:solidFill>
           <a:prstDash val="solid"/>
         </a:ln>
-        <a:ln w="38100" cap="flat" cmpd="sng" algn="ctr">
+        <a:ln w="40000" cap="flat" cmpd="sng" algn="ctr">
+          <a:solidFill>
+            <a:schemeClr val="phClr"/>
+          </a:solidFill>
+          <a:prstDash val="solid"/>
+        </a:ln>
+        <a:ln w="31800" cap="flat" cmpd="sng" algn="ctr">
           <a:solidFill>
             <a:schemeClr val="phClr"/>
           </a:solidFill>
@@ -3204,40 +5401,44 @@
       <a:effectStyleLst>
         <a:effectStyle>
           <a:effectLst>
-            <a:outerShdw blurRad="40000" dist="20000" dir="5400000" rotWithShape="0">
-              <a:srgbClr val="000000">
+            <a:outerShdw blurRad="50800" dist="25000" dir="5400000" rotWithShape="0">
+              <a:schemeClr val="phClr">
+                <a:shade val="30000"/>
+                <a:satMod val="150000"/>
                 <a:alpha val="38000"/>
-              </a:srgbClr>
+              </a:schemeClr>
             </a:outerShdw>
           </a:effectLst>
         </a:effectStyle>
         <a:effectStyle>
           <a:effectLst>
-            <a:outerShdw blurRad="40000" dist="23000" dir="5400000" rotWithShape="0">
-              <a:srgbClr val="000000">
-                <a:alpha val="35000"/>
-              </a:srgbClr>
+            <a:outerShdw blurRad="39000" dist="25400" dir="5400000" rotWithShape="0">
+              <a:schemeClr val="phClr">
+                <a:shade val="33000"/>
+                <a:alpha val="83000"/>
+              </a:schemeClr>
             </a:outerShdw>
           </a:effectLst>
         </a:effectStyle>
         <a:effectStyle>
           <a:effectLst>
-            <a:outerShdw blurRad="40000" dist="23000" dir="5400000" rotWithShape="0">
-              <a:srgbClr val="000000">
-                <a:alpha val="35000"/>
-              </a:srgbClr>
+            <a:outerShdw blurRad="39000" dist="25400" dir="5400000" rotWithShape="0">
+              <a:schemeClr val="phClr">
+                <a:shade val="33000"/>
+                <a:alpha val="83000"/>
+              </a:schemeClr>
             </a:outerShdw>
           </a:effectLst>
           <a:scene3d>
-            <a:camera prst="orthographicFront">
+            <a:camera prst="orthographicFront" fov="0">
               <a:rot lat="0" lon="0" rev="0"/>
             </a:camera>
-            <a:lightRig rig="threePt" dir="t">
-              <a:rot lat="0" lon="0" rev="1200000"/>
+            <a:lightRig rig="contrasting" dir="t">
+              <a:rot lat="0" lon="0" rev="1500000"/>
             </a:lightRig>
           </a:scene3d>
-          <a:sp3d>
-            <a:bevelT w="63500" h="25400"/>
+          <a:sp3d extrusionH="127000" prstMaterial="powder">
+            <a:bevelT w="50800" h="63500"/>
           </a:sp3d>
         </a:effectStyle>
       </a:effectStyleLst>
@@ -3249,40 +5450,14 @@
           <a:gsLst>
             <a:gs pos="0">
               <a:schemeClr val="phClr">
-                <a:tint val="40000"/>
-                <a:satMod val="350000"/>
-              </a:schemeClr>
-            </a:gs>
-            <a:gs pos="40000">
-              <a:schemeClr val="phClr">
-                <a:tint val="45000"/>
-                <a:shade val="99000"/>
-                <a:satMod val="350000"/>
+                <a:tint val="78000"/>
+                <a:satMod val="220000"/>
               </a:schemeClr>
             </a:gs>
             <a:gs pos="100000">
               <a:schemeClr val="phClr">
-                <a:shade val="20000"/>
-                <a:satMod val="255000"/>
-              </a:schemeClr>
-            </a:gs>
-          </a:gsLst>
-          <a:path path="circle">
-            <a:fillToRect l="50000" t="-80000" r="50000" b="180000"/>
-          </a:path>
-        </a:gradFill>
-        <a:gradFill rotWithShape="1">
-          <a:gsLst>
-            <a:gs pos="0">
-              <a:schemeClr val="phClr">
-                <a:tint val="80000"/>
-                <a:satMod val="300000"/>
-              </a:schemeClr>
-            </a:gs>
-            <a:gs pos="100000">
-              <a:schemeClr val="phClr">
-                <a:shade val="30000"/>
-                <a:satMod val="200000"/>
+                <a:shade val="35000"/>
+                <a:satMod val="155000"/>
               </a:schemeClr>
             </a:gs>
           </a:gsLst>
@@ -3290,6 +5465,21 @@
             <a:fillToRect l="50000" t="50000" r="50000" b="50000"/>
           </a:path>
         </a:gradFill>
+        <a:blipFill>
+          <a:blip xmlns:r="http://schemas.openxmlformats.org/officeDocument/2006/relationships" r:embed="rId1">
+            <a:duotone>
+              <a:schemeClr val="phClr">
+                <a:shade val="60000"/>
+                <a:satMod val="180000"/>
+              </a:schemeClr>
+              <a:schemeClr val="phClr">
+                <a:tint val="500"/>
+                <a:satMod val="150000"/>
+              </a:schemeClr>
+            </a:duotone>
+          </a:blip>
+          <a:tile tx="0" ty="0" sx="50000" sy="50000" flip="none" algn="tl"/>
+        </a:blipFill>
       </a:bgFillStyleLst>
     </a:fmtScheme>
   </a:themeElements>

--- a/Abilympics2019.pptx
+++ b/Abilympics2019.pptx
@@ -3758,32 +3758,123 @@
         </p:nvSpPr>
         <p:spPr/>
         <p:txBody>
+          <a:bodyPr>
+            <a:normAutofit fontScale="90000"/>
+          </a:bodyPr>
+          <a:lstStyle/>
+          <a:p>
+            <a:r>
+              <a:rPr lang="ru-RU" dirty="0" smtClean="0">
+                <a:latin typeface="Times New Roman" pitchFamily="18" charset="0"/>
+                <a:cs typeface="Times New Roman" pitchFamily="18" charset="0"/>
+              </a:rPr>
+              <a:t>Демонстрация работы приложения</a:t>
+            </a:r>
+            <a:endParaRPr lang="ru-RU" dirty="0">
+              <a:latin typeface="Times New Roman" pitchFamily="18" charset="0"/>
+              <a:cs typeface="Times New Roman" pitchFamily="18" charset="0"/>
+            </a:endParaRPr>
+          </a:p>
+        </p:txBody>
+      </p:sp>
+      <p:sp>
+        <p:nvSpPr>
+          <p:cNvPr id="3" name="Содержимое 2"/>
+          <p:cNvSpPr>
+            <a:spLocks noGrp="1"/>
+          </p:cNvSpPr>
+          <p:nvPr>
+            <p:ph idx="1"/>
+          </p:nvPr>
+        </p:nvSpPr>
+        <p:spPr/>
+        <p:txBody>
           <a:bodyPr/>
           <a:lstStyle/>
           <a:p>
-            <a:endParaRPr lang="ru-RU"/>
-          </a:p>
-        </p:txBody>
-      </p:sp>
-      <p:sp>
-        <p:nvSpPr>
-          <p:cNvPr id="3" name="Содержимое 2"/>
-          <p:cNvSpPr>
-            <a:spLocks noGrp="1"/>
-          </p:cNvSpPr>
-          <p:nvPr>
-            <p:ph idx="1"/>
-          </p:nvPr>
-        </p:nvSpPr>
-        <p:spPr/>
-        <p:txBody>
-          <a:bodyPr/>
-          <a:lstStyle/>
-          <a:p>
-            <a:endParaRPr lang="ru-RU"/>
-          </a:p>
-        </p:txBody>
-      </p:sp>
+            <a:pPr marL="0" indent="266700">
+              <a:buNone/>
+            </a:pPr>
+            <a:r>
+              <a:rPr lang="ru-RU" dirty="0" smtClean="0">
+                <a:latin typeface="Times New Roman" pitchFamily="18" charset="0"/>
+                <a:cs typeface="Times New Roman" pitchFamily="18" charset="0"/>
+              </a:rPr>
+              <a:t>Форма меню сотрудника и код формы:</a:t>
+            </a:r>
+            <a:endParaRPr lang="ru-RU" dirty="0">
+              <a:latin typeface="Times New Roman" pitchFamily="18" charset="0"/>
+              <a:cs typeface="Times New Roman" pitchFamily="18" charset="0"/>
+            </a:endParaRPr>
+          </a:p>
+        </p:txBody>
+      </p:sp>
+      <p:pic>
+        <p:nvPicPr>
+          <p:cNvPr id="3074" name="Picture 2"/>
+          <p:cNvPicPr>
+            <a:picLocks noChangeAspect="1" noChangeArrowheads="1"/>
+          </p:cNvPicPr>
+          <p:nvPr/>
+        </p:nvPicPr>
+        <p:blipFill>
+          <a:blip r:embed="rId2" cstate="print"/>
+          <a:srcRect/>
+          <a:stretch>
+            <a:fillRect/>
+          </a:stretch>
+        </p:blipFill>
+        <p:spPr bwMode="auto">
+          <a:xfrm>
+            <a:off x="428596" y="2428868"/>
+            <a:ext cx="3905756" cy="2428892"/>
+          </a:xfrm>
+          <a:prstGeom prst="rect">
+            <a:avLst/>
+          </a:prstGeom>
+          <a:noFill/>
+          <a:ln w="9525">
+            <a:noFill/>
+            <a:miter lim="800000"/>
+            <a:headEnd/>
+            <a:tailEnd/>
+          </a:ln>
+          <a:effectLst/>
+        </p:spPr>
+      </p:pic>
+      <p:pic>
+        <p:nvPicPr>
+          <p:cNvPr id="3075" name="Picture 3"/>
+          <p:cNvPicPr>
+            <a:picLocks noChangeAspect="1" noChangeArrowheads="1"/>
+          </p:cNvPicPr>
+          <p:nvPr/>
+        </p:nvPicPr>
+        <p:blipFill>
+          <a:blip r:embed="rId3"/>
+          <a:srcRect/>
+          <a:stretch>
+            <a:fillRect/>
+          </a:stretch>
+        </p:blipFill>
+        <p:spPr bwMode="auto">
+          <a:xfrm>
+            <a:off x="4572000" y="2428868"/>
+            <a:ext cx="3755225" cy="3787440"/>
+          </a:xfrm>
+          <a:prstGeom prst="rect">
+            <a:avLst/>
+          </a:prstGeom>
+          <a:noFill/>
+          <a:ln w="9525">
+            <a:noFill/>
+            <a:miter lim="800000"/>
+            <a:headEnd/>
+            <a:tailEnd/>
+          </a:ln>
+          <a:effectLst/>
+        </p:spPr>
+      </p:pic>
     </p:spTree>
   </p:cSld>
   <p:clrMapOvr>
@@ -3824,32 +3915,123 @@
         </p:nvSpPr>
         <p:spPr/>
         <p:txBody>
+          <a:bodyPr>
+            <a:normAutofit fontScale="90000"/>
+          </a:bodyPr>
+          <a:lstStyle/>
+          <a:p>
+            <a:r>
+              <a:rPr lang="ru-RU" dirty="0" smtClean="0">
+                <a:latin typeface="Times New Roman" pitchFamily="18" charset="0"/>
+                <a:cs typeface="Times New Roman" pitchFamily="18" charset="0"/>
+              </a:rPr>
+              <a:t>Демонстрация работы приложения</a:t>
+            </a:r>
+            <a:endParaRPr lang="ru-RU" dirty="0">
+              <a:latin typeface="Times New Roman" pitchFamily="18" charset="0"/>
+              <a:cs typeface="Times New Roman" pitchFamily="18" charset="0"/>
+            </a:endParaRPr>
+          </a:p>
+        </p:txBody>
+      </p:sp>
+      <p:sp>
+        <p:nvSpPr>
+          <p:cNvPr id="3" name="Содержимое 2"/>
+          <p:cNvSpPr>
+            <a:spLocks noGrp="1"/>
+          </p:cNvSpPr>
+          <p:nvPr>
+            <p:ph idx="1"/>
+          </p:nvPr>
+        </p:nvSpPr>
+        <p:spPr/>
+        <p:txBody>
           <a:bodyPr/>
           <a:lstStyle/>
           <a:p>
-            <a:endParaRPr lang="ru-RU"/>
-          </a:p>
-        </p:txBody>
-      </p:sp>
-      <p:sp>
-        <p:nvSpPr>
-          <p:cNvPr id="3" name="Содержимое 2"/>
-          <p:cNvSpPr>
-            <a:spLocks noGrp="1"/>
-          </p:cNvSpPr>
-          <p:nvPr>
-            <p:ph idx="1"/>
-          </p:nvPr>
-        </p:nvSpPr>
-        <p:spPr/>
-        <p:txBody>
-          <a:bodyPr/>
-          <a:lstStyle/>
-          <a:p>
-            <a:endParaRPr lang="ru-RU"/>
-          </a:p>
-        </p:txBody>
-      </p:sp>
+            <a:pPr marL="0" indent="266700">
+              <a:buNone/>
+            </a:pPr>
+            <a:r>
+              <a:rPr lang="ru-RU" dirty="0" smtClean="0">
+                <a:latin typeface="Times New Roman" pitchFamily="18" charset="0"/>
+                <a:cs typeface="Times New Roman" pitchFamily="18" charset="0"/>
+              </a:rPr>
+              <a:t>Форма меню специалиста:</a:t>
+            </a:r>
+            <a:endParaRPr lang="ru-RU" dirty="0">
+              <a:latin typeface="Times New Roman" pitchFamily="18" charset="0"/>
+              <a:cs typeface="Times New Roman" pitchFamily="18" charset="0"/>
+            </a:endParaRPr>
+          </a:p>
+        </p:txBody>
+      </p:sp>
+      <p:pic>
+        <p:nvPicPr>
+          <p:cNvPr id="4098" name="Picture 2"/>
+          <p:cNvPicPr>
+            <a:picLocks noChangeAspect="1" noChangeArrowheads="1"/>
+          </p:cNvPicPr>
+          <p:nvPr/>
+        </p:nvPicPr>
+        <p:blipFill>
+          <a:blip r:embed="rId2" cstate="print"/>
+          <a:srcRect/>
+          <a:stretch>
+            <a:fillRect/>
+          </a:stretch>
+        </p:blipFill>
+        <p:spPr bwMode="auto">
+          <a:xfrm>
+            <a:off x="214282" y="2285992"/>
+            <a:ext cx="3857652" cy="2383199"/>
+          </a:xfrm>
+          <a:prstGeom prst="rect">
+            <a:avLst/>
+          </a:prstGeom>
+          <a:noFill/>
+          <a:ln w="9525">
+            <a:noFill/>
+            <a:miter lim="800000"/>
+            <a:headEnd/>
+            <a:tailEnd/>
+          </a:ln>
+          <a:effectLst/>
+        </p:spPr>
+      </p:pic>
+      <p:pic>
+        <p:nvPicPr>
+          <p:cNvPr id="4099" name="Picture 3"/>
+          <p:cNvPicPr>
+            <a:picLocks noChangeAspect="1" noChangeArrowheads="1"/>
+          </p:cNvPicPr>
+          <p:nvPr/>
+        </p:nvPicPr>
+        <p:blipFill>
+          <a:blip r:embed="rId3" cstate="print"/>
+          <a:srcRect/>
+          <a:stretch>
+            <a:fillRect/>
+          </a:stretch>
+        </p:blipFill>
+        <p:spPr bwMode="auto">
+          <a:xfrm>
+            <a:off x="4214810" y="2285992"/>
+            <a:ext cx="3924771" cy="2428892"/>
+          </a:xfrm>
+          <a:prstGeom prst="rect">
+            <a:avLst/>
+          </a:prstGeom>
+          <a:noFill/>
+          <a:ln w="9525">
+            <a:noFill/>
+            <a:miter lim="800000"/>
+            <a:headEnd/>
+            <a:tailEnd/>
+          </a:ln>
+          <a:effectLst/>
+        </p:spPr>
+      </p:pic>
     </p:spTree>
   </p:cSld>
   <p:clrMapOvr>
@@ -3890,32 +4072,123 @@
         </p:nvSpPr>
         <p:spPr/>
         <p:txBody>
+          <a:bodyPr>
+            <a:normAutofit fontScale="90000"/>
+          </a:bodyPr>
+          <a:lstStyle/>
+          <a:p>
+            <a:r>
+              <a:rPr lang="ru-RU" dirty="0" smtClean="0">
+                <a:latin typeface="Times New Roman" pitchFamily="18" charset="0"/>
+                <a:cs typeface="Times New Roman" pitchFamily="18" charset="0"/>
+              </a:rPr>
+              <a:t>Демонстрация работы приложения</a:t>
+            </a:r>
+            <a:endParaRPr lang="ru-RU" dirty="0">
+              <a:latin typeface="Times New Roman" pitchFamily="18" charset="0"/>
+              <a:cs typeface="Times New Roman" pitchFamily="18" charset="0"/>
+            </a:endParaRPr>
+          </a:p>
+        </p:txBody>
+      </p:sp>
+      <p:sp>
+        <p:nvSpPr>
+          <p:cNvPr id="3" name="Содержимое 2"/>
+          <p:cNvSpPr>
+            <a:spLocks noGrp="1"/>
+          </p:cNvSpPr>
+          <p:nvPr>
+            <p:ph idx="1"/>
+          </p:nvPr>
+        </p:nvSpPr>
+        <p:spPr/>
+        <p:txBody>
           <a:bodyPr/>
           <a:lstStyle/>
           <a:p>
-            <a:endParaRPr lang="ru-RU"/>
-          </a:p>
-        </p:txBody>
-      </p:sp>
-      <p:sp>
-        <p:nvSpPr>
-          <p:cNvPr id="3" name="Содержимое 2"/>
-          <p:cNvSpPr>
-            <a:spLocks noGrp="1"/>
-          </p:cNvSpPr>
-          <p:nvPr>
-            <p:ph idx="1"/>
-          </p:nvPr>
-        </p:nvSpPr>
-        <p:spPr/>
-        <p:txBody>
-          <a:bodyPr/>
-          <a:lstStyle/>
-          <a:p>
-            <a:endParaRPr lang="ru-RU"/>
-          </a:p>
-        </p:txBody>
-      </p:sp>
+            <a:pPr marL="0" indent="266700">
+              <a:buNone/>
+            </a:pPr>
+            <a:r>
+              <a:rPr lang="ru-RU" dirty="0" smtClean="0">
+                <a:latin typeface="Times New Roman" pitchFamily="18" charset="0"/>
+                <a:cs typeface="Times New Roman" pitchFamily="18" charset="0"/>
+              </a:rPr>
+              <a:t>Форма меню специалиста:</a:t>
+            </a:r>
+            <a:endParaRPr lang="ru-RU" dirty="0">
+              <a:latin typeface="Times New Roman" pitchFamily="18" charset="0"/>
+              <a:cs typeface="Times New Roman" pitchFamily="18" charset="0"/>
+            </a:endParaRPr>
+          </a:p>
+        </p:txBody>
+      </p:sp>
+      <p:pic>
+        <p:nvPicPr>
+          <p:cNvPr id="5122" name="Picture 2"/>
+          <p:cNvPicPr>
+            <a:picLocks noChangeAspect="1" noChangeArrowheads="1"/>
+          </p:cNvPicPr>
+          <p:nvPr/>
+        </p:nvPicPr>
+        <p:blipFill>
+          <a:blip r:embed="rId2" cstate="print"/>
+          <a:srcRect/>
+          <a:stretch>
+            <a:fillRect/>
+          </a:stretch>
+        </p:blipFill>
+        <p:spPr bwMode="auto">
+          <a:xfrm>
+            <a:off x="357158" y="2285992"/>
+            <a:ext cx="4071966" cy="2521645"/>
+          </a:xfrm>
+          <a:prstGeom prst="rect">
+            <a:avLst/>
+          </a:prstGeom>
+          <a:noFill/>
+          <a:ln w="9525">
+            <a:noFill/>
+            <a:miter lim="800000"/>
+            <a:headEnd/>
+            <a:tailEnd/>
+          </a:ln>
+          <a:effectLst/>
+        </p:spPr>
+      </p:pic>
+      <p:pic>
+        <p:nvPicPr>
+          <p:cNvPr id="5123" name="Picture 3"/>
+          <p:cNvPicPr>
+            <a:picLocks noChangeAspect="1" noChangeArrowheads="1"/>
+          </p:cNvPicPr>
+          <p:nvPr/>
+        </p:nvPicPr>
+        <p:blipFill>
+          <a:blip r:embed="rId3"/>
+          <a:srcRect/>
+          <a:stretch>
+            <a:fillRect/>
+          </a:stretch>
+        </p:blipFill>
+        <p:spPr bwMode="auto">
+          <a:xfrm>
+            <a:off x="4500562" y="2285992"/>
+            <a:ext cx="4100499" cy="2535203"/>
+          </a:xfrm>
+          <a:prstGeom prst="rect">
+            <a:avLst/>
+          </a:prstGeom>
+          <a:noFill/>
+          <a:ln w="9525">
+            <a:noFill/>
+            <a:miter lim="800000"/>
+            <a:headEnd/>
+            <a:tailEnd/>
+          </a:ln>
+          <a:effectLst/>
+        </p:spPr>
+      </p:pic>
     </p:spTree>
   </p:cSld>
   <p:clrMapOvr>
@@ -3956,32 +4229,90 @@
         </p:nvSpPr>
         <p:spPr/>
         <p:txBody>
+          <a:bodyPr>
+            <a:normAutofit fontScale="90000"/>
+          </a:bodyPr>
+          <a:lstStyle/>
+          <a:p>
+            <a:r>
+              <a:rPr lang="ru-RU" dirty="0" smtClean="0">
+                <a:latin typeface="Times New Roman" pitchFamily="18" charset="0"/>
+                <a:cs typeface="Times New Roman" pitchFamily="18" charset="0"/>
+              </a:rPr>
+              <a:t>Демонстрация работы приложения</a:t>
+            </a:r>
+            <a:endParaRPr lang="ru-RU" dirty="0">
+              <a:latin typeface="Times New Roman" pitchFamily="18" charset="0"/>
+              <a:cs typeface="Times New Roman" pitchFamily="18" charset="0"/>
+            </a:endParaRPr>
+          </a:p>
+        </p:txBody>
+      </p:sp>
+      <p:sp>
+        <p:nvSpPr>
+          <p:cNvPr id="3" name="Содержимое 2"/>
+          <p:cNvSpPr>
+            <a:spLocks noGrp="1"/>
+          </p:cNvSpPr>
+          <p:nvPr>
+            <p:ph idx="1"/>
+          </p:nvPr>
+        </p:nvSpPr>
+        <p:spPr/>
+        <p:txBody>
           <a:bodyPr/>
           <a:lstStyle/>
           <a:p>
-            <a:endParaRPr lang="ru-RU"/>
-          </a:p>
-        </p:txBody>
-      </p:sp>
-      <p:sp>
-        <p:nvSpPr>
-          <p:cNvPr id="3" name="Содержимое 2"/>
-          <p:cNvSpPr>
-            <a:spLocks noGrp="1"/>
-          </p:cNvSpPr>
-          <p:nvPr>
-            <p:ph idx="1"/>
-          </p:nvPr>
-        </p:nvSpPr>
-        <p:spPr/>
-        <p:txBody>
-          <a:bodyPr/>
-          <a:lstStyle/>
-          <a:p>
-            <a:endParaRPr lang="ru-RU"/>
-          </a:p>
-        </p:txBody>
-      </p:sp>
+            <a:pPr marL="0" indent="266700">
+              <a:buNone/>
+            </a:pPr>
+            <a:r>
+              <a:rPr lang="ru-RU" dirty="0" smtClean="0">
+                <a:latin typeface="Times New Roman" pitchFamily="18" charset="0"/>
+                <a:cs typeface="Times New Roman" pitchFamily="18" charset="0"/>
+              </a:rPr>
+              <a:t>Код формы меню специалиста:</a:t>
+            </a:r>
+            <a:endParaRPr lang="ru-RU" dirty="0">
+              <a:latin typeface="Times New Roman" pitchFamily="18" charset="0"/>
+              <a:cs typeface="Times New Roman" pitchFamily="18" charset="0"/>
+            </a:endParaRPr>
+          </a:p>
+        </p:txBody>
+      </p:sp>
+      <p:pic>
+        <p:nvPicPr>
+          <p:cNvPr id="6146" name="Picture 2"/>
+          <p:cNvPicPr>
+            <a:picLocks noChangeAspect="1" noChangeArrowheads="1"/>
+          </p:cNvPicPr>
+          <p:nvPr/>
+        </p:nvPicPr>
+        <p:blipFill>
+          <a:blip r:embed="rId2"/>
+          <a:srcRect/>
+          <a:stretch>
+            <a:fillRect/>
+          </a:stretch>
+        </p:blipFill>
+        <p:spPr bwMode="auto">
+          <a:xfrm>
+            <a:off x="714348" y="2214554"/>
+            <a:ext cx="3500441" cy="4000504"/>
+          </a:xfrm>
+          <a:prstGeom prst="rect">
+            <a:avLst/>
+          </a:prstGeom>
+          <a:noFill/>
+          <a:ln w="9525">
+            <a:noFill/>
+            <a:miter lim="800000"/>
+            <a:headEnd/>
+            <a:tailEnd/>
+          </a:ln>
+          <a:effectLst/>
+        </p:spPr>
+      </p:pic>
     </p:spTree>
   </p:cSld>
   <p:clrMapOvr>
@@ -4022,32 +4353,123 @@
         </p:nvSpPr>
         <p:spPr/>
         <p:txBody>
+          <a:bodyPr>
+            <a:normAutofit fontScale="90000"/>
+          </a:bodyPr>
+          <a:lstStyle/>
+          <a:p>
+            <a:r>
+              <a:rPr lang="ru-RU" dirty="0" smtClean="0">
+                <a:latin typeface="Times New Roman" pitchFamily="18" charset="0"/>
+                <a:cs typeface="Times New Roman" pitchFamily="18" charset="0"/>
+              </a:rPr>
+              <a:t>Демонстрация работы приложения</a:t>
+            </a:r>
+            <a:endParaRPr lang="ru-RU" dirty="0">
+              <a:latin typeface="Times New Roman" pitchFamily="18" charset="0"/>
+              <a:cs typeface="Times New Roman" pitchFamily="18" charset="0"/>
+            </a:endParaRPr>
+          </a:p>
+        </p:txBody>
+      </p:sp>
+      <p:sp>
+        <p:nvSpPr>
+          <p:cNvPr id="3" name="Содержимое 2"/>
+          <p:cNvSpPr>
+            <a:spLocks noGrp="1"/>
+          </p:cNvSpPr>
+          <p:nvPr>
+            <p:ph idx="1"/>
+          </p:nvPr>
+        </p:nvSpPr>
+        <p:spPr/>
+        <p:txBody>
           <a:bodyPr/>
           <a:lstStyle/>
           <a:p>
-            <a:endParaRPr lang="ru-RU"/>
-          </a:p>
-        </p:txBody>
-      </p:sp>
-      <p:sp>
-        <p:nvSpPr>
-          <p:cNvPr id="3" name="Содержимое 2"/>
-          <p:cNvSpPr>
-            <a:spLocks noGrp="1"/>
-          </p:cNvSpPr>
-          <p:nvPr>
-            <p:ph idx="1"/>
-          </p:nvPr>
-        </p:nvSpPr>
-        <p:spPr/>
-        <p:txBody>
-          <a:bodyPr/>
-          <a:lstStyle/>
-          <a:p>
-            <a:endParaRPr lang="ru-RU"/>
-          </a:p>
-        </p:txBody>
-      </p:sp>
+            <a:pPr marL="0" indent="266700">
+              <a:buNone/>
+            </a:pPr>
+            <a:r>
+              <a:rPr lang="ru-RU" dirty="0" smtClean="0">
+                <a:latin typeface="Times New Roman" pitchFamily="18" charset="0"/>
+                <a:cs typeface="Times New Roman" pitchFamily="18" charset="0"/>
+              </a:rPr>
+              <a:t>Форма меню техника:</a:t>
+            </a:r>
+            <a:endParaRPr lang="ru-RU" dirty="0">
+              <a:latin typeface="Times New Roman" pitchFamily="18" charset="0"/>
+              <a:cs typeface="Times New Roman" pitchFamily="18" charset="0"/>
+            </a:endParaRPr>
+          </a:p>
+        </p:txBody>
+      </p:sp>
+      <p:pic>
+        <p:nvPicPr>
+          <p:cNvPr id="7170" name="Picture 2"/>
+          <p:cNvPicPr>
+            <a:picLocks noChangeAspect="1" noChangeArrowheads="1"/>
+          </p:cNvPicPr>
+          <p:nvPr/>
+        </p:nvPicPr>
+        <p:blipFill>
+          <a:blip r:embed="rId2" cstate="print"/>
+          <a:srcRect/>
+          <a:stretch>
+            <a:fillRect/>
+          </a:stretch>
+        </p:blipFill>
+        <p:spPr bwMode="auto">
+          <a:xfrm>
+            <a:off x="428596" y="2143116"/>
+            <a:ext cx="4143586" cy="2571768"/>
+          </a:xfrm>
+          <a:prstGeom prst="rect">
+            <a:avLst/>
+          </a:prstGeom>
+          <a:noFill/>
+          <a:ln w="9525">
+            <a:noFill/>
+            <a:miter lim="800000"/>
+            <a:headEnd/>
+            <a:tailEnd/>
+          </a:ln>
+          <a:effectLst/>
+        </p:spPr>
+      </p:pic>
+      <p:pic>
+        <p:nvPicPr>
+          <p:cNvPr id="7171" name="Picture 3"/>
+          <p:cNvPicPr>
+            <a:picLocks noChangeAspect="1" noChangeArrowheads="1"/>
+          </p:cNvPicPr>
+          <p:nvPr/>
+        </p:nvPicPr>
+        <p:blipFill>
+          <a:blip r:embed="rId3"/>
+          <a:srcRect/>
+          <a:stretch>
+            <a:fillRect/>
+          </a:stretch>
+        </p:blipFill>
+        <p:spPr bwMode="auto">
+          <a:xfrm>
+            <a:off x="4786314" y="2143116"/>
+            <a:ext cx="4139444" cy="2571768"/>
+          </a:xfrm>
+          <a:prstGeom prst="rect">
+            <a:avLst/>
+          </a:prstGeom>
+          <a:noFill/>
+          <a:ln w="9525">
+            <a:noFill/>
+            <a:miter lim="800000"/>
+            <a:headEnd/>
+            <a:tailEnd/>
+          </a:ln>
+          <a:effectLst/>
+        </p:spPr>
+      </p:pic>
     </p:spTree>
   </p:cSld>
   <p:clrMapOvr>
@@ -4088,32 +4510,93 @@
         </p:nvSpPr>
         <p:spPr/>
         <p:txBody>
+          <a:bodyPr>
+            <a:normAutofit fontScale="90000"/>
+          </a:bodyPr>
+          <a:lstStyle/>
+          <a:p>
+            <a:r>
+              <a:rPr lang="ru-RU" dirty="0" smtClean="0">
+                <a:latin typeface="Times New Roman" pitchFamily="18" charset="0"/>
+                <a:cs typeface="Times New Roman" pitchFamily="18" charset="0"/>
+              </a:rPr>
+              <a:t>Демонстрация работы приложения</a:t>
+            </a:r>
+            <a:endParaRPr lang="ru-RU" dirty="0">
+              <a:latin typeface="Times New Roman" pitchFamily="18" charset="0"/>
+              <a:cs typeface="Times New Roman" pitchFamily="18" charset="0"/>
+            </a:endParaRPr>
+          </a:p>
+        </p:txBody>
+      </p:sp>
+      <p:sp>
+        <p:nvSpPr>
+          <p:cNvPr id="3" name="Содержимое 2"/>
+          <p:cNvSpPr>
+            <a:spLocks noGrp="1"/>
+          </p:cNvSpPr>
+          <p:nvPr>
+            <p:ph idx="1"/>
+          </p:nvPr>
+        </p:nvSpPr>
+        <p:spPr/>
+        <p:txBody>
           <a:bodyPr/>
           <a:lstStyle/>
           <a:p>
-            <a:endParaRPr lang="ru-RU"/>
-          </a:p>
-        </p:txBody>
-      </p:sp>
-      <p:sp>
-        <p:nvSpPr>
-          <p:cNvPr id="3" name="Содержимое 2"/>
-          <p:cNvSpPr>
-            <a:spLocks noGrp="1"/>
-          </p:cNvSpPr>
-          <p:nvPr>
-            <p:ph idx="1"/>
-          </p:nvPr>
-        </p:nvSpPr>
-        <p:spPr/>
-        <p:txBody>
-          <a:bodyPr/>
-          <a:lstStyle/>
-          <a:p>
-            <a:endParaRPr lang="ru-RU"/>
-          </a:p>
-        </p:txBody>
-      </p:sp>
+            <a:pPr marL="0" indent="266700">
+              <a:buNone/>
+              <a:tabLst>
+                <a:tab pos="0" algn="l"/>
+              </a:tabLst>
+            </a:pPr>
+            <a:r>
+              <a:rPr lang="ru-RU" dirty="0" smtClean="0">
+                <a:latin typeface="Times New Roman" pitchFamily="18" charset="0"/>
+                <a:cs typeface="Times New Roman" pitchFamily="18" charset="0"/>
+              </a:rPr>
+              <a:t>Код формы меню техника:</a:t>
+            </a:r>
+            <a:endParaRPr lang="ru-RU" dirty="0">
+              <a:latin typeface="Times New Roman" pitchFamily="18" charset="0"/>
+              <a:cs typeface="Times New Roman" pitchFamily="18" charset="0"/>
+            </a:endParaRPr>
+          </a:p>
+        </p:txBody>
+      </p:sp>
+      <p:pic>
+        <p:nvPicPr>
+          <p:cNvPr id="8194" name="Picture 2"/>
+          <p:cNvPicPr>
+            <a:picLocks noChangeAspect="1" noChangeArrowheads="1"/>
+          </p:cNvPicPr>
+          <p:nvPr/>
+        </p:nvPicPr>
+        <p:blipFill>
+          <a:blip r:embed="rId2"/>
+          <a:srcRect/>
+          <a:stretch>
+            <a:fillRect/>
+          </a:stretch>
+        </p:blipFill>
+        <p:spPr bwMode="auto">
+          <a:xfrm>
+            <a:off x="714348" y="2143116"/>
+            <a:ext cx="4662521" cy="3143272"/>
+          </a:xfrm>
+          <a:prstGeom prst="rect">
+            <a:avLst/>
+          </a:prstGeom>
+          <a:noFill/>
+          <a:ln w="9525">
+            <a:noFill/>
+            <a:miter lim="800000"/>
+            <a:headEnd/>
+            <a:tailEnd/>
+          </a:ln>
+          <a:effectLst/>
+        </p:spPr>
+      </p:pic>
     </p:spTree>
   </p:cSld>
   <p:clrMapOvr>
@@ -4154,32 +4637,123 @@
         </p:nvSpPr>
         <p:spPr/>
         <p:txBody>
+          <a:bodyPr>
+            <a:normAutofit fontScale="90000"/>
+          </a:bodyPr>
+          <a:lstStyle/>
+          <a:p>
+            <a:r>
+              <a:rPr lang="ru-RU" dirty="0" smtClean="0">
+                <a:latin typeface="Times New Roman" pitchFamily="18" charset="0"/>
+                <a:cs typeface="Times New Roman" pitchFamily="18" charset="0"/>
+              </a:rPr>
+              <a:t>Демонстрация работы приложения</a:t>
+            </a:r>
+            <a:endParaRPr lang="ru-RU" dirty="0">
+              <a:latin typeface="Times New Roman" pitchFamily="18" charset="0"/>
+              <a:cs typeface="Times New Roman" pitchFamily="18" charset="0"/>
+            </a:endParaRPr>
+          </a:p>
+        </p:txBody>
+      </p:sp>
+      <p:sp>
+        <p:nvSpPr>
+          <p:cNvPr id="3" name="Содержимое 2"/>
+          <p:cNvSpPr>
+            <a:spLocks noGrp="1"/>
+          </p:cNvSpPr>
+          <p:nvPr>
+            <p:ph idx="1"/>
+          </p:nvPr>
+        </p:nvSpPr>
+        <p:spPr/>
+        <p:txBody>
           <a:bodyPr/>
           <a:lstStyle/>
           <a:p>
-            <a:endParaRPr lang="ru-RU"/>
-          </a:p>
-        </p:txBody>
-      </p:sp>
-      <p:sp>
-        <p:nvSpPr>
-          <p:cNvPr id="3" name="Содержимое 2"/>
-          <p:cNvSpPr>
-            <a:spLocks noGrp="1"/>
-          </p:cNvSpPr>
-          <p:nvPr>
-            <p:ph idx="1"/>
-          </p:nvPr>
-        </p:nvSpPr>
-        <p:spPr/>
-        <p:txBody>
-          <a:bodyPr/>
-          <a:lstStyle/>
-          <a:p>
-            <a:endParaRPr lang="ru-RU"/>
-          </a:p>
-        </p:txBody>
-      </p:sp>
+            <a:pPr marL="0" indent="266700">
+              <a:buNone/>
+            </a:pPr>
+            <a:r>
+              <a:rPr lang="ru-RU" dirty="0" smtClean="0">
+                <a:latin typeface="Times New Roman" pitchFamily="18" charset="0"/>
+                <a:cs typeface="Times New Roman" pitchFamily="18" charset="0"/>
+              </a:rPr>
+              <a:t>Форма изменения пароля для сотрудников и код формы:</a:t>
+            </a:r>
+            <a:endParaRPr lang="ru-RU" dirty="0">
+              <a:latin typeface="Times New Roman" pitchFamily="18" charset="0"/>
+              <a:cs typeface="Times New Roman" pitchFamily="18" charset="0"/>
+            </a:endParaRPr>
+          </a:p>
+        </p:txBody>
+      </p:sp>
+      <p:pic>
+        <p:nvPicPr>
+          <p:cNvPr id="9218" name="Picture 2"/>
+          <p:cNvPicPr>
+            <a:picLocks noChangeAspect="1" noChangeArrowheads="1"/>
+          </p:cNvPicPr>
+          <p:nvPr/>
+        </p:nvPicPr>
+        <p:blipFill>
+          <a:blip r:embed="rId2"/>
+          <a:srcRect/>
+          <a:stretch>
+            <a:fillRect/>
+          </a:stretch>
+        </p:blipFill>
+        <p:spPr bwMode="auto">
+          <a:xfrm>
+            <a:off x="428596" y="2643182"/>
+            <a:ext cx="4250516" cy="2928958"/>
+          </a:xfrm>
+          <a:prstGeom prst="rect">
+            <a:avLst/>
+          </a:prstGeom>
+          <a:noFill/>
+          <a:ln w="9525">
+            <a:noFill/>
+            <a:miter lim="800000"/>
+            <a:headEnd/>
+            <a:tailEnd/>
+          </a:ln>
+          <a:effectLst/>
+        </p:spPr>
+      </p:pic>
+      <p:pic>
+        <p:nvPicPr>
+          <p:cNvPr id="9219" name="Picture 3"/>
+          <p:cNvPicPr>
+            <a:picLocks noChangeAspect="1" noChangeArrowheads="1"/>
+          </p:cNvPicPr>
+          <p:nvPr/>
+        </p:nvPicPr>
+        <p:blipFill>
+          <a:blip r:embed="rId3"/>
+          <a:srcRect/>
+          <a:stretch>
+            <a:fillRect/>
+          </a:stretch>
+        </p:blipFill>
+        <p:spPr bwMode="auto">
+          <a:xfrm>
+            <a:off x="4929190" y="2643182"/>
+            <a:ext cx="2743203" cy="3493915"/>
+          </a:xfrm>
+          <a:prstGeom prst="rect">
+            <a:avLst/>
+          </a:prstGeom>
+          <a:noFill/>
+          <a:ln w="9525">
+            <a:noFill/>
+            <a:miter lim="800000"/>
+            <a:headEnd/>
+            <a:tailEnd/>
+          </a:ln>
+          <a:effectLst/>
+        </p:spPr>
+      </p:pic>
     </p:spTree>
   </p:cSld>
   <p:clrMapOvr>
@@ -4220,32 +4794,123 @@
         </p:nvSpPr>
         <p:spPr/>
         <p:txBody>
+          <a:bodyPr>
+            <a:normAutofit fontScale="90000"/>
+          </a:bodyPr>
+          <a:lstStyle/>
+          <a:p>
+            <a:r>
+              <a:rPr lang="ru-RU" dirty="0" smtClean="0">
+                <a:latin typeface="Times New Roman" pitchFamily="18" charset="0"/>
+                <a:cs typeface="Times New Roman" pitchFamily="18" charset="0"/>
+              </a:rPr>
+              <a:t>Демонстрация работы приложения</a:t>
+            </a:r>
+            <a:endParaRPr lang="ru-RU" dirty="0">
+              <a:latin typeface="Times New Roman" pitchFamily="18" charset="0"/>
+              <a:cs typeface="Times New Roman" pitchFamily="18" charset="0"/>
+            </a:endParaRPr>
+          </a:p>
+        </p:txBody>
+      </p:sp>
+      <p:sp>
+        <p:nvSpPr>
+          <p:cNvPr id="3" name="Содержимое 2"/>
+          <p:cNvSpPr>
+            <a:spLocks noGrp="1"/>
+          </p:cNvSpPr>
+          <p:nvPr>
+            <p:ph idx="1"/>
+          </p:nvPr>
+        </p:nvSpPr>
+        <p:spPr/>
+        <p:txBody>
           <a:bodyPr/>
           <a:lstStyle/>
           <a:p>
-            <a:endParaRPr lang="ru-RU"/>
-          </a:p>
-        </p:txBody>
-      </p:sp>
-      <p:sp>
-        <p:nvSpPr>
-          <p:cNvPr id="3" name="Содержимое 2"/>
-          <p:cNvSpPr>
-            <a:spLocks noGrp="1"/>
-          </p:cNvSpPr>
-          <p:nvPr>
-            <p:ph idx="1"/>
-          </p:nvPr>
-        </p:nvSpPr>
-        <p:spPr/>
-        <p:txBody>
-          <a:bodyPr/>
-          <a:lstStyle/>
-          <a:p>
-            <a:endParaRPr lang="ru-RU"/>
-          </a:p>
-        </p:txBody>
-      </p:sp>
+            <a:pPr marL="0" indent="266700">
+              <a:buNone/>
+            </a:pPr>
+            <a:r>
+              <a:rPr lang="ru-RU" dirty="0" smtClean="0">
+                <a:latin typeface="Times New Roman" pitchFamily="18" charset="0"/>
+                <a:cs typeface="Times New Roman" pitchFamily="18" charset="0"/>
+              </a:rPr>
+              <a:t>Форма изменения пароля для специалистов и код формы:</a:t>
+            </a:r>
+            <a:endParaRPr lang="ru-RU" dirty="0">
+              <a:latin typeface="Times New Roman" pitchFamily="18" charset="0"/>
+              <a:cs typeface="Times New Roman" pitchFamily="18" charset="0"/>
+            </a:endParaRPr>
+          </a:p>
+        </p:txBody>
+      </p:sp>
+      <p:pic>
+        <p:nvPicPr>
+          <p:cNvPr id="10242" name="Picture 2"/>
+          <p:cNvPicPr>
+            <a:picLocks noChangeAspect="1" noChangeArrowheads="1"/>
+          </p:cNvPicPr>
+          <p:nvPr/>
+        </p:nvPicPr>
+        <p:blipFill>
+          <a:blip r:embed="rId2" cstate="print"/>
+          <a:srcRect/>
+          <a:stretch>
+            <a:fillRect/>
+          </a:stretch>
+        </p:blipFill>
+        <p:spPr bwMode="auto">
+          <a:xfrm>
+            <a:off x="357158" y="2714621"/>
+            <a:ext cx="4032118" cy="2786082"/>
+          </a:xfrm>
+          <a:prstGeom prst="rect">
+            <a:avLst/>
+          </a:prstGeom>
+          <a:noFill/>
+          <a:ln w="9525">
+            <a:noFill/>
+            <a:miter lim="800000"/>
+            <a:headEnd/>
+            <a:tailEnd/>
+          </a:ln>
+          <a:effectLst/>
+        </p:spPr>
+      </p:pic>
+      <p:pic>
+        <p:nvPicPr>
+          <p:cNvPr id="10244" name="Picture 4"/>
+          <p:cNvPicPr>
+            <a:picLocks noChangeAspect="1" noChangeArrowheads="1"/>
+          </p:cNvPicPr>
+          <p:nvPr/>
+        </p:nvPicPr>
+        <p:blipFill>
+          <a:blip r:embed="rId3"/>
+          <a:srcRect/>
+          <a:stretch>
+            <a:fillRect/>
+          </a:stretch>
+        </p:blipFill>
+        <p:spPr bwMode="auto">
+          <a:xfrm>
+            <a:off x="4714876" y="2714620"/>
+            <a:ext cx="2746913" cy="3686180"/>
+          </a:xfrm>
+          <a:prstGeom prst="rect">
+            <a:avLst/>
+          </a:prstGeom>
+          <a:noFill/>
+          <a:ln w="9525">
+            <a:noFill/>
+            <a:miter lim="800000"/>
+            <a:headEnd/>
+            <a:tailEnd/>
+          </a:ln>
+          <a:effectLst/>
+        </p:spPr>
+      </p:pic>
     </p:spTree>
   </p:cSld>
   <p:clrMapOvr>
@@ -4605,35 +5270,7 @@
                 <a:latin typeface="Times New Roman" pitchFamily="18" charset="0"/>
                 <a:cs typeface="Times New Roman" pitchFamily="18" charset="0"/>
               </a:rPr>
-              <a:t>Приложение разработано для автоматизации работы технической поддержки предприятия. В приложении 3 типа ролей пользователей: сотрудник, специалист </a:t>
-            </a:r>
-            <a:r>
-              <a:rPr lang="ru-RU" dirty="0" smtClean="0">
-                <a:latin typeface="Times New Roman" pitchFamily="18" charset="0"/>
-                <a:cs typeface="Times New Roman" pitchFamily="18" charset="0"/>
-              </a:rPr>
-              <a:t>технической </a:t>
-            </a:r>
-            <a:r>
-              <a:rPr lang="ru-RU" dirty="0" smtClean="0">
-                <a:latin typeface="Times New Roman" pitchFamily="18" charset="0"/>
-                <a:cs typeface="Times New Roman" pitchFamily="18" charset="0"/>
-              </a:rPr>
-              <a:t>поддержки и техник. Приложение разработано таким образом, что сотрудник организации может оставить заявку через форму на ремонт компьютера, установку ПО, замену оборудования и прочее, а специалист </a:t>
-            </a:r>
-            <a:r>
-              <a:rPr lang="ru-RU" dirty="0" smtClean="0">
-                <a:latin typeface="Times New Roman" pitchFamily="18" charset="0"/>
-                <a:cs typeface="Times New Roman" pitchFamily="18" charset="0"/>
-              </a:rPr>
-              <a:t>технической </a:t>
-            </a:r>
-            <a:r>
-              <a:rPr lang="ru-RU" dirty="0" smtClean="0">
-                <a:latin typeface="Times New Roman" pitchFamily="18" charset="0"/>
-                <a:cs typeface="Times New Roman" pitchFamily="18" charset="0"/>
-              </a:rPr>
-              <a:t>поддержки может обработать полученную заявку.</a:t>
+              <a:t>Приложение разработано для автоматизации работы технической поддержки предприятия. В приложении 3 типа ролей пользователей: сотрудник, специалист технической поддержки и техник. Приложение разработано таким образом, что сотрудник организации может оставить заявку через форму на ремонт компьютера, установку ПО, замену оборудования и прочее, а специалист технической поддержки может обработать полученную заявку.</a:t>
             </a:r>
             <a:endParaRPr lang="ru-RU" dirty="0">
               <a:latin typeface="Times New Roman" pitchFamily="18" charset="0"/>
@@ -5112,6 +5749,72 @@
           </a:p>
         </p:txBody>
       </p:sp>
+      <p:pic>
+        <p:nvPicPr>
+          <p:cNvPr id="1026" name="Picture 2"/>
+          <p:cNvPicPr>
+            <a:picLocks noChangeAspect="1" noChangeArrowheads="1"/>
+          </p:cNvPicPr>
+          <p:nvPr/>
+        </p:nvPicPr>
+        <p:blipFill>
+          <a:blip r:embed="rId2"/>
+          <a:srcRect/>
+          <a:stretch>
+            <a:fillRect/>
+          </a:stretch>
+        </p:blipFill>
+        <p:spPr bwMode="auto">
+          <a:xfrm>
+            <a:off x="428596" y="2214554"/>
+            <a:ext cx="4300530" cy="3299545"/>
+          </a:xfrm>
+          <a:prstGeom prst="rect">
+            <a:avLst/>
+          </a:prstGeom>
+          <a:noFill/>
+          <a:ln w="9525">
+            <a:noFill/>
+            <a:miter lim="800000"/>
+            <a:headEnd/>
+            <a:tailEnd/>
+          </a:ln>
+          <a:effectLst/>
+        </p:spPr>
+      </p:pic>
+      <p:pic>
+        <p:nvPicPr>
+          <p:cNvPr id="1027" name="Picture 3"/>
+          <p:cNvPicPr>
+            <a:picLocks noChangeAspect="1" noChangeArrowheads="1"/>
+          </p:cNvPicPr>
+          <p:nvPr/>
+        </p:nvPicPr>
+        <p:blipFill>
+          <a:blip r:embed="rId3"/>
+          <a:srcRect/>
+          <a:stretch>
+            <a:fillRect/>
+          </a:stretch>
+        </p:blipFill>
+        <p:spPr bwMode="auto">
+          <a:xfrm>
+            <a:off x="4929190" y="2214554"/>
+            <a:ext cx="2883963" cy="4142032"/>
+          </a:xfrm>
+          <a:prstGeom prst="rect">
+            <a:avLst/>
+          </a:prstGeom>
+          <a:noFill/>
+          <a:ln w="9525">
+            <a:noFill/>
+            <a:miter lim="800000"/>
+            <a:headEnd/>
+            <a:tailEnd/>
+          </a:ln>
+          <a:effectLst/>
+        </p:spPr>
+      </p:pic>
     </p:spTree>
   </p:cSld>
   <p:clrMapOvr>
@@ -5152,32 +5855,123 @@
         </p:nvSpPr>
         <p:spPr/>
         <p:txBody>
+          <a:bodyPr>
+            <a:normAutofit fontScale="90000"/>
+          </a:bodyPr>
+          <a:lstStyle/>
+          <a:p>
+            <a:r>
+              <a:rPr lang="ru-RU" dirty="0" smtClean="0">
+                <a:latin typeface="Times New Roman" pitchFamily="18" charset="0"/>
+                <a:cs typeface="Times New Roman" pitchFamily="18" charset="0"/>
+              </a:rPr>
+              <a:t>Демонстрация работы приложения</a:t>
+            </a:r>
+            <a:endParaRPr lang="ru-RU" dirty="0">
+              <a:latin typeface="Times New Roman" pitchFamily="18" charset="0"/>
+              <a:cs typeface="Times New Roman" pitchFamily="18" charset="0"/>
+            </a:endParaRPr>
+          </a:p>
+        </p:txBody>
+      </p:sp>
+      <p:sp>
+        <p:nvSpPr>
+          <p:cNvPr id="3" name="Содержимое 2"/>
+          <p:cNvSpPr>
+            <a:spLocks noGrp="1"/>
+          </p:cNvSpPr>
+          <p:nvPr>
+            <p:ph idx="1"/>
+          </p:nvPr>
+        </p:nvSpPr>
+        <p:spPr/>
+        <p:txBody>
           <a:bodyPr/>
           <a:lstStyle/>
           <a:p>
-            <a:endParaRPr lang="ru-RU"/>
-          </a:p>
-        </p:txBody>
-      </p:sp>
-      <p:sp>
-        <p:nvSpPr>
-          <p:cNvPr id="3" name="Содержимое 2"/>
-          <p:cNvSpPr>
-            <a:spLocks noGrp="1"/>
-          </p:cNvSpPr>
-          <p:nvPr>
-            <p:ph idx="1"/>
-          </p:nvPr>
-        </p:nvSpPr>
-        <p:spPr/>
-        <p:txBody>
-          <a:bodyPr/>
-          <a:lstStyle/>
-          <a:p>
-            <a:endParaRPr lang="ru-RU"/>
-          </a:p>
-        </p:txBody>
-      </p:sp>
+            <a:pPr marL="0" indent="266700">
+              <a:buNone/>
+            </a:pPr>
+            <a:r>
+              <a:rPr lang="ru-RU" dirty="0" smtClean="0">
+                <a:latin typeface="Times New Roman" pitchFamily="18" charset="0"/>
+                <a:cs typeface="Times New Roman" pitchFamily="18" charset="0"/>
+              </a:rPr>
+              <a:t>Форма меню сотрудника:</a:t>
+            </a:r>
+            <a:endParaRPr lang="ru-RU" dirty="0">
+              <a:latin typeface="Times New Roman" pitchFamily="18" charset="0"/>
+              <a:cs typeface="Times New Roman" pitchFamily="18" charset="0"/>
+            </a:endParaRPr>
+          </a:p>
+        </p:txBody>
+      </p:sp>
+      <p:pic>
+        <p:nvPicPr>
+          <p:cNvPr id="2050" name="Picture 2"/>
+          <p:cNvPicPr>
+            <a:picLocks noChangeAspect="1" noChangeArrowheads="1"/>
+          </p:cNvPicPr>
+          <p:nvPr/>
+        </p:nvPicPr>
+        <p:blipFill>
+          <a:blip r:embed="rId2" cstate="print"/>
+          <a:srcRect/>
+          <a:stretch>
+            <a:fillRect/>
+          </a:stretch>
+        </p:blipFill>
+        <p:spPr bwMode="auto">
+          <a:xfrm>
+            <a:off x="571472" y="2357431"/>
+            <a:ext cx="3571629" cy="2214577"/>
+          </a:xfrm>
+          <a:prstGeom prst="rect">
+            <a:avLst/>
+          </a:prstGeom>
+          <a:noFill/>
+          <a:ln w="9525">
+            <a:noFill/>
+            <a:miter lim="800000"/>
+            <a:headEnd/>
+            <a:tailEnd/>
+          </a:ln>
+          <a:effectLst/>
+        </p:spPr>
+      </p:pic>
+      <p:pic>
+        <p:nvPicPr>
+          <p:cNvPr id="2051" name="Picture 3"/>
+          <p:cNvPicPr>
+            <a:picLocks noChangeAspect="1" noChangeArrowheads="1"/>
+          </p:cNvPicPr>
+          <p:nvPr/>
+        </p:nvPicPr>
+        <p:blipFill>
+          <a:blip r:embed="rId3" cstate="print"/>
+          <a:srcRect/>
+          <a:stretch>
+            <a:fillRect/>
+          </a:stretch>
+        </p:blipFill>
+        <p:spPr bwMode="auto">
+          <a:xfrm>
+            <a:off x="4286248" y="2357430"/>
+            <a:ext cx="3574405" cy="2214577"/>
+          </a:xfrm>
+          <a:prstGeom prst="rect">
+            <a:avLst/>
+          </a:prstGeom>
+          <a:noFill/>
+          <a:ln w="9525">
+            <a:noFill/>
+            <a:miter lim="800000"/>
+            <a:headEnd/>
+            <a:tailEnd/>
+          </a:ln>
+          <a:effectLst/>
+        </p:spPr>
+      </p:pic>
     </p:spTree>
   </p:cSld>
   <p:clrMapOvr>
